--- a/0451060_108_SM_TEAM1.pptx
+++ b/0451060_108_SM_TEAM1.pptx
@@ -20,8 +20,8 @@
     <p:sldId id="292" r:id="rId8"/>
     <p:sldId id="269" r:id="rId9"/>
     <p:sldId id="293" r:id="rId10"/>
-    <p:sldId id="263" r:id="rId11"/>
-    <p:sldId id="276" r:id="rId12"/>
+    <p:sldId id="276" r:id="rId11"/>
+    <p:sldId id="314" r:id="rId12"/>
     <p:sldId id="295" r:id="rId13"/>
     <p:sldId id="297" r:id="rId14"/>
     <p:sldId id="299" r:id="rId15"/>
@@ -31,10 +31,10 @@
     <p:sldId id="303" r:id="rId19"/>
     <p:sldId id="308" r:id="rId20"/>
     <p:sldId id="304" r:id="rId21"/>
-    <p:sldId id="305" r:id="rId22"/>
-    <p:sldId id="306" r:id="rId23"/>
-    <p:sldId id="307" r:id="rId24"/>
-    <p:sldId id="272" r:id="rId25"/>
+    <p:sldId id="272" r:id="rId22"/>
+    <p:sldId id="310" r:id="rId23"/>
+    <p:sldId id="312" r:id="rId24"/>
+    <p:sldId id="313" r:id="rId25"/>
     <p:sldId id="259" r:id="rId26"/>
     <p:sldId id="264" r:id="rId27"/>
     <p:sldId id="273" r:id="rId28"/>
@@ -247,7 +247,7 @@
           <a:p>
             <a:fld id="{D741B353-5058-4438-B811-FB142E35FD4F}" type="datetimeFigureOut">
               <a:rPr lang="zh-TW" altLang="en-US" smtClean="0"/>
-              <a:t>2019/6/21</a:t>
+              <a:t>2019/6/24</a:t>
             </a:fld>
             <a:endParaRPr lang="zh-TW" altLang="en-US"/>
           </a:p>
@@ -414,7 +414,7 @@
             <a:fld id="{C2159322-6C85-4127-9E81-7F8BF0D70E1A}" type="datetimeFigureOut">
               <a:rPr lang="zh-CN" altLang="en-US" smtClean="0"/>
               <a:pPr/>
-              <a:t>2019/6/21</a:t>
+              <a:t>2019/6/24</a:t>
             </a:fld>
             <a:endParaRPr lang="zh-CN" altLang="en-US"/>
           </a:p>
@@ -5282,6 +5282,13 @@
   <p:clrMapOvr>
     <a:masterClrMapping/>
   </p:clrMapOvr>
+  <p:timing>
+    <p:tnLst>
+      <p:par>
+        <p:cTn id="1" dur="indefinite" restart="never" nodeType="tmRoot"/>
+      </p:par>
+    </p:tnLst>
+  </p:timing>
 </p:sld>
 </file>
 
@@ -5302,186 +5309,6 @@
           <a:chExt cx="0" cy="0"/>
         </a:xfrm>
       </p:grpSpPr>
-      <p:sp>
-        <p:nvSpPr>
-          <p:cNvPr id="3" name="矩形 2">
-            <a:extLst>
-              <a:ext uri="{FF2B5EF4-FFF2-40B4-BE49-F238E27FC236}">
-                <a16:creationId xmlns:a16="http://schemas.microsoft.com/office/drawing/2014/main" xmlns="" id="{B1EF227F-F971-46C4-8C83-D820A502B67B}"/>
-              </a:ext>
-            </a:extLst>
-          </p:cNvPr>
-          <p:cNvSpPr/>
-          <p:nvPr/>
-        </p:nvSpPr>
-        <p:spPr>
-          <a:xfrm>
-            <a:off x="388823" y="375240"/>
-            <a:ext cx="1467068" cy="400110"/>
-          </a:xfrm>
-          <a:prstGeom prst="rect">
-            <a:avLst/>
-          </a:prstGeom>
-        </p:spPr>
-        <p:txBody>
-          <a:bodyPr wrap="none">
-            <a:spAutoFit/>
-          </a:bodyPr>
-          <a:lstStyle/>
-          <a:p>
-            <a:pPr>
-              <a:spcAft>
-                <a:spcPts val="0"/>
-              </a:spcAft>
-            </a:pPr>
-            <a:r>
-              <a:rPr lang="zh-TW" altLang="en-US" sz="2000" b="1" kern="100" dirty="0">
-                <a:solidFill>
-                  <a:schemeClr val="accent1"/>
-                </a:solidFill>
-                <a:latin typeface="+mn-ea"/>
-                <a:cs typeface="Times New Roman" panose="02020603050405020304" pitchFamily="18" charset="0"/>
-              </a:rPr>
-              <a:t>概念模型圖</a:t>
-            </a:r>
-            <a:endParaRPr lang="zh-CN" altLang="en-US" sz="2000" b="1" kern="100" dirty="0">
-              <a:solidFill>
-                <a:schemeClr val="accent1"/>
-              </a:solidFill>
-              <a:latin typeface="+mn-ea"/>
-              <a:cs typeface="Times New Roman" panose="02020603050405020304" pitchFamily="18" charset="0"/>
-            </a:endParaRPr>
-          </a:p>
-        </p:txBody>
-      </p:sp>
-      <p:sp>
-        <p:nvSpPr>
-          <p:cNvPr id="27" name="矩形 26">
-            <a:extLst>
-              <a:ext uri="{FF2B5EF4-FFF2-40B4-BE49-F238E27FC236}">
-                <a16:creationId xmlns:a16="http://schemas.microsoft.com/office/drawing/2014/main" xmlns="" id="{B75F93CF-3DCA-4826-923A-B1601135DAD3}"/>
-              </a:ext>
-            </a:extLst>
-          </p:cNvPr>
-          <p:cNvSpPr/>
-          <p:nvPr/>
-        </p:nvSpPr>
-        <p:spPr>
-          <a:xfrm>
-            <a:off x="450816" y="1425155"/>
-            <a:ext cx="1980029" cy="400110"/>
-          </a:xfrm>
-          <a:prstGeom prst="rect">
-            <a:avLst/>
-          </a:prstGeom>
-        </p:spPr>
-        <p:txBody>
-          <a:bodyPr wrap="none">
-            <a:spAutoFit/>
-          </a:bodyPr>
-          <a:lstStyle/>
-          <a:p>
-            <a:pPr>
-              <a:spcAft>
-                <a:spcPts val="0"/>
-              </a:spcAft>
-            </a:pPr>
-            <a:r>
-              <a:rPr lang="zh-CN" altLang="en-US" sz="2000" b="1" kern="100" dirty="0">
-                <a:solidFill>
-                  <a:schemeClr val="bg1"/>
-                </a:solidFill>
-                <a:latin typeface="+mn-ea"/>
-                <a:cs typeface="Times New Roman" panose="02020603050405020304" pitchFamily="18" charset="0"/>
-              </a:rPr>
-              <a:t>国内外研究概况</a:t>
-            </a:r>
-          </a:p>
-        </p:txBody>
-      </p:sp>
-      <p:pic>
-        <p:nvPicPr>
-          <p:cNvPr id="33" name="內容版面配置區 6"/>
-          <p:cNvPicPr>
-            <a:picLocks noChangeAspect="1"/>
-          </p:cNvPicPr>
-          <p:nvPr/>
-        </p:nvPicPr>
-        <p:blipFill rotWithShape="1">
-          <a:blip r:embed="rId2">
-            <a:extLst>
-              <a:ext uri="{28A0092B-C50C-407E-A947-70E740481C1C}">
-                <a14:useLocalDpi xmlns:a14="http://schemas.microsoft.com/office/drawing/2010/main" val="0"/>
-              </a:ext>
-            </a:extLst>
-          </a:blip>
-          <a:srcRect t="5552" b="5764"/>
-          <a:stretch/>
-        </p:blipFill>
-        <p:spPr>
-          <a:xfrm>
-            <a:off x="2011507" y="784507"/>
-            <a:ext cx="5079758" cy="3772265"/>
-          </a:xfrm>
-          <a:prstGeom prst="rect">
-            <a:avLst/>
-          </a:prstGeom>
-        </p:spPr>
-      </p:pic>
-    </p:spTree>
-    <p:extLst>
-      <p:ext uri="{BB962C8B-B14F-4D97-AF65-F5344CB8AC3E}">
-        <p14:creationId xmlns:p14="http://schemas.microsoft.com/office/powerpoint/2010/main" val="1308409162"/>
-      </p:ext>
-    </p:extLst>
-  </p:cSld>
-  <p:clrMapOvr>
-    <a:masterClrMapping/>
-  </p:clrMapOvr>
-</p:sld>
-</file>
-
-<file path=ppt/slides/slide11.xml><?xml version="1.0" encoding="utf-8"?>
-<p:sld xmlns:a="http://schemas.openxmlformats.org/drawingml/2006/main" xmlns:r="http://schemas.openxmlformats.org/officeDocument/2006/relationships" xmlns:p="http://schemas.openxmlformats.org/presentationml/2006/main">
-  <p:cSld>
-    <p:spTree>
-      <p:nvGrpSpPr>
-        <p:cNvPr id="1" name=""/>
-        <p:cNvGrpSpPr/>
-        <p:nvPr/>
-      </p:nvGrpSpPr>
-      <p:grpSpPr>
-        <a:xfrm>
-          <a:off x="0" y="0"/>
-          <a:ext cx="0" cy="0"/>
-          <a:chOff x="0" y="0"/>
-          <a:chExt cx="0" cy="0"/>
-        </a:xfrm>
-      </p:grpSpPr>
-      <p:pic>
-        <p:nvPicPr>
-          <p:cNvPr id="5" name="圖片 4"/>
-          <p:cNvPicPr>
-            <a:picLocks noChangeAspect="1"/>
-          </p:cNvPicPr>
-          <p:nvPr/>
-        </p:nvPicPr>
-        <p:blipFill>
-          <a:blip r:embed="rId2"/>
-          <a:stretch>
-            <a:fillRect/>
-          </a:stretch>
-        </p:blipFill>
-        <p:spPr>
-          <a:xfrm>
-            <a:off x="971550" y="261408"/>
-            <a:ext cx="6781799" cy="4232570"/>
-          </a:xfrm>
-          <a:prstGeom prst="rect">
-            <a:avLst/>
-          </a:prstGeom>
-        </p:spPr>
-      </p:pic>
       <p:sp>
         <p:nvSpPr>
           <p:cNvPr id="2" name="矩形 1">
@@ -5534,11 +5361,672 @@
           </a:p>
         </p:txBody>
       </p:sp>
+      <p:pic>
+        <p:nvPicPr>
+          <p:cNvPr id="3" name="圖片 2"/>
+          <p:cNvPicPr>
+            <a:picLocks noChangeAspect="1"/>
+          </p:cNvPicPr>
+          <p:nvPr/>
+        </p:nvPicPr>
+        <p:blipFill>
+          <a:blip r:embed="rId2">
+            <a:extLst>
+              <a:ext uri="{28A0092B-C50C-407E-A947-70E740481C1C}">
+                <a14:useLocalDpi xmlns:a14="http://schemas.microsoft.com/office/drawing/2010/main" val="0"/>
+              </a:ext>
+            </a:extLst>
+          </a:blip>
+          <a:stretch>
+            <a:fillRect/>
+          </a:stretch>
+        </p:blipFill>
+        <p:spPr>
+          <a:xfrm>
+            <a:off x="388823" y="775350"/>
+            <a:ext cx="8186057" cy="3863677"/>
+          </a:xfrm>
+          <a:prstGeom prst="rect">
+            <a:avLst/>
+          </a:prstGeom>
+        </p:spPr>
+      </p:pic>
     </p:spTree>
   </p:cSld>
   <p:clrMapOvr>
     <a:masterClrMapping/>
   </p:clrMapOvr>
+  <p:timing>
+    <p:tnLst>
+      <p:par>
+        <p:cTn id="1" dur="indefinite" restart="never" nodeType="tmRoot"/>
+      </p:par>
+    </p:tnLst>
+  </p:timing>
+</p:sld>
+</file>
+
+<file path=ppt/slides/slide11.xml><?xml version="1.0" encoding="utf-8"?>
+<p:sld xmlns:a="http://schemas.openxmlformats.org/drawingml/2006/main" xmlns:r="http://schemas.openxmlformats.org/officeDocument/2006/relationships" xmlns:p="http://schemas.openxmlformats.org/presentationml/2006/main">
+  <p:cSld>
+    <p:spTree>
+      <p:nvGrpSpPr>
+        <p:cNvPr id="1" name=""/>
+        <p:cNvGrpSpPr/>
+        <p:nvPr/>
+      </p:nvGrpSpPr>
+      <p:grpSpPr>
+        <a:xfrm>
+          <a:off x="0" y="0"/>
+          <a:ext cx="0" cy="0"/>
+          <a:chOff x="0" y="0"/>
+          <a:chExt cx="0" cy="0"/>
+        </a:xfrm>
+      </p:grpSpPr>
+      <p:grpSp>
+        <p:nvGrpSpPr>
+          <p:cNvPr id="2" name="组合 29">
+            <a:extLst>
+              <a:ext uri="{FF2B5EF4-FFF2-40B4-BE49-F238E27FC236}">
+                <a16:creationId xmlns:a16="http://schemas.microsoft.com/office/drawing/2014/main" xmlns="" id="{51852231-DBA4-4459-A525-9D6F0328D398}"/>
+              </a:ext>
+            </a:extLst>
+          </p:cNvPr>
+          <p:cNvGrpSpPr/>
+          <p:nvPr/>
+        </p:nvGrpSpPr>
+        <p:grpSpPr>
+          <a:xfrm>
+            <a:off x="699771" y="1647253"/>
+            <a:ext cx="626564" cy="626564"/>
+            <a:chOff x="2473104" y="2145028"/>
+            <a:chExt cx="359165" cy="359165"/>
+          </a:xfrm>
+          <a:solidFill>
+            <a:schemeClr val="bg1"/>
+          </a:solidFill>
+        </p:grpSpPr>
+        <p:sp>
+          <p:nvSpPr>
+            <p:cNvPr id="3" name="AutoShape 126">
+              <a:extLst>
+                <a:ext uri="{FF2B5EF4-FFF2-40B4-BE49-F238E27FC236}">
+                  <a16:creationId xmlns:a16="http://schemas.microsoft.com/office/drawing/2014/main" xmlns="" id="{3A999974-19D3-44F7-BF39-C052E0153F33}"/>
+                </a:ext>
+              </a:extLst>
+            </p:cNvPr>
+            <p:cNvSpPr>
+              <a:spLocks/>
+            </p:cNvSpPr>
+            <p:nvPr/>
+          </p:nvSpPr>
+          <p:spPr bwMode="auto">
+            <a:xfrm>
+              <a:off x="2473104" y="2145028"/>
+              <a:ext cx="359165" cy="359165"/>
+            </a:xfrm>
+            <a:custGeom>
+              <a:avLst/>
+              <a:gdLst>
+                <a:gd name="T0" fmla="*/ 10800 w 21600"/>
+                <a:gd name="T1" fmla="*/ 10800 h 21600"/>
+                <a:gd name="T2" fmla="*/ 10800 w 21600"/>
+                <a:gd name="T3" fmla="*/ 10800 h 21600"/>
+                <a:gd name="T4" fmla="*/ 10800 w 21600"/>
+                <a:gd name="T5" fmla="*/ 10800 h 21600"/>
+                <a:gd name="T6" fmla="*/ 10800 w 21600"/>
+                <a:gd name="T7" fmla="*/ 10800 h 21600"/>
+              </a:gdLst>
+              <a:ahLst/>
+              <a:cxnLst>
+                <a:cxn ang="0">
+                  <a:pos x="T0" y="T1"/>
+                </a:cxn>
+                <a:cxn ang="0">
+                  <a:pos x="T2" y="T3"/>
+                </a:cxn>
+                <a:cxn ang="0">
+                  <a:pos x="T4" y="T5"/>
+                </a:cxn>
+                <a:cxn ang="0">
+                  <a:pos x="T6" y="T7"/>
+                </a:cxn>
+              </a:cxnLst>
+              <a:rect l="0" t="0" r="r" b="b"/>
+              <a:pathLst>
+                <a:path w="21600" h="21600">
+                  <a:moveTo>
+                    <a:pt x="13499" y="14850"/>
+                  </a:moveTo>
+                  <a:cubicBezTo>
+                    <a:pt x="9772" y="14850"/>
+                    <a:pt x="6749" y="11827"/>
+                    <a:pt x="6749" y="8100"/>
+                  </a:cubicBezTo>
+                  <a:cubicBezTo>
+                    <a:pt x="6749" y="4372"/>
+                    <a:pt x="9772" y="1350"/>
+                    <a:pt x="13499" y="1350"/>
+                  </a:cubicBezTo>
+                  <a:cubicBezTo>
+                    <a:pt x="17227" y="1350"/>
+                    <a:pt x="20249" y="4372"/>
+                    <a:pt x="20249" y="8100"/>
+                  </a:cubicBezTo>
+                  <a:cubicBezTo>
+                    <a:pt x="20249" y="11827"/>
+                    <a:pt x="17227" y="14850"/>
+                    <a:pt x="13499" y="14850"/>
+                  </a:cubicBezTo>
+                  <a:moveTo>
+                    <a:pt x="3236" y="20042"/>
+                  </a:moveTo>
+                  <a:cubicBezTo>
+                    <a:pt x="3019" y="20266"/>
+                    <a:pt x="2718" y="20408"/>
+                    <a:pt x="2382" y="20408"/>
+                  </a:cubicBezTo>
+                  <a:cubicBezTo>
+                    <a:pt x="1724" y="20408"/>
+                    <a:pt x="1191" y="19875"/>
+                    <a:pt x="1191" y="19218"/>
+                  </a:cubicBezTo>
+                  <a:cubicBezTo>
+                    <a:pt x="1191" y="18881"/>
+                    <a:pt x="1332" y="18580"/>
+                    <a:pt x="1557" y="18363"/>
+                  </a:cubicBezTo>
+                  <a:lnTo>
+                    <a:pt x="1551" y="18358"/>
+                  </a:lnTo>
+                  <a:lnTo>
+                    <a:pt x="6996" y="12913"/>
+                  </a:lnTo>
+                  <a:cubicBezTo>
+                    <a:pt x="7472" y="13555"/>
+                    <a:pt x="8039" y="14122"/>
+                    <a:pt x="8680" y="14599"/>
+                  </a:cubicBezTo>
+                  <a:cubicBezTo>
+                    <a:pt x="8680" y="14599"/>
+                    <a:pt x="3236" y="20042"/>
+                    <a:pt x="3236" y="20042"/>
+                  </a:cubicBezTo>
+                  <a:close/>
+                  <a:moveTo>
+                    <a:pt x="13499" y="0"/>
+                  </a:moveTo>
+                  <a:cubicBezTo>
+                    <a:pt x="9026" y="0"/>
+                    <a:pt x="5399" y="3626"/>
+                    <a:pt x="5399" y="8100"/>
+                  </a:cubicBezTo>
+                  <a:cubicBezTo>
+                    <a:pt x="5399" y="9467"/>
+                    <a:pt x="5742" y="10754"/>
+                    <a:pt x="6341" y="11884"/>
+                  </a:cubicBezTo>
+                  <a:lnTo>
+                    <a:pt x="709" y="17515"/>
+                  </a:lnTo>
+                  <a:lnTo>
+                    <a:pt x="713" y="17520"/>
+                  </a:lnTo>
+                  <a:cubicBezTo>
+                    <a:pt x="274" y="17953"/>
+                    <a:pt x="0" y="18552"/>
+                    <a:pt x="0" y="19218"/>
+                  </a:cubicBezTo>
+                  <a:cubicBezTo>
+                    <a:pt x="0" y="20533"/>
+                    <a:pt x="1066" y="21599"/>
+                    <a:pt x="2382" y="21599"/>
+                  </a:cubicBezTo>
+                  <a:cubicBezTo>
+                    <a:pt x="3047" y="21599"/>
+                    <a:pt x="3647" y="21326"/>
+                    <a:pt x="4079" y="20885"/>
+                  </a:cubicBezTo>
+                  <a:lnTo>
+                    <a:pt x="4078" y="20884"/>
+                  </a:lnTo>
+                  <a:lnTo>
+                    <a:pt x="9708" y="15255"/>
+                  </a:lnTo>
+                  <a:cubicBezTo>
+                    <a:pt x="10839" y="15856"/>
+                    <a:pt x="12128" y="16200"/>
+                    <a:pt x="13499" y="16200"/>
+                  </a:cubicBezTo>
+                  <a:cubicBezTo>
+                    <a:pt x="17973" y="16200"/>
+                    <a:pt x="21600" y="12573"/>
+                    <a:pt x="21600" y="8100"/>
+                  </a:cubicBezTo>
+                  <a:cubicBezTo>
+                    <a:pt x="21600" y="3626"/>
+                    <a:pt x="17973" y="0"/>
+                    <a:pt x="13499" y="0"/>
+                  </a:cubicBezTo>
+                </a:path>
+              </a:pathLst>
+            </a:custGeom>
+            <a:grpFill/>
+            <a:ln>
+              <a:noFill/>
+            </a:ln>
+            <a:effectLst/>
+            <a:extLst>
+              <a:ext uri="{91240B29-F687-4f45-9708-019B960494DF}"/>
+              <a:ext uri="{AF507438-7753-43e0-B8FC-AC1667EBCBE1}"/>
+            </a:extLst>
+          </p:spPr>
+          <p:txBody>
+            <a:bodyPr lIns="19050" tIns="19050" rIns="19050" bIns="19050" anchor="ctr"/>
+            <a:lstStyle/>
+            <a:p>
+              <a:pPr algn="ctr" defTabSz="228600" fontAlgn="base" hangingPunct="0">
+                <a:spcBef>
+                  <a:spcPct val="0"/>
+                </a:spcBef>
+                <a:spcAft>
+                  <a:spcPct val="0"/>
+                </a:spcAft>
+                <a:defRPr/>
+              </a:pPr>
+              <a:endParaRPr lang="en-US" sz="1500" kern="0">
+                <a:solidFill>
+                  <a:srgbClr val="FFFFFF"/>
+                </a:solidFill>
+                <a:effectLst>
+                  <a:outerShdw blurRad="38100" dist="38100" dir="2700000" algn="tl">
+                    <a:srgbClr val="000000"/>
+                  </a:outerShdw>
+                </a:effectLst>
+                <a:latin typeface="Gill Sans" charset="0"/>
+                <a:ea typeface="宋体"/>
+                <a:sym typeface="Gill Sans" charset="0"/>
+              </a:endParaRPr>
+            </a:p>
+          </p:txBody>
+        </p:sp>
+        <p:sp>
+          <p:nvSpPr>
+            <p:cNvPr id="4" name="AutoShape 127">
+              <a:extLst>
+                <a:ext uri="{FF2B5EF4-FFF2-40B4-BE49-F238E27FC236}">
+                  <a16:creationId xmlns:a16="http://schemas.microsoft.com/office/drawing/2014/main" xmlns="" id="{AA83F5E9-B885-450C-9308-5D18FF3B7BA7}"/>
+                </a:ext>
+              </a:extLst>
+            </p:cNvPr>
+            <p:cNvSpPr>
+              <a:spLocks/>
+            </p:cNvSpPr>
+            <p:nvPr/>
+          </p:nvSpPr>
+          <p:spPr bwMode="auto">
+            <a:xfrm>
+              <a:off x="2618611" y="2200897"/>
+              <a:ext cx="84727" cy="84112"/>
+            </a:xfrm>
+            <a:custGeom>
+              <a:avLst/>
+              <a:gdLst>
+                <a:gd name="T0" fmla="*/ 10800 w 21600"/>
+                <a:gd name="T1" fmla="*/ 10800 h 21600"/>
+                <a:gd name="T2" fmla="*/ 10800 w 21600"/>
+                <a:gd name="T3" fmla="*/ 10800 h 21600"/>
+                <a:gd name="T4" fmla="*/ 10800 w 21600"/>
+                <a:gd name="T5" fmla="*/ 10800 h 21600"/>
+                <a:gd name="T6" fmla="*/ 10800 w 21600"/>
+                <a:gd name="T7" fmla="*/ 10800 h 21600"/>
+              </a:gdLst>
+              <a:ahLst/>
+              <a:cxnLst>
+                <a:cxn ang="0">
+                  <a:pos x="T0" y="T1"/>
+                </a:cxn>
+                <a:cxn ang="0">
+                  <a:pos x="T2" y="T3"/>
+                </a:cxn>
+                <a:cxn ang="0">
+                  <a:pos x="T4" y="T5"/>
+                </a:cxn>
+                <a:cxn ang="0">
+                  <a:pos x="T6" y="T7"/>
+                </a:cxn>
+              </a:cxnLst>
+              <a:rect l="0" t="0" r="r" b="b"/>
+              <a:pathLst>
+                <a:path w="21600" h="21600">
+                  <a:moveTo>
+                    <a:pt x="20160" y="0"/>
+                  </a:moveTo>
+                  <a:cubicBezTo>
+                    <a:pt x="9025" y="0"/>
+                    <a:pt x="0" y="9025"/>
+                    <a:pt x="0" y="20160"/>
+                  </a:cubicBezTo>
+                  <a:cubicBezTo>
+                    <a:pt x="0" y="20954"/>
+                    <a:pt x="644" y="21600"/>
+                    <a:pt x="1440" y="21600"/>
+                  </a:cubicBezTo>
+                  <a:cubicBezTo>
+                    <a:pt x="2235" y="21600"/>
+                    <a:pt x="2880" y="20954"/>
+                    <a:pt x="2880" y="20160"/>
+                  </a:cubicBezTo>
+                  <a:cubicBezTo>
+                    <a:pt x="2880" y="10618"/>
+                    <a:pt x="10617" y="2880"/>
+                    <a:pt x="20160" y="2880"/>
+                  </a:cubicBezTo>
+                  <a:cubicBezTo>
+                    <a:pt x="20955" y="2880"/>
+                    <a:pt x="21599" y="2234"/>
+                    <a:pt x="21599" y="1440"/>
+                  </a:cubicBezTo>
+                  <a:cubicBezTo>
+                    <a:pt x="21599" y="645"/>
+                    <a:pt x="20955" y="0"/>
+                    <a:pt x="20160" y="0"/>
+                  </a:cubicBezTo>
+                </a:path>
+              </a:pathLst>
+            </a:custGeom>
+            <a:grpFill/>
+            <a:ln>
+              <a:noFill/>
+            </a:ln>
+            <a:effectLst/>
+            <a:extLst>
+              <a:ext uri="{91240B29-F687-4f45-9708-019B960494DF}"/>
+              <a:ext uri="{AF507438-7753-43e0-B8FC-AC1667EBCBE1}"/>
+            </a:extLst>
+          </p:spPr>
+          <p:txBody>
+            <a:bodyPr lIns="19050" tIns="19050" rIns="19050" bIns="19050" anchor="ctr"/>
+            <a:lstStyle/>
+            <a:p>
+              <a:pPr algn="ctr" defTabSz="228600" fontAlgn="base" hangingPunct="0">
+                <a:spcBef>
+                  <a:spcPct val="0"/>
+                </a:spcBef>
+                <a:spcAft>
+                  <a:spcPct val="0"/>
+                </a:spcAft>
+                <a:defRPr/>
+              </a:pPr>
+              <a:endParaRPr lang="en-US" sz="1500" kern="0">
+                <a:solidFill>
+                  <a:srgbClr val="FFFFFF"/>
+                </a:solidFill>
+                <a:effectLst>
+                  <a:outerShdw blurRad="38100" dist="38100" dir="2700000" algn="tl">
+                    <a:srgbClr val="000000"/>
+                  </a:outerShdw>
+                </a:effectLst>
+                <a:latin typeface="Gill Sans" charset="0"/>
+                <a:ea typeface="宋体"/>
+                <a:sym typeface="Gill Sans" charset="0"/>
+              </a:endParaRPr>
+            </a:p>
+          </p:txBody>
+        </p:sp>
+      </p:grpSp>
+      <p:graphicFrame>
+        <p:nvGraphicFramePr>
+          <p:cNvPr id="5" name="表格 4"/>
+          <p:cNvGraphicFramePr>
+            <a:graphicFrameLocks noGrp="1"/>
+          </p:cNvGraphicFramePr>
+          <p:nvPr>
+            <p:extLst>
+              <p:ext uri="{D42A27DB-BD31-4B8C-83A1-F6EECF244321}">
+                <p14:modId xmlns:p14="http://schemas.microsoft.com/office/powerpoint/2010/main" val="535293006"/>
+              </p:ext>
+            </p:extLst>
+          </p:nvPr>
+        </p:nvGraphicFramePr>
+        <p:xfrm>
+          <a:off x="479270" y="1744717"/>
+          <a:ext cx="8312304" cy="1666140"/>
+        </p:xfrm>
+        <a:graphic>
+          <a:graphicData uri="http://schemas.openxmlformats.org/drawingml/2006/table">
+            <a:tbl>
+              <a:tblPr firstRow="1" bandRow="1">
+                <a:tableStyleId>{5C22544A-7EE6-4342-B048-85BDC9FD1C3A}</a:tableStyleId>
+              </a:tblPr>
+              <a:tblGrid>
+                <a:gridCol w="1273330">
+                  <a:extLst>
+                    <a:ext uri="{9D8B030D-6E8A-4147-A177-3AD203B41FA5}">
+                      <a16:colId xmlns:a16="http://schemas.microsoft.com/office/drawing/2014/main" xmlns="" val="2450091668"/>
+                    </a:ext>
+                  </a:extLst>
+                </a:gridCol>
+                <a:gridCol w="3318285">
+                  <a:extLst>
+                    <a:ext uri="{9D8B030D-6E8A-4147-A177-3AD203B41FA5}">
+                      <a16:colId xmlns:a16="http://schemas.microsoft.com/office/drawing/2014/main" xmlns="" val="502982576"/>
+                    </a:ext>
+                  </a:extLst>
+                </a:gridCol>
+                <a:gridCol w="3720689">
+                  <a:extLst>
+                    <a:ext uri="{9D8B030D-6E8A-4147-A177-3AD203B41FA5}">
+                      <a16:colId xmlns:a16="http://schemas.microsoft.com/office/drawing/2014/main" xmlns="" val="375596569"/>
+                    </a:ext>
+                  </a:extLst>
+                </a:gridCol>
+              </a:tblGrid>
+              <a:tr h="416535">
+                <a:tc>
+                  <a:txBody>
+                    <a:bodyPr/>
+                    <a:lstStyle/>
+                    <a:p>
+                      <a:pPr algn="ctr"/>
+                      <a:r>
+                        <a:rPr lang="zh-TW" altLang="en-US" sz="2000" dirty="0"/>
+                        <a:t>功能項目</a:t>
+                      </a:r>
+                    </a:p>
+                  </a:txBody>
+                  <a:tcPr anchor="ctr"/>
+                </a:tc>
+                <a:tc>
+                  <a:txBody>
+                    <a:bodyPr/>
+                    <a:lstStyle/>
+                    <a:p>
+                      <a:pPr marL="0" marR="0" indent="0" algn="ctr" defTabSz="685800" rtl="0" eaLnBrk="1" fontAlgn="auto" latinLnBrk="0" hangingPunct="1">
+                        <a:lnSpc>
+                          <a:spcPct val="100000"/>
+                        </a:lnSpc>
+                        <a:spcBef>
+                          <a:spcPts val="0"/>
+                        </a:spcBef>
+                        <a:spcAft>
+                          <a:spcPts val="0"/>
+                        </a:spcAft>
+                        <a:buClrTx/>
+                        <a:buSzTx/>
+                        <a:buFontTx/>
+                        <a:buNone/>
+                        <a:tabLst/>
+                        <a:defRPr/>
+                      </a:pPr>
+                      <a:r>
+                        <a:rPr lang="zh-TW" altLang="en-US" sz="2000" b="1" i="0" u="none" strike="noStrike" kern="1200" baseline="0" dirty="0">
+                          <a:solidFill>
+                            <a:schemeClr val="lt1"/>
+                          </a:solidFill>
+                          <a:latin typeface="+mn-lt"/>
+                          <a:ea typeface="+mn-ea"/>
+                          <a:cs typeface="+mn-cs"/>
+                        </a:rPr>
+                        <a:t>功能項目操作</a:t>
+                      </a:r>
+                      <a:endParaRPr lang="en-US" altLang="zh-TW" sz="2000" b="1" i="0" u="none" strike="noStrike" kern="1200" baseline="0" dirty="0">
+                        <a:solidFill>
+                          <a:schemeClr val="lt1"/>
+                        </a:solidFill>
+                        <a:latin typeface="+mn-lt"/>
+                        <a:ea typeface="+mn-ea"/>
+                        <a:cs typeface="+mn-cs"/>
+                      </a:endParaRPr>
+                    </a:p>
+                  </a:txBody>
+                  <a:tcPr anchor="ctr"/>
+                </a:tc>
+                <a:tc>
+                  <a:txBody>
+                    <a:bodyPr/>
+                    <a:lstStyle/>
+                    <a:p>
+                      <a:pPr algn="ctr"/>
+                      <a:r>
+                        <a:rPr lang="zh-TW" altLang="en-US" sz="2000" b="1" dirty="0"/>
+                        <a:t>說明</a:t>
+                      </a:r>
+                    </a:p>
+                  </a:txBody>
+                  <a:tcPr anchor="ctr"/>
+                </a:tc>
+                <a:extLst>
+                  <a:ext uri="{0D108BD9-81ED-4DB2-BD59-A6C34878D82A}">
+                    <a16:rowId xmlns:a16="http://schemas.microsoft.com/office/drawing/2014/main" xmlns="" val="890515757"/>
+                  </a:ext>
+                </a:extLst>
+              </a:tr>
+              <a:tr h="1249605">
+                <a:tc>
+                  <a:txBody>
+                    <a:bodyPr/>
+                    <a:lstStyle/>
+                    <a:p>
+                      <a:pPr algn="ctr"/>
+                      <a:r>
+                        <a:rPr lang="zh-TW" altLang="en-US" sz="2000" b="1" dirty="0" smtClean="0"/>
+                        <a:t>輸入基本之料</a:t>
+                      </a:r>
+                      <a:endParaRPr lang="zh-TW" altLang="en-US" sz="2000" b="1" dirty="0"/>
+                    </a:p>
+                  </a:txBody>
+                  <a:tcPr anchor="ctr"/>
+                </a:tc>
+                <a:tc>
+                  <a:txBody>
+                    <a:bodyPr/>
+                    <a:lstStyle/>
+                    <a:p>
+                      <a:pPr algn="ctr"/>
+                      <a:r>
+                        <a:rPr lang="zh-TW" altLang="en-US" sz="2000" dirty="0" smtClean="0"/>
+                        <a:t>輸入個人資料</a:t>
+                      </a:r>
+                      <a:endParaRPr lang="zh-TW" altLang="en-US" sz="2000" dirty="0"/>
+                    </a:p>
+                  </a:txBody>
+                  <a:tcPr anchor="ctr"/>
+                </a:tc>
+                <a:tc>
+                  <a:txBody>
+                    <a:bodyPr/>
+                    <a:lstStyle/>
+                    <a:p>
+                      <a:pPr algn="l"/>
+                      <a:r>
+                        <a:rPr lang="zh-TW" altLang="en-US" sz="2000" dirty="0" smtClean="0"/>
+                        <a:t>使用者輸入身高、體重、運動量、年齡及性別</a:t>
+                      </a:r>
+                      <a:endParaRPr lang="zh-TW" altLang="en-US" sz="2000" dirty="0"/>
+                    </a:p>
+                  </a:txBody>
+                  <a:tcPr anchor="ctr"/>
+                </a:tc>
+                <a:extLst>
+                  <a:ext uri="{0D108BD9-81ED-4DB2-BD59-A6C34878D82A}">
+                    <a16:rowId xmlns:a16="http://schemas.microsoft.com/office/drawing/2014/main" xmlns="" val="3449860990"/>
+                  </a:ext>
+                </a:extLst>
+              </a:tr>
+            </a:tbl>
+          </a:graphicData>
+        </a:graphic>
+      </p:graphicFrame>
+      <p:sp>
+        <p:nvSpPr>
+          <p:cNvPr id="6" name="矩形 5">
+            <a:extLst>
+              <a:ext uri="{FF2B5EF4-FFF2-40B4-BE49-F238E27FC236}">
+                <a16:creationId xmlns:a16="http://schemas.microsoft.com/office/drawing/2014/main" xmlns="" id="{B1EF227F-F971-46C4-8C83-D820A502B67B}"/>
+              </a:ext>
+            </a:extLst>
+          </p:cNvPr>
+          <p:cNvSpPr/>
+          <p:nvPr/>
+        </p:nvSpPr>
+        <p:spPr>
+          <a:xfrm>
+            <a:off x="388823" y="375240"/>
+            <a:ext cx="1210588" cy="400110"/>
+          </a:xfrm>
+          <a:prstGeom prst="rect">
+            <a:avLst/>
+          </a:prstGeom>
+        </p:spPr>
+        <p:txBody>
+          <a:bodyPr wrap="none">
+            <a:spAutoFit/>
+          </a:bodyPr>
+          <a:lstStyle/>
+          <a:p>
+            <a:pPr>
+              <a:spcAft>
+                <a:spcPts val="0"/>
+              </a:spcAft>
+            </a:pPr>
+            <a:r>
+              <a:rPr lang="zh-TW" altLang="en-US" sz="2000" b="1" kern="100" dirty="0">
+                <a:solidFill>
+                  <a:schemeClr val="accent1"/>
+                </a:solidFill>
+                <a:latin typeface="+mn-ea"/>
+                <a:cs typeface="Times New Roman" panose="02020603050405020304" pitchFamily="18" charset="0"/>
+              </a:rPr>
+              <a:t>功能說明</a:t>
+            </a:r>
+            <a:endParaRPr lang="zh-CN" altLang="en-US" sz="2000" b="1" kern="100" dirty="0">
+              <a:solidFill>
+                <a:schemeClr val="accent1"/>
+              </a:solidFill>
+              <a:latin typeface="+mn-ea"/>
+              <a:cs typeface="Times New Roman" panose="02020603050405020304" pitchFamily="18" charset="0"/>
+            </a:endParaRPr>
+          </a:p>
+        </p:txBody>
+      </p:sp>
+    </p:spTree>
+    <p:extLst>
+      <p:ext uri="{BB962C8B-B14F-4D97-AF65-F5344CB8AC3E}">
+        <p14:creationId xmlns:p14="http://schemas.microsoft.com/office/powerpoint/2010/main" val="3585514410"/>
+      </p:ext>
+    </p:extLst>
+  </p:cSld>
+  <p:clrMapOvr>
+    <a:masterClrMapping/>
+  </p:clrMapOvr>
+  <p:timing>
+    <p:tnLst>
+      <p:par>
+        <p:cTn id="1" dur="indefinite" restart="never" nodeType="tmRoot"/>
+      </p:par>
+    </p:tnLst>
+  </p:timing>
 </p:sld>
 </file>
 
@@ -6261,6 +6749,13 @@
   <p:clrMapOvr>
     <a:masterClrMapping/>
   </p:clrMapOvr>
+  <p:timing>
+    <p:tnLst>
+      <p:par>
+        <p:cTn id="1" dur="indefinite" restart="never" nodeType="tmRoot"/>
+      </p:par>
+    </p:tnLst>
+  </p:timing>
 </p:sld>
 </file>
 
@@ -6971,6 +7466,13 @@
   <p:clrMapOvr>
     <a:masterClrMapping/>
   </p:clrMapOvr>
+  <p:timing>
+    <p:tnLst>
+      <p:par>
+        <p:cTn id="1" dur="indefinite" restart="never" nodeType="tmRoot"/>
+      </p:par>
+    </p:tnLst>
+  </p:timing>
 </p:sld>
 </file>
 
@@ -7656,6 +8158,13 @@
   <p:clrMapOvr>
     <a:masterClrMapping/>
   </p:clrMapOvr>
+  <p:timing>
+    <p:tnLst>
+      <p:par>
+        <p:cTn id="1" dur="indefinite" restart="never" nodeType="tmRoot"/>
+      </p:par>
+    </p:tnLst>
+  </p:timing>
 </p:sld>
 </file>
 
@@ -8373,6 +8882,13 @@
   <p:clrMapOvr>
     <a:masterClrMapping/>
   </p:clrMapOvr>
+  <p:timing>
+    <p:tnLst>
+      <p:par>
+        <p:cTn id="1" dur="indefinite" restart="never" nodeType="tmRoot"/>
+      </p:par>
+    </p:tnLst>
+  </p:timing>
 </p:sld>
 </file>
 
@@ -9112,6 +9628,13 @@
   <p:clrMapOvr>
     <a:masterClrMapping/>
   </p:clrMapOvr>
+  <p:timing>
+    <p:tnLst>
+      <p:par>
+        <p:cTn id="1" dur="indefinite" restart="never" nodeType="tmRoot"/>
+      </p:par>
+    </p:tnLst>
+  </p:timing>
 </p:sld>
 </file>
 
@@ -9593,6 +10116,13 @@
   <p:clrMapOvr>
     <a:masterClrMapping/>
   </p:clrMapOvr>
+  <p:timing>
+    <p:tnLst>
+      <p:par>
+        <p:cTn id="1" dur="indefinite" restart="never" nodeType="tmRoot"/>
+      </p:par>
+    </p:tnLst>
+  </p:timing>
 </p:sld>
 </file>
 
@@ -9621,42 +10151,6 @@
           <a:chExt cx="0" cy="0"/>
         </a:xfrm>
       </p:grpSpPr>
-      <p:pic>
-        <p:nvPicPr>
-          <p:cNvPr id="5" name="圖片 4" descr="一張含有 螢幕擷取畫面 的圖片&#10;&#10;自動產生的描述">
-            <a:extLst>
-              <a:ext uri="{FF2B5EF4-FFF2-40B4-BE49-F238E27FC236}">
-                <a16:creationId xmlns:a16="http://schemas.microsoft.com/office/drawing/2014/main" xmlns="" id="{691430A4-A628-4542-A50C-4285F0221221}"/>
-              </a:ext>
-            </a:extLst>
-          </p:cNvPr>
-          <p:cNvPicPr>
-            <a:picLocks noChangeAspect="1"/>
-          </p:cNvPicPr>
-          <p:nvPr/>
-        </p:nvPicPr>
-        <p:blipFill>
-          <a:blip r:embed="rId2">
-            <a:extLst>
-              <a:ext uri="{28A0092B-C50C-407E-A947-70E740481C1C}">
-                <a14:useLocalDpi xmlns:a14="http://schemas.microsoft.com/office/drawing/2010/main" val="0"/>
-              </a:ext>
-            </a:extLst>
-          </a:blip>
-          <a:stretch>
-            <a:fillRect/>
-          </a:stretch>
-        </p:blipFill>
-        <p:spPr>
-          <a:xfrm>
-            <a:off x="482600" y="1019817"/>
-            <a:ext cx="8178799" cy="3721353"/>
-          </a:xfrm>
-          <a:prstGeom prst="rect">
-            <a:avLst/>
-          </a:prstGeom>
-        </p:spPr>
-      </p:pic>
       <p:sp>
         <p:nvSpPr>
           <p:cNvPr id="2" name="矩形 1">
@@ -9690,201 +10184,14 @@
               </a:spcAft>
             </a:pPr>
             <a:r>
-              <a:rPr lang="zh-TW" altLang="en-US" sz="2000" b="1" kern="100" dirty="0">
+              <a:rPr lang="zh-TW" altLang="en-US" sz="2000" b="1" kern="100" dirty="0" smtClean="0">
                 <a:solidFill>
                   <a:schemeClr val="accent1"/>
                 </a:solidFill>
                 <a:latin typeface="+mn-ea"/>
                 <a:cs typeface="Times New Roman" panose="02020603050405020304" pitchFamily="18" charset="0"/>
               </a:rPr>
-              <a:t>任務安排</a:t>
-            </a:r>
-            <a:endParaRPr lang="zh-CN" altLang="en-US" sz="2000" b="1" kern="100">
-              <a:solidFill>
-                <a:schemeClr val="accent1"/>
-              </a:solidFill>
-              <a:latin typeface="+mn-ea"/>
-              <a:cs typeface="Times New Roman" panose="02020603050405020304" pitchFamily="18" charset="0"/>
-            </a:endParaRPr>
-          </a:p>
-        </p:txBody>
-      </p:sp>
-      <p:sp>
-        <p:nvSpPr>
-          <p:cNvPr id="3" name="矩形 2">
-            <a:extLst>
-              <a:ext uri="{FF2B5EF4-FFF2-40B4-BE49-F238E27FC236}">
-                <a16:creationId xmlns:a16="http://schemas.microsoft.com/office/drawing/2014/main" xmlns="" id="{C912F6F4-EE30-438B-8C15-744A8F4E4422}"/>
-              </a:ext>
-            </a:extLst>
-          </p:cNvPr>
-          <p:cNvSpPr/>
-          <p:nvPr/>
-        </p:nvSpPr>
-        <p:spPr>
-          <a:xfrm>
-            <a:off x="388823" y="742818"/>
-            <a:ext cx="822661" cy="276999"/>
-          </a:xfrm>
-          <a:prstGeom prst="rect">
-            <a:avLst/>
-          </a:prstGeom>
-        </p:spPr>
-        <p:txBody>
-          <a:bodyPr wrap="none">
-            <a:spAutoFit/>
-          </a:bodyPr>
-          <a:lstStyle/>
-          <a:p>
-            <a:pPr>
-              <a:spcAft>
-                <a:spcPts val="600"/>
-              </a:spcAft>
-            </a:pPr>
-            <a:r>
-              <a:rPr lang="en-US" altLang="zh-CN" sz="1200" kern="100" dirty="0">
-                <a:solidFill>
-                  <a:schemeClr val="accent1"/>
-                </a:solidFill>
-                <a:latin typeface="+mj-lt"/>
-                <a:cs typeface="Times New Roman" panose="02020603050405020304" pitchFamily="18" charset="0"/>
-              </a:rPr>
-              <a:t>Schedule</a:t>
-            </a:r>
-            <a:endParaRPr lang="en-US" altLang="zh-CN" sz="1200" kern="100">
-              <a:solidFill>
-                <a:schemeClr val="accent1"/>
-              </a:solidFill>
-              <a:latin typeface="+mj-lt"/>
-              <a:cs typeface="Times New Roman" panose="02020603050405020304" pitchFamily="18" charset="0"/>
-            </a:endParaRPr>
-          </a:p>
-        </p:txBody>
-      </p:sp>
-    </p:spTree>
-    <p:extLst>
-      <p:ext uri="{BB962C8B-B14F-4D97-AF65-F5344CB8AC3E}">
-        <p14:creationId xmlns:p14="http://schemas.microsoft.com/office/powerpoint/2010/main" val="917514348"/>
-      </p:ext>
-    </p:extLst>
-  </p:cSld>
-  <p:clrMapOvr>
-    <a:masterClrMapping/>
-  </p:clrMapOvr>
-</p:sld>
-</file>
-
-<file path=ppt/slides/slide19.xml><?xml version="1.0" encoding="utf-8"?>
-<p:sld xmlns:a="http://schemas.openxmlformats.org/drawingml/2006/main" xmlns:r="http://schemas.openxmlformats.org/officeDocument/2006/relationships" xmlns:p="http://schemas.openxmlformats.org/presentationml/2006/main">
-  <p:cSld>
-    <p:bg>
-      <p:bgPr>
-        <a:solidFill>
-          <a:schemeClr val="bg1"/>
-        </a:solidFill>
-        <a:effectLst/>
-      </p:bgPr>
-    </p:bg>
-    <p:spTree>
-      <p:nvGrpSpPr>
-        <p:cNvPr id="1" name=""/>
-        <p:cNvGrpSpPr/>
-        <p:nvPr/>
-      </p:nvGrpSpPr>
-      <p:grpSpPr>
-        <a:xfrm>
-          <a:off x="0" y="0"/>
-          <a:ext cx="0" cy="0"/>
-          <a:chOff x="0" y="0"/>
-          <a:chExt cx="0" cy="0"/>
-        </a:xfrm>
-      </p:grpSpPr>
-      <p:pic>
-        <p:nvPicPr>
-          <p:cNvPr id="5" name="圖片 4" descr="一張含有 螢幕擷取畫面 的圖片&#10;&#10;自動產生的描述">
-            <a:extLst>
-              <a:ext uri="{FF2B5EF4-FFF2-40B4-BE49-F238E27FC236}">
-                <a16:creationId xmlns:a16="http://schemas.microsoft.com/office/drawing/2014/main" xmlns="" id="{C8DBB79F-E493-4415-8856-762C5A6AB2A4}"/>
-              </a:ext>
-            </a:extLst>
-          </p:cNvPr>
-          <p:cNvPicPr>
-            <a:picLocks noChangeAspect="1"/>
-          </p:cNvPicPr>
-          <p:nvPr/>
-        </p:nvPicPr>
-        <p:blipFill rotWithShape="1">
-          <a:blip r:embed="rId2">
-            <a:extLst>
-              <a:ext uri="{28A0092B-C50C-407E-A947-70E740481C1C}">
-                <a14:useLocalDpi xmlns:a14="http://schemas.microsoft.com/office/drawing/2010/main" val="0"/>
-              </a:ext>
-            </a:extLst>
-          </a:blip>
-          <a:srcRect t="47736"/>
-          <a:stretch/>
-        </p:blipFill>
-        <p:spPr>
-          <a:xfrm>
-            <a:off x="482600" y="1019817"/>
-            <a:ext cx="8178799" cy="1699138"/>
-          </a:xfrm>
-          <a:prstGeom prst="rect">
-            <a:avLst/>
-          </a:prstGeom>
-        </p:spPr>
-      </p:pic>
-      <p:sp>
-        <p:nvSpPr>
-          <p:cNvPr id="2" name="矩形 1">
-            <a:extLst>
-              <a:ext uri="{FF2B5EF4-FFF2-40B4-BE49-F238E27FC236}">
-                <a16:creationId xmlns:a16="http://schemas.microsoft.com/office/drawing/2014/main" xmlns="" id="{B7F6048C-C39D-474E-AA92-E99A272C20C5}"/>
-              </a:ext>
-            </a:extLst>
-          </p:cNvPr>
-          <p:cNvSpPr/>
-          <p:nvPr/>
-        </p:nvSpPr>
-        <p:spPr>
-          <a:xfrm>
-            <a:off x="388823" y="375240"/>
-            <a:ext cx="2348720" cy="400110"/>
-          </a:xfrm>
-          <a:prstGeom prst="rect">
-            <a:avLst/>
-          </a:prstGeom>
-        </p:spPr>
-        <p:txBody>
-          <a:bodyPr wrap="none">
-            <a:spAutoFit/>
-          </a:bodyPr>
-          <a:lstStyle/>
-          <a:p>
-            <a:pPr>
-              <a:spcAft>
-                <a:spcPts val="600"/>
-              </a:spcAft>
-            </a:pPr>
-            <a:r>
-              <a:rPr lang="zh-TW" altLang="en-US" sz="2000" b="1" kern="100" dirty="0">
-                <a:solidFill>
-                  <a:schemeClr val="accent1"/>
-                </a:solidFill>
-                <a:latin typeface="+mn-ea"/>
-                <a:cs typeface="Times New Roman" panose="02020603050405020304" pitchFamily="18" charset="0"/>
-              </a:rPr>
-              <a:t>任務安排</a:t>
-            </a:r>
-            <a:r>
-              <a:rPr lang="en-US" altLang="zh-TW" sz="2000" b="1" kern="100" dirty="0">
-                <a:solidFill>
-                  <a:schemeClr val="accent1"/>
-                </a:solidFill>
-                <a:latin typeface="+mn-ea"/>
-                <a:cs typeface="Times New Roman" panose="02020603050405020304" pitchFamily="18" charset="0"/>
-              </a:rPr>
-              <a:t>-</a:t>
+              <a:t>任務規</a:t>
             </a:r>
             <a:r>
               <a:rPr lang="zh-TW" altLang="en-US" sz="2000" b="1" kern="100" dirty="0">
@@ -9894,7 +10201,7 @@
                 <a:latin typeface="+mn-ea"/>
                 <a:cs typeface="Times New Roman" panose="02020603050405020304" pitchFamily="18" charset="0"/>
               </a:rPr>
-              <a:t>準備工作</a:t>
+              <a:t>劃</a:t>
             </a:r>
             <a:endParaRPr lang="zh-CN" altLang="en-US" sz="2000" b="1" kern="100" dirty="0">
               <a:solidFill>
@@ -9958,6 +10265,1353 @@
           </a:p>
         </p:txBody>
       </p:sp>
+      <p:pic>
+        <p:nvPicPr>
+          <p:cNvPr id="4" name="圖片 3" descr="畫面剪輯"/>
+          <p:cNvPicPr>
+            <a:picLocks noChangeAspect="1"/>
+          </p:cNvPicPr>
+          <p:nvPr/>
+        </p:nvPicPr>
+        <p:blipFill>
+          <a:blip r:embed="rId2">
+            <a:extLst>
+              <a:ext uri="{28A0092B-C50C-407E-A947-70E740481C1C}">
+                <a14:useLocalDpi xmlns:a14="http://schemas.microsoft.com/office/drawing/2010/main" val="0"/>
+              </a:ext>
+            </a:extLst>
+          </a:blip>
+          <a:stretch>
+            <a:fillRect/>
+          </a:stretch>
+        </p:blipFill>
+        <p:spPr>
+          <a:xfrm>
+            <a:off x="388823" y="1142928"/>
+            <a:ext cx="8075158" cy="3200472"/>
+          </a:xfrm>
+          <a:prstGeom prst="rect">
+            <a:avLst/>
+          </a:prstGeom>
+        </p:spPr>
+      </p:pic>
+      <p:sp>
+        <p:nvSpPr>
+          <p:cNvPr id="5" name="矩形 4"/>
+          <p:cNvSpPr/>
+          <p:nvPr/>
+        </p:nvSpPr>
+        <p:spPr>
+          <a:xfrm>
+            <a:off x="904875" y="1142927"/>
+            <a:ext cx="2028036" cy="313241"/>
+          </a:xfrm>
+          <a:prstGeom prst="rect">
+            <a:avLst/>
+          </a:prstGeom>
+          <a:noFill/>
+          <a:ln w="38100">
+            <a:solidFill>
+              <a:srgbClr val="FF0000"/>
+            </a:solidFill>
+          </a:ln>
+        </p:spPr>
+        <p:style>
+          <a:lnRef idx="2">
+            <a:schemeClr val="accent6"/>
+          </a:lnRef>
+          <a:fillRef idx="1">
+            <a:schemeClr val="lt1"/>
+          </a:fillRef>
+          <a:effectRef idx="0">
+            <a:schemeClr val="accent6"/>
+          </a:effectRef>
+          <a:fontRef idx="minor">
+            <a:schemeClr val="dk1"/>
+          </a:fontRef>
+        </p:style>
+        <p:txBody>
+          <a:bodyPr rtlCol="0" anchor="ctr"/>
+          <a:lstStyle/>
+          <a:p>
+            <a:pPr algn="ctr"/>
+            <a:endParaRPr lang="zh-TW" altLang="en-US"/>
+          </a:p>
+        </p:txBody>
+      </p:sp>
+      <p:sp>
+        <p:nvSpPr>
+          <p:cNvPr id="8" name="文字方塊 7"/>
+          <p:cNvSpPr txBox="1"/>
+          <p:nvPr/>
+        </p:nvSpPr>
+        <p:spPr>
+          <a:xfrm>
+            <a:off x="418311" y="3919319"/>
+            <a:ext cx="2819400" cy="646331"/>
+          </a:xfrm>
+          <a:prstGeom prst="rect">
+            <a:avLst/>
+          </a:prstGeom>
+          <a:noFill/>
+        </p:spPr>
+        <p:txBody>
+          <a:bodyPr wrap="square" rtlCol="0">
+            <a:spAutoFit/>
+          </a:bodyPr>
+          <a:lstStyle/>
+          <a:p>
+            <a:r>
+              <a:rPr lang="zh-TW" altLang="en-US" dirty="0" smtClean="0"/>
+              <a:t>任務資訊</a:t>
+            </a:r>
+            <a:r>
+              <a:rPr lang="en-US" altLang="zh-TW" dirty="0" smtClean="0"/>
+              <a:t>(</a:t>
+            </a:r>
+            <a:r>
+              <a:rPr lang="zh-TW" altLang="en-US" dirty="0" smtClean="0"/>
+              <a:t>時間、圖片、人員</a:t>
+            </a:r>
+            <a:r>
+              <a:rPr lang="en-US" altLang="zh-TW" dirty="0" smtClean="0"/>
+              <a:t>)</a:t>
+            </a:r>
+            <a:endParaRPr lang="zh-TW" altLang="en-US" dirty="0"/>
+          </a:p>
+        </p:txBody>
+      </p:sp>
+      <p:sp>
+        <p:nvSpPr>
+          <p:cNvPr id="9" name="橢圓 8"/>
+          <p:cNvSpPr/>
+          <p:nvPr/>
+        </p:nvSpPr>
+        <p:spPr>
+          <a:xfrm>
+            <a:off x="2984500" y="2978150"/>
+            <a:ext cx="253211" cy="260350"/>
+          </a:xfrm>
+          <a:prstGeom prst="ellipse">
+            <a:avLst/>
+          </a:prstGeom>
+          <a:noFill/>
+          <a:ln w="38100">
+            <a:solidFill>
+              <a:srgbClr val="FF0000"/>
+            </a:solidFill>
+          </a:ln>
+        </p:spPr>
+        <p:style>
+          <a:lnRef idx="2">
+            <a:schemeClr val="accent1">
+              <a:shade val="50000"/>
+            </a:schemeClr>
+          </a:lnRef>
+          <a:fillRef idx="1">
+            <a:schemeClr val="accent1"/>
+          </a:fillRef>
+          <a:effectRef idx="0">
+            <a:schemeClr val="accent1"/>
+          </a:effectRef>
+          <a:fontRef idx="minor">
+            <a:schemeClr val="lt1"/>
+          </a:fontRef>
+        </p:style>
+        <p:txBody>
+          <a:bodyPr rtlCol="0" anchor="ctr"/>
+          <a:lstStyle/>
+          <a:p>
+            <a:pPr algn="ctr"/>
+            <a:endParaRPr lang="zh-TW" altLang="en-US"/>
+          </a:p>
+        </p:txBody>
+      </p:sp>
+      <p:sp>
+        <p:nvSpPr>
+          <p:cNvPr id="11" name="橢圓 10"/>
+          <p:cNvSpPr/>
+          <p:nvPr/>
+        </p:nvSpPr>
+        <p:spPr>
+          <a:xfrm>
+            <a:off x="5318037" y="2978150"/>
+            <a:ext cx="253211" cy="260350"/>
+          </a:xfrm>
+          <a:prstGeom prst="ellipse">
+            <a:avLst/>
+          </a:prstGeom>
+          <a:noFill/>
+          <a:ln w="38100">
+            <a:solidFill>
+              <a:srgbClr val="FF0000"/>
+            </a:solidFill>
+          </a:ln>
+        </p:spPr>
+        <p:style>
+          <a:lnRef idx="2">
+            <a:schemeClr val="accent1">
+              <a:shade val="50000"/>
+            </a:schemeClr>
+          </a:lnRef>
+          <a:fillRef idx="1">
+            <a:schemeClr val="accent1"/>
+          </a:fillRef>
+          <a:effectRef idx="0">
+            <a:schemeClr val="accent1"/>
+          </a:effectRef>
+          <a:fontRef idx="minor">
+            <a:schemeClr val="lt1"/>
+          </a:fontRef>
+        </p:style>
+        <p:txBody>
+          <a:bodyPr rtlCol="0" anchor="ctr"/>
+          <a:lstStyle/>
+          <a:p>
+            <a:pPr algn="ctr"/>
+            <a:endParaRPr lang="zh-TW" altLang="en-US"/>
+          </a:p>
+        </p:txBody>
+      </p:sp>
+      <p:sp>
+        <p:nvSpPr>
+          <p:cNvPr id="14" name="文字方塊 13"/>
+          <p:cNvSpPr txBox="1"/>
+          <p:nvPr/>
+        </p:nvSpPr>
+        <p:spPr>
+          <a:xfrm>
+            <a:off x="3651324" y="2857500"/>
+            <a:ext cx="1396605" cy="369332"/>
+          </a:xfrm>
+          <a:prstGeom prst="rect">
+            <a:avLst/>
+          </a:prstGeom>
+          <a:noFill/>
+        </p:spPr>
+        <p:txBody>
+          <a:bodyPr wrap="square" rtlCol="0">
+            <a:spAutoFit/>
+          </a:bodyPr>
+          <a:lstStyle/>
+          <a:p>
+            <a:r>
+              <a:rPr lang="zh-TW" altLang="en-US" dirty="0" smtClean="0"/>
+              <a:t>蔣志強</a:t>
+            </a:r>
+            <a:endParaRPr lang="zh-TW" altLang="en-US" dirty="0"/>
+          </a:p>
+        </p:txBody>
+      </p:sp>
+      <p:sp>
+        <p:nvSpPr>
+          <p:cNvPr id="15" name="文字方塊 14"/>
+          <p:cNvSpPr txBox="1"/>
+          <p:nvPr/>
+        </p:nvSpPr>
+        <p:spPr>
+          <a:xfrm>
+            <a:off x="6083770" y="2857500"/>
+            <a:ext cx="913930" cy="369332"/>
+          </a:xfrm>
+          <a:prstGeom prst="rect">
+            <a:avLst/>
+          </a:prstGeom>
+          <a:noFill/>
+        </p:spPr>
+        <p:txBody>
+          <a:bodyPr wrap="square" rtlCol="0">
+            <a:spAutoFit/>
+          </a:bodyPr>
+          <a:lstStyle/>
+          <a:p>
+            <a:r>
+              <a:rPr lang="zh-TW" altLang="en-US" dirty="0" smtClean="0"/>
+              <a:t>孫尉豪</a:t>
+            </a:r>
+            <a:endParaRPr lang="zh-TW" altLang="en-US" dirty="0"/>
+          </a:p>
+        </p:txBody>
+      </p:sp>
+      <p:cxnSp>
+        <p:nvCxnSpPr>
+          <p:cNvPr id="16" name="直線單箭頭接點 15"/>
+          <p:cNvCxnSpPr>
+            <a:endCxn id="14" idx="1"/>
+          </p:cNvCxnSpPr>
+          <p:nvPr/>
+        </p:nvCxnSpPr>
+        <p:spPr>
+          <a:xfrm flipV="1">
+            <a:off x="3237711" y="3042166"/>
+            <a:ext cx="413613" cy="66159"/>
+          </a:xfrm>
+          <a:prstGeom prst="straightConnector1">
+            <a:avLst/>
+          </a:prstGeom>
+          <a:ln w="38100">
+            <a:solidFill>
+              <a:srgbClr val="FF0000"/>
+            </a:solidFill>
+            <a:tailEnd type="triangle"/>
+          </a:ln>
+        </p:spPr>
+        <p:style>
+          <a:lnRef idx="1">
+            <a:schemeClr val="accent1"/>
+          </a:lnRef>
+          <a:fillRef idx="0">
+            <a:schemeClr val="accent1"/>
+          </a:fillRef>
+          <a:effectRef idx="0">
+            <a:schemeClr val="accent1"/>
+          </a:effectRef>
+          <a:fontRef idx="minor">
+            <a:schemeClr val="tx1"/>
+          </a:fontRef>
+        </p:style>
+      </p:cxnSp>
+      <p:cxnSp>
+        <p:nvCxnSpPr>
+          <p:cNvPr id="19" name="直線單箭頭接點 18"/>
+          <p:cNvCxnSpPr>
+            <a:endCxn id="15" idx="1"/>
+          </p:cNvCxnSpPr>
+          <p:nvPr/>
+        </p:nvCxnSpPr>
+        <p:spPr>
+          <a:xfrm flipV="1">
+            <a:off x="5571248" y="3042166"/>
+            <a:ext cx="512522" cy="33079"/>
+          </a:xfrm>
+          <a:prstGeom prst="straightConnector1">
+            <a:avLst/>
+          </a:prstGeom>
+          <a:ln w="38100">
+            <a:solidFill>
+              <a:srgbClr val="FF0000"/>
+            </a:solidFill>
+            <a:tailEnd type="triangle"/>
+          </a:ln>
+        </p:spPr>
+        <p:style>
+          <a:lnRef idx="1">
+            <a:schemeClr val="accent1"/>
+          </a:lnRef>
+          <a:fillRef idx="0">
+            <a:schemeClr val="accent1"/>
+          </a:fillRef>
+          <a:effectRef idx="0">
+            <a:schemeClr val="accent1"/>
+          </a:effectRef>
+          <a:fontRef idx="minor">
+            <a:schemeClr val="tx1"/>
+          </a:fontRef>
+        </p:style>
+      </p:cxnSp>
+      <p:cxnSp>
+        <p:nvCxnSpPr>
+          <p:cNvPr id="21" name="直線單箭頭接點 20"/>
+          <p:cNvCxnSpPr>
+            <a:stCxn id="24" idx="2"/>
+            <a:endCxn id="8" idx="0"/>
+          </p:cNvCxnSpPr>
+          <p:nvPr/>
+        </p:nvCxnSpPr>
+        <p:spPr>
+          <a:xfrm>
+            <a:off x="1642552" y="3305175"/>
+            <a:ext cx="185459" cy="614144"/>
+          </a:xfrm>
+          <a:prstGeom prst="straightConnector1">
+            <a:avLst/>
+          </a:prstGeom>
+          <a:ln w="38100">
+            <a:solidFill>
+              <a:srgbClr val="FF0000"/>
+            </a:solidFill>
+            <a:tailEnd type="triangle"/>
+          </a:ln>
+        </p:spPr>
+        <p:style>
+          <a:lnRef idx="1">
+            <a:schemeClr val="accent1"/>
+          </a:lnRef>
+          <a:fillRef idx="0">
+            <a:schemeClr val="accent1"/>
+          </a:fillRef>
+          <a:effectRef idx="0">
+            <a:schemeClr val="accent1"/>
+          </a:effectRef>
+          <a:fontRef idx="minor">
+            <a:schemeClr val="tx1"/>
+          </a:fontRef>
+        </p:style>
+      </p:cxnSp>
+      <p:sp>
+        <p:nvSpPr>
+          <p:cNvPr id="24" name="矩形 23"/>
+          <p:cNvSpPr/>
+          <p:nvPr/>
+        </p:nvSpPr>
+        <p:spPr>
+          <a:xfrm>
+            <a:off x="570711" y="2755900"/>
+            <a:ext cx="2143681" cy="549275"/>
+          </a:xfrm>
+          <a:prstGeom prst="rect">
+            <a:avLst/>
+          </a:prstGeom>
+          <a:noFill/>
+          <a:ln w="38100">
+            <a:solidFill>
+              <a:srgbClr val="FF0000"/>
+            </a:solidFill>
+          </a:ln>
+        </p:spPr>
+        <p:style>
+          <a:lnRef idx="2">
+            <a:schemeClr val="accent6"/>
+          </a:lnRef>
+          <a:fillRef idx="1">
+            <a:schemeClr val="lt1"/>
+          </a:fillRef>
+          <a:effectRef idx="0">
+            <a:schemeClr val="accent6"/>
+          </a:effectRef>
+          <a:fontRef idx="minor">
+            <a:schemeClr val="dk1"/>
+          </a:fontRef>
+        </p:style>
+        <p:txBody>
+          <a:bodyPr rtlCol="0" anchor="ctr"/>
+          <a:lstStyle/>
+          <a:p>
+            <a:pPr algn="ctr"/>
+            <a:endParaRPr lang="zh-TW" altLang="en-US"/>
+          </a:p>
+        </p:txBody>
+      </p:sp>
+      <p:cxnSp>
+        <p:nvCxnSpPr>
+          <p:cNvPr id="27" name="直線單箭頭接點 26"/>
+          <p:cNvCxnSpPr/>
+          <p:nvPr/>
+        </p:nvCxnSpPr>
+        <p:spPr>
+          <a:xfrm flipV="1">
+            <a:off x="2714392" y="1012752"/>
+            <a:ext cx="730125" cy="116995"/>
+          </a:xfrm>
+          <a:prstGeom prst="straightConnector1">
+            <a:avLst/>
+          </a:prstGeom>
+          <a:ln w="38100">
+            <a:solidFill>
+              <a:srgbClr val="FF0000"/>
+            </a:solidFill>
+            <a:tailEnd type="triangle"/>
+          </a:ln>
+        </p:spPr>
+        <p:style>
+          <a:lnRef idx="1">
+            <a:schemeClr val="accent1"/>
+          </a:lnRef>
+          <a:fillRef idx="0">
+            <a:schemeClr val="accent1"/>
+          </a:fillRef>
+          <a:effectRef idx="0">
+            <a:schemeClr val="accent1"/>
+          </a:effectRef>
+          <a:fontRef idx="minor">
+            <a:schemeClr val="tx1"/>
+          </a:fontRef>
+        </p:style>
+      </p:cxnSp>
+      <p:sp>
+        <p:nvSpPr>
+          <p:cNvPr id="32" name="文字方塊 31"/>
+          <p:cNvSpPr txBox="1"/>
+          <p:nvPr/>
+        </p:nvSpPr>
+        <p:spPr>
+          <a:xfrm>
+            <a:off x="3550821" y="828086"/>
+            <a:ext cx="1116430" cy="369332"/>
+          </a:xfrm>
+          <a:prstGeom prst="rect">
+            <a:avLst/>
+          </a:prstGeom>
+          <a:noFill/>
+        </p:spPr>
+        <p:txBody>
+          <a:bodyPr wrap="square" rtlCol="0">
+            <a:spAutoFit/>
+          </a:bodyPr>
+          <a:lstStyle/>
+          <a:p>
+            <a:r>
+              <a:rPr lang="zh-TW" altLang="en-US" dirty="0" smtClean="0"/>
+              <a:t>專案名稱</a:t>
+            </a:r>
+            <a:endParaRPr lang="zh-TW" altLang="en-US" dirty="0"/>
+          </a:p>
+        </p:txBody>
+      </p:sp>
+    </p:spTree>
+    <p:extLst>
+      <p:ext uri="{BB962C8B-B14F-4D97-AF65-F5344CB8AC3E}">
+        <p14:creationId xmlns:p14="http://schemas.microsoft.com/office/powerpoint/2010/main" val="917514348"/>
+      </p:ext>
+    </p:extLst>
+  </p:cSld>
+  <p:clrMapOvr>
+    <a:masterClrMapping/>
+  </p:clrMapOvr>
+  <p:timing>
+    <p:tnLst>
+      <p:par>
+        <p:cTn id="1" dur="indefinite" restart="never" nodeType="tmRoot"/>
+      </p:par>
+    </p:tnLst>
+  </p:timing>
+</p:sld>
+</file>
+
+<file path=ppt/slides/slide19.xml><?xml version="1.0" encoding="utf-8"?>
+<p:sld xmlns:a="http://schemas.openxmlformats.org/drawingml/2006/main" xmlns:r="http://schemas.openxmlformats.org/officeDocument/2006/relationships" xmlns:p="http://schemas.openxmlformats.org/presentationml/2006/main">
+  <p:cSld>
+    <p:bg>
+      <p:bgPr>
+        <a:solidFill>
+          <a:schemeClr val="bg1"/>
+        </a:solidFill>
+        <a:effectLst/>
+      </p:bgPr>
+    </p:bg>
+    <p:spTree>
+      <p:nvGrpSpPr>
+        <p:cNvPr id="1" name=""/>
+        <p:cNvGrpSpPr/>
+        <p:nvPr/>
+      </p:nvGrpSpPr>
+      <p:grpSpPr>
+        <a:xfrm>
+          <a:off x="0" y="0"/>
+          <a:ext cx="0" cy="0"/>
+          <a:chOff x="0" y="0"/>
+          <a:chExt cx="0" cy="0"/>
+        </a:xfrm>
+      </p:grpSpPr>
+      <p:sp>
+        <p:nvSpPr>
+          <p:cNvPr id="2" name="矩形 1">
+            <a:extLst>
+              <a:ext uri="{FF2B5EF4-FFF2-40B4-BE49-F238E27FC236}">
+                <a16:creationId xmlns:a16="http://schemas.microsoft.com/office/drawing/2014/main" xmlns="" id="{B7F6048C-C39D-474E-AA92-E99A272C20C5}"/>
+              </a:ext>
+            </a:extLst>
+          </p:cNvPr>
+          <p:cNvSpPr/>
+          <p:nvPr/>
+        </p:nvSpPr>
+        <p:spPr>
+          <a:xfrm>
+            <a:off x="388823" y="375240"/>
+            <a:ext cx="1210588" cy="400110"/>
+          </a:xfrm>
+          <a:prstGeom prst="rect">
+            <a:avLst/>
+          </a:prstGeom>
+        </p:spPr>
+        <p:txBody>
+          <a:bodyPr wrap="none">
+            <a:spAutoFit/>
+          </a:bodyPr>
+          <a:lstStyle/>
+          <a:p>
+            <a:pPr>
+              <a:spcAft>
+                <a:spcPts val="600"/>
+              </a:spcAft>
+            </a:pPr>
+            <a:r>
+              <a:rPr lang="zh-TW" altLang="en-US" sz="2000" b="1" kern="100" dirty="0" smtClean="0">
+                <a:solidFill>
+                  <a:schemeClr val="accent1"/>
+                </a:solidFill>
+                <a:latin typeface="+mn-ea"/>
+                <a:cs typeface="Times New Roman" panose="02020603050405020304" pitchFamily="18" charset="0"/>
+              </a:rPr>
+              <a:t>任務規劃</a:t>
+            </a:r>
+            <a:endParaRPr lang="zh-CN" altLang="en-US" sz="2000" b="1" kern="100" dirty="0">
+              <a:solidFill>
+                <a:schemeClr val="accent1"/>
+              </a:solidFill>
+              <a:latin typeface="+mn-ea"/>
+              <a:cs typeface="Times New Roman" panose="02020603050405020304" pitchFamily="18" charset="0"/>
+            </a:endParaRPr>
+          </a:p>
+        </p:txBody>
+      </p:sp>
+      <p:sp>
+        <p:nvSpPr>
+          <p:cNvPr id="3" name="矩形 2">
+            <a:extLst>
+              <a:ext uri="{FF2B5EF4-FFF2-40B4-BE49-F238E27FC236}">
+                <a16:creationId xmlns:a16="http://schemas.microsoft.com/office/drawing/2014/main" xmlns="" id="{C912F6F4-EE30-438B-8C15-744A8F4E4422}"/>
+              </a:ext>
+            </a:extLst>
+          </p:cNvPr>
+          <p:cNvSpPr/>
+          <p:nvPr/>
+        </p:nvSpPr>
+        <p:spPr>
+          <a:xfrm>
+            <a:off x="388823" y="742818"/>
+            <a:ext cx="822661" cy="276999"/>
+          </a:xfrm>
+          <a:prstGeom prst="rect">
+            <a:avLst/>
+          </a:prstGeom>
+        </p:spPr>
+        <p:txBody>
+          <a:bodyPr wrap="none">
+            <a:spAutoFit/>
+          </a:bodyPr>
+          <a:lstStyle/>
+          <a:p>
+            <a:pPr>
+              <a:spcAft>
+                <a:spcPts val="600"/>
+              </a:spcAft>
+            </a:pPr>
+            <a:r>
+              <a:rPr lang="en-US" altLang="zh-CN" sz="1200" kern="100" dirty="0">
+                <a:solidFill>
+                  <a:schemeClr val="accent1"/>
+                </a:solidFill>
+                <a:latin typeface="+mj-lt"/>
+                <a:cs typeface="Times New Roman" panose="02020603050405020304" pitchFamily="18" charset="0"/>
+              </a:rPr>
+              <a:t>Schedule</a:t>
+            </a:r>
+            <a:endParaRPr lang="en-US" altLang="zh-CN" sz="1200" kern="100">
+              <a:solidFill>
+                <a:schemeClr val="accent1"/>
+              </a:solidFill>
+              <a:latin typeface="+mj-lt"/>
+              <a:cs typeface="Times New Roman" panose="02020603050405020304" pitchFamily="18" charset="0"/>
+            </a:endParaRPr>
+          </a:p>
+        </p:txBody>
+      </p:sp>
+      <p:pic>
+        <p:nvPicPr>
+          <p:cNvPr id="4" name="圖片 3" descr="畫面剪輯"/>
+          <p:cNvPicPr>
+            <a:picLocks noChangeAspect="1"/>
+          </p:cNvPicPr>
+          <p:nvPr/>
+        </p:nvPicPr>
+        <p:blipFill>
+          <a:blip r:embed="rId2">
+            <a:extLst>
+              <a:ext uri="{28A0092B-C50C-407E-A947-70E740481C1C}">
+                <a14:useLocalDpi xmlns:a14="http://schemas.microsoft.com/office/drawing/2010/main" val="0"/>
+              </a:ext>
+            </a:extLst>
+          </a:blip>
+          <a:stretch>
+            <a:fillRect/>
+          </a:stretch>
+        </p:blipFill>
+        <p:spPr>
+          <a:xfrm>
+            <a:off x="1153601" y="1019817"/>
+            <a:ext cx="6683033" cy="3639269"/>
+          </a:xfrm>
+          <a:prstGeom prst="rect">
+            <a:avLst/>
+          </a:prstGeom>
+        </p:spPr>
+      </p:pic>
+      <p:sp>
+        <p:nvSpPr>
+          <p:cNvPr id="6" name="矩形 5"/>
+          <p:cNvSpPr/>
+          <p:nvPr/>
+        </p:nvSpPr>
+        <p:spPr>
+          <a:xfrm>
+            <a:off x="1221007" y="1273809"/>
+            <a:ext cx="2598518" cy="377856"/>
+          </a:xfrm>
+          <a:prstGeom prst="rect">
+            <a:avLst/>
+          </a:prstGeom>
+          <a:noFill/>
+          <a:ln w="38100">
+            <a:solidFill>
+              <a:srgbClr val="FF0000"/>
+            </a:solidFill>
+          </a:ln>
+        </p:spPr>
+        <p:style>
+          <a:lnRef idx="2">
+            <a:schemeClr val="accent1">
+              <a:shade val="50000"/>
+            </a:schemeClr>
+          </a:lnRef>
+          <a:fillRef idx="1">
+            <a:schemeClr val="accent1"/>
+          </a:fillRef>
+          <a:effectRef idx="0">
+            <a:schemeClr val="accent1"/>
+          </a:effectRef>
+          <a:fontRef idx="minor">
+            <a:schemeClr val="lt1"/>
+          </a:fontRef>
+        </p:style>
+        <p:txBody>
+          <a:bodyPr rtlCol="0" anchor="ctr"/>
+          <a:lstStyle/>
+          <a:p>
+            <a:pPr algn="ctr"/>
+            <a:endParaRPr lang="zh-TW" altLang="en-US"/>
+          </a:p>
+        </p:txBody>
+      </p:sp>
+      <p:sp>
+        <p:nvSpPr>
+          <p:cNvPr id="7" name="矩形 6"/>
+          <p:cNvSpPr/>
+          <p:nvPr/>
+        </p:nvSpPr>
+        <p:spPr>
+          <a:xfrm>
+            <a:off x="1211483" y="1010292"/>
+            <a:ext cx="1179291" cy="231141"/>
+          </a:xfrm>
+          <a:prstGeom prst="rect">
+            <a:avLst/>
+          </a:prstGeom>
+          <a:noFill/>
+          <a:ln w="38100">
+            <a:solidFill>
+              <a:srgbClr val="FF0000"/>
+            </a:solidFill>
+          </a:ln>
+        </p:spPr>
+        <p:style>
+          <a:lnRef idx="2">
+            <a:schemeClr val="accent1">
+              <a:shade val="50000"/>
+            </a:schemeClr>
+          </a:lnRef>
+          <a:fillRef idx="1">
+            <a:schemeClr val="accent1"/>
+          </a:fillRef>
+          <a:effectRef idx="0">
+            <a:schemeClr val="accent1"/>
+          </a:effectRef>
+          <a:fontRef idx="minor">
+            <a:schemeClr val="lt1"/>
+          </a:fontRef>
+        </p:style>
+        <p:txBody>
+          <a:bodyPr rtlCol="0" anchor="ctr"/>
+          <a:lstStyle/>
+          <a:p>
+            <a:pPr algn="ctr"/>
+            <a:endParaRPr lang="zh-TW" altLang="en-US"/>
+          </a:p>
+        </p:txBody>
+      </p:sp>
+      <p:sp>
+        <p:nvSpPr>
+          <p:cNvPr id="8" name="矩形 7"/>
+          <p:cNvSpPr/>
+          <p:nvPr/>
+        </p:nvSpPr>
+        <p:spPr>
+          <a:xfrm>
+            <a:off x="1599411" y="1739892"/>
+            <a:ext cx="6030114" cy="403233"/>
+          </a:xfrm>
+          <a:prstGeom prst="rect">
+            <a:avLst/>
+          </a:prstGeom>
+          <a:noFill/>
+          <a:ln w="38100">
+            <a:solidFill>
+              <a:srgbClr val="FF0000"/>
+            </a:solidFill>
+          </a:ln>
+        </p:spPr>
+        <p:style>
+          <a:lnRef idx="2">
+            <a:schemeClr val="accent1">
+              <a:shade val="50000"/>
+            </a:schemeClr>
+          </a:lnRef>
+          <a:fillRef idx="1">
+            <a:schemeClr val="accent1"/>
+          </a:fillRef>
+          <a:effectRef idx="0">
+            <a:schemeClr val="accent1"/>
+          </a:effectRef>
+          <a:fontRef idx="minor">
+            <a:schemeClr val="lt1"/>
+          </a:fontRef>
+        </p:style>
+        <p:txBody>
+          <a:bodyPr rtlCol="0" anchor="ctr"/>
+          <a:lstStyle/>
+          <a:p>
+            <a:pPr algn="ctr"/>
+            <a:endParaRPr lang="zh-TW" altLang="en-US"/>
+          </a:p>
+        </p:txBody>
+      </p:sp>
+      <p:sp>
+        <p:nvSpPr>
+          <p:cNvPr id="9" name="矩形 8"/>
+          <p:cNvSpPr/>
+          <p:nvPr/>
+        </p:nvSpPr>
+        <p:spPr>
+          <a:xfrm>
+            <a:off x="1599411" y="2910825"/>
+            <a:ext cx="2848764" cy="346725"/>
+          </a:xfrm>
+          <a:prstGeom prst="rect">
+            <a:avLst/>
+          </a:prstGeom>
+          <a:noFill/>
+          <a:ln w="38100">
+            <a:solidFill>
+              <a:srgbClr val="FF0000"/>
+            </a:solidFill>
+          </a:ln>
+        </p:spPr>
+        <p:style>
+          <a:lnRef idx="2">
+            <a:schemeClr val="accent1">
+              <a:shade val="50000"/>
+            </a:schemeClr>
+          </a:lnRef>
+          <a:fillRef idx="1">
+            <a:schemeClr val="accent1"/>
+          </a:fillRef>
+          <a:effectRef idx="0">
+            <a:schemeClr val="accent1"/>
+          </a:effectRef>
+          <a:fontRef idx="minor">
+            <a:schemeClr val="lt1"/>
+          </a:fontRef>
+        </p:style>
+        <p:txBody>
+          <a:bodyPr rtlCol="0" anchor="ctr"/>
+          <a:lstStyle/>
+          <a:p>
+            <a:pPr algn="ctr"/>
+            <a:endParaRPr lang="zh-TW" altLang="en-US"/>
+          </a:p>
+        </p:txBody>
+      </p:sp>
+      <p:sp>
+        <p:nvSpPr>
+          <p:cNvPr id="10" name="矩形 9"/>
+          <p:cNvSpPr/>
+          <p:nvPr/>
+        </p:nvSpPr>
+        <p:spPr>
+          <a:xfrm>
+            <a:off x="1599411" y="3538244"/>
+            <a:ext cx="1877214" cy="186031"/>
+          </a:xfrm>
+          <a:prstGeom prst="rect">
+            <a:avLst/>
+          </a:prstGeom>
+          <a:noFill/>
+          <a:ln w="38100">
+            <a:solidFill>
+              <a:srgbClr val="FF0000"/>
+            </a:solidFill>
+          </a:ln>
+        </p:spPr>
+        <p:style>
+          <a:lnRef idx="2">
+            <a:schemeClr val="accent1">
+              <a:shade val="50000"/>
+            </a:schemeClr>
+          </a:lnRef>
+          <a:fillRef idx="1">
+            <a:schemeClr val="accent1"/>
+          </a:fillRef>
+          <a:effectRef idx="0">
+            <a:schemeClr val="accent1"/>
+          </a:effectRef>
+          <a:fontRef idx="minor">
+            <a:schemeClr val="lt1"/>
+          </a:fontRef>
+        </p:style>
+        <p:txBody>
+          <a:bodyPr rtlCol="0" anchor="ctr"/>
+          <a:lstStyle/>
+          <a:p>
+            <a:pPr algn="ctr"/>
+            <a:endParaRPr lang="zh-TW" altLang="en-US"/>
+          </a:p>
+        </p:txBody>
+      </p:sp>
+      <p:cxnSp>
+        <p:nvCxnSpPr>
+          <p:cNvPr id="11" name="直線單箭頭接點 10"/>
+          <p:cNvCxnSpPr/>
+          <p:nvPr/>
+        </p:nvCxnSpPr>
+        <p:spPr>
+          <a:xfrm flipV="1">
+            <a:off x="2448656" y="1104900"/>
+            <a:ext cx="789844" cy="3092"/>
+          </a:xfrm>
+          <a:prstGeom prst="straightConnector1">
+            <a:avLst/>
+          </a:prstGeom>
+          <a:ln w="38100">
+            <a:solidFill>
+              <a:srgbClr val="FF0000"/>
+            </a:solidFill>
+            <a:tailEnd type="triangle"/>
+          </a:ln>
+        </p:spPr>
+        <p:style>
+          <a:lnRef idx="1">
+            <a:schemeClr val="accent1"/>
+          </a:lnRef>
+          <a:fillRef idx="0">
+            <a:schemeClr val="accent1"/>
+          </a:fillRef>
+          <a:effectRef idx="0">
+            <a:schemeClr val="accent1"/>
+          </a:effectRef>
+          <a:fontRef idx="minor">
+            <a:schemeClr val="tx1"/>
+          </a:fontRef>
+        </p:style>
+      </p:cxnSp>
+      <p:cxnSp>
+        <p:nvCxnSpPr>
+          <p:cNvPr id="14" name="直線單箭頭接點 13"/>
+          <p:cNvCxnSpPr/>
+          <p:nvPr/>
+        </p:nvCxnSpPr>
+        <p:spPr>
+          <a:xfrm flipV="1">
+            <a:off x="3886931" y="1490541"/>
+            <a:ext cx="789844" cy="3092"/>
+          </a:xfrm>
+          <a:prstGeom prst="straightConnector1">
+            <a:avLst/>
+          </a:prstGeom>
+          <a:ln w="38100">
+            <a:solidFill>
+              <a:srgbClr val="FF0000"/>
+            </a:solidFill>
+            <a:tailEnd type="triangle"/>
+          </a:ln>
+        </p:spPr>
+        <p:style>
+          <a:lnRef idx="1">
+            <a:schemeClr val="accent1"/>
+          </a:lnRef>
+          <a:fillRef idx="0">
+            <a:schemeClr val="accent1"/>
+          </a:fillRef>
+          <a:effectRef idx="0">
+            <a:schemeClr val="accent1"/>
+          </a:effectRef>
+          <a:fontRef idx="minor">
+            <a:schemeClr val="tx1"/>
+          </a:fontRef>
+        </p:style>
+      </p:cxnSp>
+      <p:cxnSp>
+        <p:nvCxnSpPr>
+          <p:cNvPr id="15" name="直線單箭頭接點 14"/>
+          <p:cNvCxnSpPr/>
+          <p:nvPr/>
+        </p:nvCxnSpPr>
+        <p:spPr>
+          <a:xfrm>
+            <a:off x="5639531" y="2152650"/>
+            <a:ext cx="723169" cy="488934"/>
+          </a:xfrm>
+          <a:prstGeom prst="straightConnector1">
+            <a:avLst/>
+          </a:prstGeom>
+          <a:ln w="38100">
+            <a:solidFill>
+              <a:srgbClr val="FF0000"/>
+            </a:solidFill>
+            <a:tailEnd type="triangle"/>
+          </a:ln>
+        </p:spPr>
+        <p:style>
+          <a:lnRef idx="1">
+            <a:schemeClr val="accent1"/>
+          </a:lnRef>
+          <a:fillRef idx="0">
+            <a:schemeClr val="accent1"/>
+          </a:fillRef>
+          <a:effectRef idx="0">
+            <a:schemeClr val="accent1"/>
+          </a:effectRef>
+          <a:fontRef idx="minor">
+            <a:schemeClr val="tx1"/>
+          </a:fontRef>
+        </p:style>
+      </p:cxnSp>
+      <p:cxnSp>
+        <p:nvCxnSpPr>
+          <p:cNvPr id="18" name="直線單箭頭接點 17"/>
+          <p:cNvCxnSpPr/>
+          <p:nvPr/>
+        </p:nvCxnSpPr>
+        <p:spPr>
+          <a:xfrm>
+            <a:off x="4448175" y="3084187"/>
+            <a:ext cx="685800" cy="0"/>
+          </a:xfrm>
+          <a:prstGeom prst="straightConnector1">
+            <a:avLst/>
+          </a:prstGeom>
+          <a:ln w="38100">
+            <a:solidFill>
+              <a:srgbClr val="FF0000"/>
+            </a:solidFill>
+            <a:tailEnd type="triangle"/>
+          </a:ln>
+        </p:spPr>
+        <p:style>
+          <a:lnRef idx="1">
+            <a:schemeClr val="accent1"/>
+          </a:lnRef>
+          <a:fillRef idx="0">
+            <a:schemeClr val="accent1"/>
+          </a:fillRef>
+          <a:effectRef idx="0">
+            <a:schemeClr val="accent1"/>
+          </a:effectRef>
+          <a:fontRef idx="minor">
+            <a:schemeClr val="tx1"/>
+          </a:fontRef>
+        </p:style>
+      </p:cxnSp>
+      <p:cxnSp>
+        <p:nvCxnSpPr>
+          <p:cNvPr id="20" name="直線單箭頭接點 19"/>
+          <p:cNvCxnSpPr/>
+          <p:nvPr/>
+        </p:nvCxnSpPr>
+        <p:spPr>
+          <a:xfrm>
+            <a:off x="3476625" y="3631259"/>
+            <a:ext cx="685800" cy="0"/>
+          </a:xfrm>
+          <a:prstGeom prst="straightConnector1">
+            <a:avLst/>
+          </a:prstGeom>
+          <a:ln w="38100">
+            <a:solidFill>
+              <a:srgbClr val="FF0000"/>
+            </a:solidFill>
+            <a:tailEnd type="triangle"/>
+          </a:ln>
+        </p:spPr>
+        <p:style>
+          <a:lnRef idx="1">
+            <a:schemeClr val="accent1"/>
+          </a:lnRef>
+          <a:fillRef idx="0">
+            <a:schemeClr val="accent1"/>
+          </a:fillRef>
+          <a:effectRef idx="0">
+            <a:schemeClr val="accent1"/>
+          </a:effectRef>
+          <a:fontRef idx="minor">
+            <a:schemeClr val="tx1"/>
+          </a:fontRef>
+        </p:style>
+      </p:cxnSp>
+      <p:sp>
+        <p:nvSpPr>
+          <p:cNvPr id="21" name="文字方塊 20"/>
+          <p:cNvSpPr txBox="1"/>
+          <p:nvPr/>
+        </p:nvSpPr>
+        <p:spPr>
+          <a:xfrm>
+            <a:off x="3238500" y="881317"/>
+            <a:ext cx="1209675" cy="369332"/>
+          </a:xfrm>
+          <a:prstGeom prst="rect">
+            <a:avLst/>
+          </a:prstGeom>
+          <a:noFill/>
+        </p:spPr>
+        <p:txBody>
+          <a:bodyPr wrap="square" rtlCol="0">
+            <a:spAutoFit/>
+          </a:bodyPr>
+          <a:lstStyle/>
+          <a:p>
+            <a:r>
+              <a:rPr lang="zh-TW" altLang="en-US" dirty="0" smtClean="0"/>
+              <a:t>任務進度</a:t>
+            </a:r>
+            <a:endParaRPr lang="zh-TW" altLang="en-US" dirty="0"/>
+          </a:p>
+        </p:txBody>
+      </p:sp>
+      <p:sp>
+        <p:nvSpPr>
+          <p:cNvPr id="22" name="文字方塊 21"/>
+          <p:cNvSpPr txBox="1"/>
+          <p:nvPr/>
+        </p:nvSpPr>
+        <p:spPr>
+          <a:xfrm>
+            <a:off x="4672013" y="1278071"/>
+            <a:ext cx="3169383" cy="369332"/>
+          </a:xfrm>
+          <a:prstGeom prst="rect">
+            <a:avLst/>
+          </a:prstGeom>
+          <a:noFill/>
+        </p:spPr>
+        <p:txBody>
+          <a:bodyPr wrap="square" rtlCol="0">
+            <a:spAutoFit/>
+          </a:bodyPr>
+          <a:lstStyle/>
+          <a:p>
+            <a:r>
+              <a:rPr lang="zh-TW" altLang="en-US" dirty="0" smtClean="0"/>
+              <a:t>任務名稱、負責人及截止日期</a:t>
+            </a:r>
+            <a:endParaRPr lang="zh-TW" altLang="en-US" dirty="0"/>
+          </a:p>
+        </p:txBody>
+      </p:sp>
+      <p:sp>
+        <p:nvSpPr>
+          <p:cNvPr id="23" name="文字方塊 22"/>
+          <p:cNvSpPr txBox="1"/>
+          <p:nvPr/>
+        </p:nvSpPr>
+        <p:spPr>
+          <a:xfrm>
+            <a:off x="6256704" y="2641584"/>
+            <a:ext cx="1209675" cy="369332"/>
+          </a:xfrm>
+          <a:prstGeom prst="rect">
+            <a:avLst/>
+          </a:prstGeom>
+          <a:noFill/>
+        </p:spPr>
+        <p:txBody>
+          <a:bodyPr wrap="square" rtlCol="0">
+            <a:spAutoFit/>
+          </a:bodyPr>
+          <a:lstStyle/>
+          <a:p>
+            <a:r>
+              <a:rPr lang="zh-TW" altLang="en-US" dirty="0" smtClean="0"/>
+              <a:t>任務描述</a:t>
+            </a:r>
+            <a:endParaRPr lang="zh-TW" altLang="en-US" dirty="0"/>
+          </a:p>
+        </p:txBody>
+      </p:sp>
+      <p:sp>
+        <p:nvSpPr>
+          <p:cNvPr id="24" name="文字方塊 23"/>
+          <p:cNvSpPr txBox="1"/>
+          <p:nvPr/>
+        </p:nvSpPr>
+        <p:spPr>
+          <a:xfrm>
+            <a:off x="5146310" y="2945852"/>
+            <a:ext cx="1209675" cy="369332"/>
+          </a:xfrm>
+          <a:prstGeom prst="rect">
+            <a:avLst/>
+          </a:prstGeom>
+          <a:noFill/>
+        </p:spPr>
+        <p:txBody>
+          <a:bodyPr wrap="square" rtlCol="0">
+            <a:spAutoFit/>
+          </a:bodyPr>
+          <a:lstStyle/>
+          <a:p>
+            <a:r>
+              <a:rPr lang="zh-TW" altLang="en-US" dirty="0" smtClean="0"/>
+              <a:t>更新通</a:t>
+            </a:r>
+            <a:r>
+              <a:rPr lang="zh-TW" altLang="en-US" dirty="0"/>
+              <a:t>知</a:t>
+            </a:r>
+          </a:p>
+        </p:txBody>
+      </p:sp>
+      <p:sp>
+        <p:nvSpPr>
+          <p:cNvPr id="25" name="文字方塊 24"/>
+          <p:cNvSpPr txBox="1"/>
+          <p:nvPr/>
+        </p:nvSpPr>
+        <p:spPr>
+          <a:xfrm>
+            <a:off x="4104054" y="3502017"/>
+            <a:ext cx="1209675" cy="369332"/>
+          </a:xfrm>
+          <a:prstGeom prst="rect">
+            <a:avLst/>
+          </a:prstGeom>
+          <a:noFill/>
+        </p:spPr>
+        <p:txBody>
+          <a:bodyPr wrap="square" rtlCol="0">
+            <a:spAutoFit/>
+          </a:bodyPr>
+          <a:lstStyle/>
+          <a:p>
+            <a:r>
+              <a:rPr lang="zh-TW" altLang="en-US" dirty="0" smtClean="0"/>
+              <a:t>任務提問</a:t>
+            </a:r>
+            <a:endParaRPr lang="zh-TW" altLang="en-US" dirty="0"/>
+          </a:p>
+        </p:txBody>
+      </p:sp>
+      <p:sp>
+        <p:nvSpPr>
+          <p:cNvPr id="26" name="矩形 25"/>
+          <p:cNvSpPr/>
+          <p:nvPr/>
+        </p:nvSpPr>
+        <p:spPr>
+          <a:xfrm>
+            <a:off x="6256703" y="1003137"/>
+            <a:ext cx="1329621" cy="227282"/>
+          </a:xfrm>
+          <a:prstGeom prst="rect">
+            <a:avLst/>
+          </a:prstGeom>
+          <a:noFill/>
+          <a:ln w="38100">
+            <a:solidFill>
+              <a:srgbClr val="FF0000"/>
+            </a:solidFill>
+          </a:ln>
+        </p:spPr>
+        <p:style>
+          <a:lnRef idx="2">
+            <a:schemeClr val="accent1">
+              <a:shade val="50000"/>
+            </a:schemeClr>
+          </a:lnRef>
+          <a:fillRef idx="1">
+            <a:schemeClr val="accent1"/>
+          </a:fillRef>
+          <a:effectRef idx="0">
+            <a:schemeClr val="accent1"/>
+          </a:effectRef>
+          <a:fontRef idx="minor">
+            <a:schemeClr val="lt1"/>
+          </a:fontRef>
+        </p:style>
+        <p:txBody>
+          <a:bodyPr rtlCol="0" anchor="ctr"/>
+          <a:lstStyle/>
+          <a:p>
+            <a:pPr algn="ctr"/>
+            <a:endParaRPr lang="zh-TW" altLang="en-US"/>
+          </a:p>
+        </p:txBody>
+      </p:sp>
+      <p:cxnSp>
+        <p:nvCxnSpPr>
+          <p:cNvPr id="27" name="直線單箭頭接點 26"/>
+          <p:cNvCxnSpPr/>
+          <p:nvPr/>
+        </p:nvCxnSpPr>
+        <p:spPr>
+          <a:xfrm flipH="1" flipV="1">
+            <a:off x="6772275" y="812741"/>
+            <a:ext cx="22737" cy="173211"/>
+          </a:xfrm>
+          <a:prstGeom prst="straightConnector1">
+            <a:avLst/>
+          </a:prstGeom>
+          <a:ln w="38100">
+            <a:solidFill>
+              <a:srgbClr val="FF0000"/>
+            </a:solidFill>
+            <a:tailEnd type="triangle"/>
+          </a:ln>
+        </p:spPr>
+        <p:style>
+          <a:lnRef idx="1">
+            <a:schemeClr val="accent1"/>
+          </a:lnRef>
+          <a:fillRef idx="0">
+            <a:schemeClr val="accent1"/>
+          </a:fillRef>
+          <a:effectRef idx="0">
+            <a:schemeClr val="accent1"/>
+          </a:effectRef>
+          <a:fontRef idx="minor">
+            <a:schemeClr val="tx1"/>
+          </a:fontRef>
+        </p:style>
+      </p:cxnSp>
+      <p:sp>
+        <p:nvSpPr>
+          <p:cNvPr id="31" name="文字方塊 30"/>
+          <p:cNvSpPr txBox="1"/>
+          <p:nvPr/>
+        </p:nvSpPr>
+        <p:spPr>
+          <a:xfrm>
+            <a:off x="4104054" y="433788"/>
+            <a:ext cx="3636840" cy="369332"/>
+          </a:xfrm>
+          <a:prstGeom prst="rect">
+            <a:avLst/>
+          </a:prstGeom>
+          <a:noFill/>
+        </p:spPr>
+        <p:txBody>
+          <a:bodyPr wrap="square" rtlCol="0">
+            <a:spAutoFit/>
+          </a:bodyPr>
+          <a:lstStyle/>
+          <a:p>
+            <a:r>
+              <a:rPr lang="zh-TW" altLang="en-US" dirty="0" smtClean="0"/>
+              <a:t>上傳檔案、新增子項目、複製標籤</a:t>
+            </a:r>
+            <a:endParaRPr lang="zh-TW" altLang="en-US" dirty="0"/>
+          </a:p>
+        </p:txBody>
+      </p:sp>
     </p:spTree>
     <p:extLst>
       <p:ext uri="{BB962C8B-B14F-4D97-AF65-F5344CB8AC3E}">
@@ -9968,6 +11622,13 @@
   <p:clrMapOvr>
     <a:masterClrMapping/>
   </p:clrMapOvr>
+  <p:timing>
+    <p:tnLst>
+      <p:par>
+        <p:cTn id="1" dur="indefinite" restart="never" nodeType="tmRoot"/>
+      </p:par>
+    </p:tnLst>
+  </p:timing>
 </p:sld>
 </file>
 
@@ -10141,7 +11802,7 @@
         </p:nvSpPr>
         <p:spPr>
           <a:xfrm>
-            <a:off x="1025500" y="1767724"/>
+            <a:off x="1496310" y="1767724"/>
             <a:ext cx="1040625" cy="1040625"/>
           </a:xfrm>
           <a:prstGeom prst="ellipse">
@@ -10205,7 +11866,7 @@
         </p:nvSpPr>
         <p:spPr>
           <a:xfrm>
-            <a:off x="949810" y="2988376"/>
+            <a:off x="1420620" y="2988376"/>
             <a:ext cx="1114052" cy="338554"/>
           </a:xfrm>
           <a:prstGeom prst="rect">
@@ -10241,7 +11902,7 @@
         </p:nvSpPr>
         <p:spPr>
           <a:xfrm>
-            <a:off x="2493080" y="1767724"/>
+            <a:off x="2963890" y="1767724"/>
             <a:ext cx="1040625" cy="1040625"/>
           </a:xfrm>
           <a:prstGeom prst="ellipse">
@@ -10305,7 +11966,7 @@
         </p:nvSpPr>
         <p:spPr>
           <a:xfrm>
-            <a:off x="2159756" y="2988376"/>
+            <a:off x="2630566" y="2988376"/>
             <a:ext cx="1728350" cy="338554"/>
           </a:xfrm>
           <a:prstGeom prst="rect">
@@ -10335,113 +11996,6 @@
       </p:sp>
       <p:sp>
         <p:nvSpPr>
-          <p:cNvPr id="10" name="椭圆 9">
-            <a:extLst>
-              <a:ext uri="{FF2B5EF4-FFF2-40B4-BE49-F238E27FC236}">
-                <a16:creationId xmlns:a16="http://schemas.microsoft.com/office/drawing/2014/main" xmlns="" id="{F45FF37A-03C7-4681-8C7A-BB81B7A4E0AF}"/>
-              </a:ext>
-            </a:extLst>
-          </p:cNvPr>
-          <p:cNvSpPr/>
-          <p:nvPr/>
-        </p:nvSpPr>
-        <p:spPr>
-          <a:xfrm>
-            <a:off x="3966391" y="1767724"/>
-            <a:ext cx="1040625" cy="1040625"/>
-          </a:xfrm>
-          <a:prstGeom prst="ellipse">
-            <a:avLst/>
-          </a:prstGeom>
-          <a:solidFill>
-            <a:schemeClr val="accent1"/>
-          </a:solidFill>
-          <a:ln>
-            <a:noFill/>
-          </a:ln>
-          <a:effectLst>
-            <a:outerShdw blurRad="101600" dist="101600" dir="5400000" algn="t" rotWithShape="0">
-              <a:prstClr val="black">
-                <a:alpha val="40000"/>
-              </a:prstClr>
-            </a:outerShdw>
-          </a:effectLst>
-        </p:spPr>
-        <p:style>
-          <a:lnRef idx="2">
-            <a:schemeClr val="accent1">
-              <a:shade val="50000"/>
-            </a:schemeClr>
-          </a:lnRef>
-          <a:fillRef idx="1">
-            <a:schemeClr val="accent1"/>
-          </a:fillRef>
-          <a:effectRef idx="0">
-            <a:schemeClr val="accent1"/>
-          </a:effectRef>
-          <a:fontRef idx="minor">
-            <a:schemeClr val="lt1"/>
-          </a:fontRef>
-        </p:style>
-        <p:txBody>
-          <a:bodyPr rot="0" spcFirstLastPara="0" vertOverflow="overflow" horzOverflow="overflow" vert="horz" wrap="square" lIns="91440" tIns="45720" rIns="91440" bIns="45720" numCol="1" spcCol="0" rtlCol="0" fromWordArt="0" anchor="ctr" anchorCtr="0" forceAA="0" compatLnSpc="1">
-            <a:prstTxWarp prst="textNoShape">
-              <a:avLst/>
-            </a:prstTxWarp>
-            <a:noAutofit/>
-          </a:bodyPr>
-          <a:lstStyle/>
-          <a:p>
-            <a:pPr algn="ctr"/>
-            <a:endParaRPr lang="zh-CN" altLang="en-US"/>
-          </a:p>
-        </p:txBody>
-      </p:sp>
-      <p:sp>
-        <p:nvSpPr>
-          <p:cNvPr id="11" name="矩形 10">
-            <a:extLst>
-              <a:ext uri="{FF2B5EF4-FFF2-40B4-BE49-F238E27FC236}">
-                <a16:creationId xmlns:a16="http://schemas.microsoft.com/office/drawing/2014/main" xmlns="" id="{2F5E705C-613F-431D-9818-5CD0BE8539EB}"/>
-              </a:ext>
-            </a:extLst>
-          </p:cNvPr>
-          <p:cNvSpPr/>
-          <p:nvPr/>
-        </p:nvSpPr>
-        <p:spPr>
-          <a:xfrm>
-            <a:off x="3984001" y="2988376"/>
-            <a:ext cx="1096772" cy="584775"/>
-          </a:xfrm>
-          <a:prstGeom prst="rect">
-            <a:avLst/>
-          </a:prstGeom>
-        </p:spPr>
-        <p:txBody>
-          <a:bodyPr wrap="square">
-            <a:spAutoFit/>
-          </a:bodyPr>
-          <a:lstStyle/>
-          <a:p>
-            <a:pPr algn="ctr"/>
-            <a:r>
-              <a:rPr lang="zh-TW" altLang="en-US" sz="1600" dirty="0"/>
-              <a:t>資源要求</a:t>
-            </a:r>
-            <a:endParaRPr lang="en-US" altLang="zh-TW" sz="1600" dirty="0"/>
-          </a:p>
-          <a:p>
-            <a:pPr algn="ctr"/>
-            <a:endParaRPr lang="en-US" altLang="zh-TW" sz="1600" dirty="0">
-              <a:latin typeface="Arial" panose="020B0604020202020204" pitchFamily="34" charset="0"/>
-              <a:cs typeface="Arial" panose="020B0604020202020204" pitchFamily="34" charset="0"/>
-            </a:endParaRPr>
-          </a:p>
-        </p:txBody>
-      </p:sp>
-      <p:sp>
-        <p:nvSpPr>
           <p:cNvPr id="12" name="椭圆 11">
             <a:extLst>
               <a:ext uri="{FF2B5EF4-FFF2-40B4-BE49-F238E27FC236}">
@@ -10454,7 +12008,7 @@
         </p:nvSpPr>
         <p:spPr>
           <a:xfrm>
-            <a:off x="5454344" y="1767724"/>
+            <a:off x="4585473" y="1767724"/>
             <a:ext cx="1040625" cy="1040625"/>
           </a:xfrm>
           <a:prstGeom prst="ellipse">
@@ -10518,7 +12072,7 @@
         </p:nvSpPr>
         <p:spPr>
           <a:xfrm>
-            <a:off x="5176668" y="2988376"/>
+            <a:off x="4437385" y="3002657"/>
             <a:ext cx="1322508" cy="338554"/>
           </a:xfrm>
           <a:prstGeom prst="rect">
@@ -10554,7 +12108,7 @@
         </p:nvSpPr>
         <p:spPr>
           <a:xfrm>
-            <a:off x="1148753" y="1934093"/>
+            <a:off x="1619563" y="1934093"/>
             <a:ext cx="755335" cy="707886"/>
           </a:xfrm>
           <a:prstGeom prst="rect">
@@ -10601,7 +12155,7 @@
         </p:nvSpPr>
         <p:spPr>
           <a:xfrm>
-            <a:off x="2635042" y="1934093"/>
+            <a:off x="3105852" y="1934093"/>
             <a:ext cx="755335" cy="707886"/>
           </a:xfrm>
           <a:prstGeom prst="rect">
@@ -10636,10 +12190,10 @@
       </p:sp>
       <p:sp>
         <p:nvSpPr>
-          <p:cNvPr id="18" name="文本框 17">
+          <p:cNvPr id="19" name="文本框 18">
             <a:extLst>
               <a:ext uri="{FF2B5EF4-FFF2-40B4-BE49-F238E27FC236}">
-                <a16:creationId xmlns:a16="http://schemas.microsoft.com/office/drawing/2014/main" xmlns="" id="{24B8F62E-2895-474D-8436-CCA11BEA2F3F}"/>
+                <a16:creationId xmlns:a16="http://schemas.microsoft.com/office/drawing/2014/main" xmlns="" id="{FE2226A0-E0FA-4B03-98BB-815BDC71D906}"/>
               </a:ext>
             </a:extLst>
           </p:cNvPr>
@@ -10648,7 +12202,7 @@
         </p:nvSpPr>
         <p:spPr>
           <a:xfrm>
-            <a:off x="4109036" y="1935292"/>
+            <a:off x="4728117" y="1934093"/>
             <a:ext cx="755335" cy="707886"/>
           </a:xfrm>
           <a:prstGeom prst="rect">
@@ -10664,60 +12218,13 @@
           <a:p>
             <a:pPr algn="ctr"/>
             <a:r>
-              <a:rPr lang="en-US" altLang="zh-CN" sz="4000" b="1" dirty="0">
+              <a:rPr lang="en-US" altLang="zh-CN" sz="4000" b="1" dirty="0" smtClean="0">
                 <a:solidFill>
                   <a:schemeClr val="bg1"/>
                 </a:solidFill>
                 <a:latin typeface="+mj-lt"/>
               </a:rPr>
               <a:t>03</a:t>
-            </a:r>
-            <a:endParaRPr lang="zh-CN" altLang="en-US" sz="4000" b="1" dirty="0">
-              <a:solidFill>
-                <a:schemeClr val="bg1"/>
-              </a:solidFill>
-              <a:latin typeface="+mj-lt"/>
-            </a:endParaRPr>
-          </a:p>
-        </p:txBody>
-      </p:sp>
-      <p:sp>
-        <p:nvSpPr>
-          <p:cNvPr id="19" name="文本框 18">
-            <a:extLst>
-              <a:ext uri="{FF2B5EF4-FFF2-40B4-BE49-F238E27FC236}">
-                <a16:creationId xmlns:a16="http://schemas.microsoft.com/office/drawing/2014/main" xmlns="" id="{FE2226A0-E0FA-4B03-98BB-815BDC71D906}"/>
-              </a:ext>
-            </a:extLst>
-          </p:cNvPr>
-          <p:cNvSpPr txBox="1"/>
-          <p:nvPr/>
-        </p:nvSpPr>
-        <p:spPr>
-          <a:xfrm>
-            <a:off x="5596988" y="1934093"/>
-            <a:ext cx="755335" cy="707886"/>
-          </a:xfrm>
-          <a:prstGeom prst="rect">
-            <a:avLst/>
-          </a:prstGeom>
-          <a:noFill/>
-        </p:spPr>
-        <p:txBody>
-          <a:bodyPr wrap="none" rtlCol="0">
-            <a:spAutoFit/>
-          </a:bodyPr>
-          <a:lstStyle/>
-          <a:p>
-            <a:pPr algn="ctr"/>
-            <a:r>
-              <a:rPr lang="en-US" altLang="zh-CN" sz="4000" b="1" dirty="0">
-                <a:solidFill>
-                  <a:schemeClr val="bg1"/>
-                </a:solidFill>
-                <a:latin typeface="+mj-lt"/>
-              </a:rPr>
-              <a:t>04</a:t>
             </a:r>
             <a:endParaRPr lang="zh-CN" altLang="en-US" sz="4000" b="1" dirty="0">
               <a:solidFill>
@@ -10742,7 +12249,7 @@
         </p:nvSpPr>
         <p:spPr>
           <a:xfrm>
-            <a:off x="6784511" y="1782005"/>
+            <a:off x="6116038" y="1782005"/>
             <a:ext cx="1040625" cy="1040625"/>
           </a:xfrm>
           <a:prstGeom prst="ellipse">
@@ -10806,7 +12313,7 @@
         </p:nvSpPr>
         <p:spPr>
           <a:xfrm>
-            <a:off x="6506835" y="3002657"/>
+            <a:off x="5975095" y="3002657"/>
             <a:ext cx="1322508" cy="338554"/>
           </a:xfrm>
           <a:prstGeom prst="rect">
@@ -10842,7 +12349,7 @@
         </p:nvSpPr>
         <p:spPr>
           <a:xfrm>
-            <a:off x="6927155" y="1948374"/>
+            <a:off x="6258682" y="1948374"/>
             <a:ext cx="755335" cy="707886"/>
           </a:xfrm>
           <a:prstGeom prst="rect">
@@ -10864,7 +12371,7 @@
                 </a:solidFill>
                 <a:latin typeface="+mj-lt"/>
               </a:rPr>
-              <a:t>05</a:t>
+              <a:t>04</a:t>
             </a:r>
             <a:endParaRPr lang="zh-CN" altLang="en-US" sz="4000" b="1" dirty="0">
               <a:solidFill>
@@ -10885,6 +12392,13 @@
   <p:clrMapOvr>
     <a:masterClrMapping/>
   </p:clrMapOvr>
+  <p:timing>
+    <p:tnLst>
+      <p:par>
+        <p:cTn id="1" dur="indefinite" restart="never" nodeType="tmRoot"/>
+      </p:par>
+    </p:tnLst>
+  </p:timing>
 </p:sld>
 </file>
 
@@ -10938,17 +12452,17 @@
               </a:spcAft>
             </a:pPr>
             <a:r>
-              <a:rPr lang="zh-TW" altLang="en-US" sz="2000" b="1" kern="100" dirty="0">
+              <a:rPr lang="zh-TW" altLang="en-US" sz="2000" b="1" kern="100" dirty="0" smtClean="0">
                 <a:solidFill>
                   <a:schemeClr val="accent1"/>
                 </a:solidFill>
                 <a:latin typeface="+mn-ea"/>
                 <a:cs typeface="Times New Roman" panose="02020603050405020304" pitchFamily="18" charset="0"/>
               </a:rPr>
-              <a:t>任務安排</a:t>
+              <a:t>任務規劃</a:t>
             </a:r>
             <a:r>
-              <a:rPr lang="en-US" altLang="zh-TW" sz="2000" b="1" kern="100" dirty="0">
+              <a:rPr lang="en-US" altLang="zh-TW" sz="2000" b="1" kern="100" dirty="0" smtClean="0">
                 <a:solidFill>
                   <a:schemeClr val="accent1"/>
                 </a:solidFill>
@@ -11041,20 +12555,14 @@
       </p:sp>
       <p:pic>
         <p:nvPicPr>
-          <p:cNvPr id="6" name="圖片 5" descr="一張含有 螢幕擷取畫面 的圖片&#10;&#10;自動產生的描述">
-            <a:extLst>
-              <a:ext uri="{FF2B5EF4-FFF2-40B4-BE49-F238E27FC236}">
-                <a16:creationId xmlns:a16="http://schemas.microsoft.com/office/drawing/2014/main" xmlns="" id="{A937114A-C96B-454D-963B-CC98CBAFB980}"/>
-              </a:ext>
-            </a:extLst>
-          </p:cNvPr>
+          <p:cNvPr id="5" name="圖片 4" descr="畫面剪輯"/>
           <p:cNvPicPr>
             <a:picLocks noChangeAspect="1"/>
           </p:cNvPicPr>
           <p:nvPr/>
         </p:nvPicPr>
         <p:blipFill>
-          <a:blip r:embed="rId2">
+          <a:blip r:embed="rId2" cstate="print">
             <a:extLst>
               <a:ext uri="{28A0092B-C50C-407E-A947-70E740481C1C}">
                 <a14:useLocalDpi xmlns:a14="http://schemas.microsoft.com/office/drawing/2010/main" val="0"/>
@@ -11067,14 +12575,126 @@
         </p:blipFill>
         <p:spPr>
           <a:xfrm>
-            <a:off x="347073" y="728405"/>
-            <a:ext cx="8449854" cy="3686689"/>
+            <a:off x="504825" y="959412"/>
+            <a:ext cx="7505700" cy="3903434"/>
           </a:xfrm>
           <a:prstGeom prst="rect">
             <a:avLst/>
           </a:prstGeom>
         </p:spPr>
       </p:pic>
+      <p:sp>
+        <p:nvSpPr>
+          <p:cNvPr id="7" name="矩形 6"/>
+          <p:cNvSpPr/>
+          <p:nvPr/>
+        </p:nvSpPr>
+        <p:spPr>
+          <a:xfrm>
+            <a:off x="3087906" y="1807209"/>
+            <a:ext cx="3941543" cy="2545716"/>
+          </a:xfrm>
+          <a:prstGeom prst="rect">
+            <a:avLst/>
+          </a:prstGeom>
+          <a:noFill/>
+          <a:ln w="38100">
+            <a:solidFill>
+              <a:srgbClr val="FF0000"/>
+            </a:solidFill>
+          </a:ln>
+        </p:spPr>
+        <p:style>
+          <a:lnRef idx="2">
+            <a:schemeClr val="accent1">
+              <a:shade val="50000"/>
+            </a:schemeClr>
+          </a:lnRef>
+          <a:fillRef idx="1">
+            <a:schemeClr val="accent1"/>
+          </a:fillRef>
+          <a:effectRef idx="0">
+            <a:schemeClr val="accent1"/>
+          </a:effectRef>
+          <a:fontRef idx="minor">
+            <a:schemeClr val="lt1"/>
+          </a:fontRef>
+        </p:style>
+        <p:txBody>
+          <a:bodyPr rtlCol="0" anchor="ctr"/>
+          <a:lstStyle/>
+          <a:p>
+            <a:pPr algn="ctr"/>
+            <a:endParaRPr lang="zh-TW" altLang="en-US"/>
+          </a:p>
+        </p:txBody>
+      </p:sp>
+      <p:cxnSp>
+        <p:nvCxnSpPr>
+          <p:cNvPr id="8" name="直線單箭頭接點 7"/>
+          <p:cNvCxnSpPr/>
+          <p:nvPr/>
+        </p:nvCxnSpPr>
+        <p:spPr>
+          <a:xfrm flipH="1">
+            <a:off x="2682642" y="2895601"/>
+            <a:ext cx="405264" cy="15528"/>
+          </a:xfrm>
+          <a:prstGeom prst="straightConnector1">
+            <a:avLst/>
+          </a:prstGeom>
+          <a:ln w="38100">
+            <a:solidFill>
+              <a:srgbClr val="FF0000"/>
+            </a:solidFill>
+            <a:tailEnd type="triangle"/>
+          </a:ln>
+        </p:spPr>
+        <p:style>
+          <a:lnRef idx="1">
+            <a:schemeClr val="accent1"/>
+          </a:lnRef>
+          <a:fillRef idx="0">
+            <a:schemeClr val="accent1"/>
+          </a:fillRef>
+          <a:effectRef idx="0">
+            <a:schemeClr val="accent1"/>
+          </a:effectRef>
+          <a:fontRef idx="minor">
+            <a:schemeClr val="tx1"/>
+          </a:fontRef>
+        </p:style>
+      </p:cxnSp>
+      <p:sp>
+        <p:nvSpPr>
+          <p:cNvPr id="11" name="文字方塊 10"/>
+          <p:cNvSpPr txBox="1"/>
+          <p:nvPr/>
+        </p:nvSpPr>
+        <p:spPr>
+          <a:xfrm>
+            <a:off x="658713" y="2710735"/>
+            <a:ext cx="2096721" cy="369332"/>
+          </a:xfrm>
+          <a:prstGeom prst="rect">
+            <a:avLst/>
+          </a:prstGeom>
+          <a:noFill/>
+        </p:spPr>
+        <p:txBody>
+          <a:bodyPr wrap="square" rtlCol="0">
+            <a:spAutoFit/>
+          </a:bodyPr>
+          <a:lstStyle/>
+          <a:p>
+            <a:r>
+              <a:rPr lang="zh-TW" altLang="en-US" dirty="0" smtClean="0"/>
+              <a:t>修改後會寄信通知</a:t>
+            </a:r>
+            <a:endParaRPr lang="zh-TW" altLang="en-US" dirty="0"/>
+          </a:p>
+        </p:txBody>
+      </p:sp>
     </p:spTree>
     <p:extLst>
       <p:ext uri="{BB962C8B-B14F-4D97-AF65-F5344CB8AC3E}">
@@ -11085,20 +12705,19 @@
   <p:clrMapOvr>
     <a:masterClrMapping/>
   </p:clrMapOvr>
+  <p:timing>
+    <p:tnLst>
+      <p:par>
+        <p:cTn id="1" dur="indefinite" restart="never" nodeType="tmRoot"/>
+      </p:par>
+    </p:tnLst>
+  </p:timing>
 </p:sld>
 </file>
 
 <file path=ppt/slides/slide21.xml><?xml version="1.0" encoding="utf-8"?>
 <p:sld xmlns:a="http://schemas.openxmlformats.org/drawingml/2006/main" xmlns:r="http://schemas.openxmlformats.org/officeDocument/2006/relationships" xmlns:p="http://schemas.openxmlformats.org/presentationml/2006/main">
   <p:cSld>
-    <p:bg>
-      <p:bgPr>
-        <a:solidFill>
-          <a:schemeClr val="bg1"/>
-        </a:solidFill>
-        <a:effectLst/>
-      </p:bgPr>
-    </p:bg>
     <p:spTree>
       <p:nvGrpSpPr>
         <p:cNvPr id="1" name=""/>
@@ -11115,34 +12734,22 @@
       </p:grpSpPr>
       <p:pic>
         <p:nvPicPr>
-          <p:cNvPr id="7" name="圖片 6" descr="一張含有 螢幕擷取畫面 的圖片&#10;&#10;自動產生的描述">
-            <a:extLst>
-              <a:ext uri="{FF2B5EF4-FFF2-40B4-BE49-F238E27FC236}">
-                <a16:creationId xmlns:a16="http://schemas.microsoft.com/office/drawing/2014/main" xmlns="" id="{CC81C847-6807-486F-9E96-C9711D972162}"/>
-              </a:ext>
-            </a:extLst>
-          </p:cNvPr>
+          <p:cNvPr id="16" name="圖片 15"/>
           <p:cNvPicPr>
             <a:picLocks noChangeAspect="1"/>
           </p:cNvPicPr>
           <p:nvPr/>
         </p:nvPicPr>
         <p:blipFill>
-          <a:blip r:embed="rId2">
-            <a:extLst>
-              <a:ext uri="{28A0092B-C50C-407E-A947-70E740481C1C}">
-                <a14:useLocalDpi xmlns:a14="http://schemas.microsoft.com/office/drawing/2010/main" val="0"/>
-              </a:ext>
-            </a:extLst>
-          </a:blip>
+          <a:blip r:embed="rId2"/>
           <a:stretch>
             <a:fillRect/>
           </a:stretch>
         </p:blipFill>
         <p:spPr>
           <a:xfrm>
-            <a:off x="482600" y="1019817"/>
-            <a:ext cx="8178799" cy="3864481"/>
+            <a:off x="800153" y="502160"/>
+            <a:ext cx="6789364" cy="4087242"/>
           </a:xfrm>
           <a:prstGeom prst="rect">
             <a:avLst/>
@@ -11151,10 +12758,10 @@
       </p:pic>
       <p:sp>
         <p:nvSpPr>
-          <p:cNvPr id="2" name="矩形 1">
+          <p:cNvPr id="3" name="矩形 2">
             <a:extLst>
               <a:ext uri="{FF2B5EF4-FFF2-40B4-BE49-F238E27FC236}">
-                <a16:creationId xmlns:a16="http://schemas.microsoft.com/office/drawing/2014/main" xmlns="" id="{B7F6048C-C39D-474E-AA92-E99A272C20C5}"/>
+                <a16:creationId xmlns:a16="http://schemas.microsoft.com/office/drawing/2014/main" xmlns="" id="{B1EF227F-F971-46C4-8C83-D820A502B67B}"/>
               </a:ext>
             </a:extLst>
           </p:cNvPr>
@@ -11164,7 +12771,7 @@
         <p:spPr>
           <a:xfrm>
             <a:off x="388823" y="375240"/>
-            <a:ext cx="3261919" cy="400110"/>
+            <a:ext cx="1848583" cy="400110"/>
           </a:xfrm>
           <a:prstGeom prst="rect">
             <a:avLst/>
@@ -11178,7 +12785,7 @@
           <a:p>
             <a:pPr>
               <a:spcAft>
-                <a:spcPts val="600"/>
+                <a:spcPts val="0"/>
               </a:spcAft>
             </a:pPr>
             <a:r>
@@ -11189,37 +12796,27 @@
                 <a:latin typeface="+mn-ea"/>
                 <a:cs typeface="Times New Roman" panose="02020603050405020304" pitchFamily="18" charset="0"/>
               </a:rPr>
-              <a:t>任務安排</a:t>
+              <a:t>時程</a:t>
             </a:r>
             <a:r>
-              <a:rPr lang="en-US" altLang="zh-TW" sz="2000" b="1" kern="100" dirty="0">
+              <a:rPr lang="zh-TW" altLang="en-US" sz="2000" b="1" kern="100" dirty="0" smtClean="0">
                 <a:solidFill>
                   <a:schemeClr val="accent1"/>
                 </a:solidFill>
                 <a:latin typeface="+mn-ea"/>
                 <a:cs typeface="Times New Roman" panose="02020603050405020304" pitchFamily="18" charset="0"/>
               </a:rPr>
-              <a:t>-</a:t>
+              <a:t>安排</a:t>
             </a:r>
             <a:r>
-              <a:rPr lang="zh-TW" altLang="en-US" sz="2000" b="1" kern="100" dirty="0">
+              <a:rPr lang="en-US" altLang="zh-TW" sz="2000" b="1" kern="100" dirty="0" smtClean="0">
                 <a:solidFill>
                   <a:schemeClr val="accent1"/>
                 </a:solidFill>
                 <a:latin typeface="+mn-ea"/>
                 <a:cs typeface="Times New Roman" panose="02020603050405020304" pitchFamily="18" charset="0"/>
               </a:rPr>
-              <a:t>專案文件</a:t>
-            </a:r>
-            <a:r>
-              <a:rPr lang="en-US" altLang="zh-TW" sz="2000" b="1" kern="100" dirty="0">
-                <a:solidFill>
-                  <a:schemeClr val="accent1"/>
-                </a:solidFill>
-                <a:latin typeface="+mn-ea"/>
-                <a:cs typeface="Times New Roman" panose="02020603050405020304" pitchFamily="18" charset="0"/>
-              </a:rPr>
-              <a:t>(Word)</a:t>
+              <a:t>(1/4)</a:t>
             </a:r>
             <a:endParaRPr lang="zh-CN" altLang="en-US" sz="2000" b="1" kern="100" dirty="0">
               <a:solidFill>
@@ -11233,10 +12830,10 @@
       </p:sp>
       <p:sp>
         <p:nvSpPr>
-          <p:cNvPr id="3" name="矩形 2">
+          <p:cNvPr id="4" name="矩形 3">
             <a:extLst>
               <a:ext uri="{FF2B5EF4-FFF2-40B4-BE49-F238E27FC236}">
-                <a16:creationId xmlns:a16="http://schemas.microsoft.com/office/drawing/2014/main" xmlns="" id="{C912F6F4-EE30-438B-8C15-744A8F4E4422}"/>
+                <a16:creationId xmlns:a16="http://schemas.microsoft.com/office/drawing/2014/main" xmlns="" id="{9E909954-10C8-4280-953E-B54B27A00653}"/>
               </a:ext>
             </a:extLst>
           </p:cNvPr>
@@ -11260,11 +12857,11 @@
           <a:p>
             <a:pPr>
               <a:spcAft>
-                <a:spcPts val="600"/>
+                <a:spcPts val="0"/>
               </a:spcAft>
             </a:pPr>
             <a:r>
-              <a:rPr lang="en-US" altLang="zh-CN" sz="1200" kern="100" dirty="0">
+              <a:rPr lang="en-US" altLang="zh-CN" sz="1200" kern="100">
                 <a:solidFill>
                   <a:schemeClr val="accent1"/>
                 </a:solidFill>
@@ -11273,12 +12870,295 @@
               </a:rPr>
               <a:t>Schedule</a:t>
             </a:r>
-            <a:endParaRPr lang="en-US" altLang="zh-CN" sz="1200" kern="100">
+          </a:p>
+        </p:txBody>
+      </p:sp>
+      <p:sp>
+        <p:nvSpPr>
+          <p:cNvPr id="9" name="矩形 8"/>
+          <p:cNvSpPr/>
+          <p:nvPr/>
+        </p:nvSpPr>
+        <p:spPr>
+          <a:xfrm>
+            <a:off x="4227616" y="1128156"/>
+            <a:ext cx="3361901" cy="3484979"/>
+          </a:xfrm>
+          <a:prstGeom prst="rect">
+            <a:avLst/>
+          </a:prstGeom>
+          <a:noFill/>
+          <a:ln w="38100">
+            <a:solidFill>
+              <a:srgbClr val="FF0000"/>
+            </a:solidFill>
+          </a:ln>
+        </p:spPr>
+        <p:style>
+          <a:lnRef idx="2">
+            <a:schemeClr val="accent1">
+              <a:shade val="50000"/>
+            </a:schemeClr>
+          </a:lnRef>
+          <a:fillRef idx="1">
+            <a:schemeClr val="accent1"/>
+          </a:fillRef>
+          <a:effectRef idx="0">
+            <a:schemeClr val="accent1"/>
+          </a:effectRef>
+          <a:fontRef idx="minor">
+            <a:schemeClr val="lt1"/>
+          </a:fontRef>
+        </p:style>
+        <p:txBody>
+          <a:bodyPr rtlCol="0" anchor="ctr"/>
+          <a:lstStyle/>
+          <a:p>
+            <a:pPr algn="ctr"/>
+            <a:endParaRPr lang="zh-TW" altLang="en-US" dirty="0"/>
+          </a:p>
+        </p:txBody>
+      </p:sp>
+      <p:sp>
+        <p:nvSpPr>
+          <p:cNvPr id="10" name="矩形 9"/>
+          <p:cNvSpPr/>
+          <p:nvPr/>
+        </p:nvSpPr>
+        <p:spPr>
+          <a:xfrm>
+            <a:off x="824707" y="1282535"/>
+            <a:ext cx="1311131" cy="3218213"/>
+          </a:xfrm>
+          <a:prstGeom prst="rect">
+            <a:avLst/>
+          </a:prstGeom>
+          <a:noFill/>
+          <a:ln w="38100">
+            <a:solidFill>
+              <a:srgbClr val="FF0000"/>
+            </a:solidFill>
+          </a:ln>
+        </p:spPr>
+        <p:style>
+          <a:lnRef idx="2">
+            <a:schemeClr val="accent1">
+              <a:shade val="50000"/>
+            </a:schemeClr>
+          </a:lnRef>
+          <a:fillRef idx="1">
+            <a:schemeClr val="accent1"/>
+          </a:fillRef>
+          <a:effectRef idx="0">
+            <a:schemeClr val="accent1"/>
+          </a:effectRef>
+          <a:fontRef idx="minor">
+            <a:schemeClr val="lt1"/>
+          </a:fontRef>
+        </p:style>
+        <p:txBody>
+          <a:bodyPr rtlCol="0" anchor="ctr"/>
+          <a:lstStyle/>
+          <a:p>
+            <a:pPr algn="ctr"/>
+            <a:endParaRPr lang="zh-TW" altLang="en-US"/>
+          </a:p>
+        </p:txBody>
+      </p:sp>
+      <p:sp>
+        <p:nvSpPr>
+          <p:cNvPr id="11" name="矩形 10"/>
+          <p:cNvSpPr/>
+          <p:nvPr/>
+        </p:nvSpPr>
+        <p:spPr>
+          <a:xfrm>
+            <a:off x="2237406" y="1282535"/>
+            <a:ext cx="1194563" cy="3218213"/>
+          </a:xfrm>
+          <a:prstGeom prst="rect">
+            <a:avLst/>
+          </a:prstGeom>
+          <a:noFill/>
+          <a:ln w="38100">
+            <a:solidFill>
+              <a:srgbClr val="FF0000"/>
+            </a:solidFill>
+          </a:ln>
+        </p:spPr>
+        <p:style>
+          <a:lnRef idx="2">
+            <a:schemeClr val="accent1">
+              <a:shade val="50000"/>
+            </a:schemeClr>
+          </a:lnRef>
+          <a:fillRef idx="1">
+            <a:schemeClr val="accent1"/>
+          </a:fillRef>
+          <a:effectRef idx="0">
+            <a:schemeClr val="accent1"/>
+          </a:effectRef>
+          <a:fontRef idx="minor">
+            <a:schemeClr val="lt1"/>
+          </a:fontRef>
+        </p:style>
+        <p:txBody>
+          <a:bodyPr rtlCol="0" anchor="ctr"/>
+          <a:lstStyle/>
+          <a:p>
+            <a:pPr algn="ctr"/>
+            <a:endParaRPr lang="zh-TW" altLang="en-US"/>
+          </a:p>
+        </p:txBody>
+      </p:sp>
+      <p:sp>
+        <p:nvSpPr>
+          <p:cNvPr id="12" name="文字方塊 11"/>
+          <p:cNvSpPr txBox="1"/>
+          <p:nvPr/>
+        </p:nvSpPr>
+        <p:spPr>
+          <a:xfrm>
+            <a:off x="1027842" y="4578800"/>
+            <a:ext cx="1107996" cy="369332"/>
+          </a:xfrm>
+          <a:prstGeom prst="rect">
+            <a:avLst/>
+          </a:prstGeom>
+          <a:noFill/>
+        </p:spPr>
+        <p:txBody>
+          <a:bodyPr wrap="none" rtlCol="0">
+            <a:spAutoFit/>
+          </a:bodyPr>
+          <a:lstStyle/>
+          <a:p>
+            <a:r>
+              <a:rPr lang="zh-TW" altLang="en-US" dirty="0" smtClean="0">
+                <a:solidFill>
+                  <a:srgbClr val="FF0000"/>
+                </a:solidFill>
+              </a:rPr>
+              <a:t>任務名稱</a:t>
+            </a:r>
+            <a:endParaRPr lang="en-US" altLang="zh-TW" dirty="0" smtClean="0">
               <a:solidFill>
-                <a:schemeClr val="accent1"/>
+                <a:srgbClr val="FF0000"/>
               </a:solidFill>
-              <a:latin typeface="+mj-lt"/>
-              <a:cs typeface="Times New Roman" panose="02020603050405020304" pitchFamily="18" charset="0"/>
+            </a:endParaRPr>
+          </a:p>
+        </p:txBody>
+      </p:sp>
+      <p:sp>
+        <p:nvSpPr>
+          <p:cNvPr id="13" name="文字方塊 12"/>
+          <p:cNvSpPr txBox="1"/>
+          <p:nvPr/>
+        </p:nvSpPr>
+        <p:spPr>
+          <a:xfrm>
+            <a:off x="2511521" y="4523020"/>
+            <a:ext cx="646331" cy="369332"/>
+          </a:xfrm>
+          <a:prstGeom prst="rect">
+            <a:avLst/>
+          </a:prstGeom>
+          <a:noFill/>
+        </p:spPr>
+        <p:txBody>
+          <a:bodyPr wrap="none" rtlCol="0">
+            <a:spAutoFit/>
+          </a:bodyPr>
+          <a:lstStyle/>
+          <a:p>
+            <a:r>
+              <a:rPr lang="zh-TW" altLang="en-US" dirty="0" smtClean="0">
+                <a:solidFill>
+                  <a:srgbClr val="FF0000"/>
+                </a:solidFill>
+              </a:rPr>
+              <a:t>時程</a:t>
+            </a:r>
+            <a:endParaRPr lang="zh-TW" altLang="en-US" dirty="0">
+              <a:solidFill>
+                <a:srgbClr val="FF0000"/>
+              </a:solidFill>
+            </a:endParaRPr>
+          </a:p>
+        </p:txBody>
+      </p:sp>
+      <p:sp>
+        <p:nvSpPr>
+          <p:cNvPr id="14" name="文字方塊 13"/>
+          <p:cNvSpPr txBox="1"/>
+          <p:nvPr/>
+        </p:nvSpPr>
+        <p:spPr>
+          <a:xfrm>
+            <a:off x="3380428" y="4524481"/>
+            <a:ext cx="877163" cy="369332"/>
+          </a:xfrm>
+          <a:prstGeom prst="rect">
+            <a:avLst/>
+          </a:prstGeom>
+          <a:noFill/>
+        </p:spPr>
+        <p:txBody>
+          <a:bodyPr wrap="none" rtlCol="0">
+            <a:spAutoFit/>
+          </a:bodyPr>
+          <a:lstStyle/>
+          <a:p>
+            <a:r>
+              <a:rPr lang="zh-TW" altLang="en-US" dirty="0" smtClean="0">
+                <a:solidFill>
+                  <a:srgbClr val="FF0000"/>
+                </a:solidFill>
+              </a:rPr>
+              <a:t>負責人</a:t>
+            </a:r>
+            <a:endParaRPr lang="zh-TW" altLang="en-US" dirty="0">
+              <a:solidFill>
+                <a:srgbClr val="FF0000"/>
+              </a:solidFill>
+            </a:endParaRPr>
+          </a:p>
+        </p:txBody>
+      </p:sp>
+      <p:sp>
+        <p:nvSpPr>
+          <p:cNvPr id="15" name="文字方塊 14"/>
+          <p:cNvSpPr txBox="1"/>
+          <p:nvPr/>
+        </p:nvSpPr>
+        <p:spPr>
+          <a:xfrm>
+            <a:off x="8059926" y="1805050"/>
+            <a:ext cx="461665" cy="784830"/>
+          </a:xfrm>
+          <a:prstGeom prst="rect">
+            <a:avLst/>
+          </a:prstGeom>
+          <a:noFill/>
+        </p:spPr>
+        <p:txBody>
+          <a:bodyPr vert="eaVert" wrap="none" rtlCol="0">
+            <a:spAutoFit/>
+          </a:bodyPr>
+          <a:lstStyle/>
+          <a:p>
+            <a:r>
+              <a:rPr lang="zh-TW" altLang="en-US" dirty="0" smtClean="0">
+                <a:solidFill>
+                  <a:srgbClr val="FF0000"/>
+                </a:solidFill>
+              </a:rPr>
+              <a:t>甘特圖</a:t>
+            </a:r>
+            <a:endParaRPr lang="zh-TW" altLang="en-US" dirty="0">
+              <a:solidFill>
+                <a:srgbClr val="FF0000"/>
+              </a:solidFill>
             </a:endParaRPr>
           </a:p>
         </p:txBody>
@@ -11286,396 +13166,24 @@
     </p:spTree>
     <p:extLst>
       <p:ext uri="{BB962C8B-B14F-4D97-AF65-F5344CB8AC3E}">
-        <p14:creationId xmlns:p14="http://schemas.microsoft.com/office/powerpoint/2010/main" val="1931054921"/>
+        <p14:creationId xmlns:p14="http://schemas.microsoft.com/office/powerpoint/2010/main" val="2334760182"/>
       </p:ext>
     </p:extLst>
   </p:cSld>
   <p:clrMapOvr>
     <a:masterClrMapping/>
   </p:clrMapOvr>
+  <p:timing>
+    <p:tnLst>
+      <p:par>
+        <p:cTn id="1" dur="indefinite" restart="never" nodeType="tmRoot"/>
+      </p:par>
+    </p:tnLst>
+  </p:timing>
 </p:sld>
 </file>
 
 <file path=ppt/slides/slide22.xml><?xml version="1.0" encoding="utf-8"?>
-<p:sld xmlns:a="http://schemas.openxmlformats.org/drawingml/2006/main" xmlns:r="http://schemas.openxmlformats.org/officeDocument/2006/relationships" xmlns:p="http://schemas.openxmlformats.org/presentationml/2006/main">
-  <p:cSld>
-    <p:spTree>
-      <p:nvGrpSpPr>
-        <p:cNvPr id="1" name=""/>
-        <p:cNvGrpSpPr/>
-        <p:nvPr/>
-      </p:nvGrpSpPr>
-      <p:grpSpPr>
-        <a:xfrm>
-          <a:off x="0" y="0"/>
-          <a:ext cx="0" cy="0"/>
-          <a:chOff x="0" y="0"/>
-          <a:chExt cx="0" cy="0"/>
-        </a:xfrm>
-      </p:grpSpPr>
-      <p:sp>
-        <p:nvSpPr>
-          <p:cNvPr id="2" name="矩形 1">
-            <a:extLst>
-              <a:ext uri="{FF2B5EF4-FFF2-40B4-BE49-F238E27FC236}">
-                <a16:creationId xmlns:a16="http://schemas.microsoft.com/office/drawing/2014/main" xmlns="" id="{B7F6048C-C39D-474E-AA92-E99A272C20C5}"/>
-              </a:ext>
-            </a:extLst>
-          </p:cNvPr>
-          <p:cNvSpPr/>
-          <p:nvPr/>
-        </p:nvSpPr>
-        <p:spPr>
-          <a:xfrm>
-            <a:off x="388823" y="375240"/>
-            <a:ext cx="2348720" cy="400110"/>
-          </a:xfrm>
-          <a:prstGeom prst="rect">
-            <a:avLst/>
-          </a:prstGeom>
-        </p:spPr>
-        <p:txBody>
-          <a:bodyPr wrap="none">
-            <a:spAutoFit/>
-          </a:bodyPr>
-          <a:lstStyle/>
-          <a:p>
-            <a:pPr>
-              <a:spcAft>
-                <a:spcPts val="600"/>
-              </a:spcAft>
-            </a:pPr>
-            <a:r>
-              <a:rPr lang="zh-TW" altLang="en-US" sz="2000" b="1" kern="100" dirty="0">
-                <a:solidFill>
-                  <a:schemeClr val="accent1"/>
-                </a:solidFill>
-                <a:latin typeface="+mn-ea"/>
-                <a:cs typeface="Times New Roman" panose="02020603050405020304" pitchFamily="18" charset="0"/>
-              </a:rPr>
-              <a:t>任務安排</a:t>
-            </a:r>
-            <a:r>
-              <a:rPr lang="en-US" altLang="zh-TW" sz="2000" b="1" kern="100" dirty="0">
-                <a:solidFill>
-                  <a:schemeClr val="accent1"/>
-                </a:solidFill>
-                <a:latin typeface="+mn-ea"/>
-                <a:cs typeface="Times New Roman" panose="02020603050405020304" pitchFamily="18" charset="0"/>
-              </a:rPr>
-              <a:t>-</a:t>
-            </a:r>
-            <a:r>
-              <a:rPr lang="zh-TW" altLang="en-US" sz="2000" b="1" kern="100" dirty="0">
-                <a:solidFill>
-                  <a:schemeClr val="accent1"/>
-                </a:solidFill>
-                <a:latin typeface="+mn-ea"/>
-                <a:cs typeface="Times New Roman" panose="02020603050405020304" pitchFamily="18" charset="0"/>
-              </a:rPr>
-              <a:t>前端配置</a:t>
-            </a:r>
-            <a:endParaRPr lang="zh-CN" altLang="en-US" sz="2000" b="1" kern="100" dirty="0">
-              <a:solidFill>
-                <a:schemeClr val="accent1"/>
-              </a:solidFill>
-              <a:latin typeface="+mn-ea"/>
-              <a:cs typeface="Times New Roman" panose="02020603050405020304" pitchFamily="18" charset="0"/>
-            </a:endParaRPr>
-          </a:p>
-        </p:txBody>
-      </p:sp>
-      <p:sp>
-        <p:nvSpPr>
-          <p:cNvPr id="3" name="矩形 2">
-            <a:extLst>
-              <a:ext uri="{FF2B5EF4-FFF2-40B4-BE49-F238E27FC236}">
-                <a16:creationId xmlns:a16="http://schemas.microsoft.com/office/drawing/2014/main" xmlns="" id="{C912F6F4-EE30-438B-8C15-744A8F4E4422}"/>
-              </a:ext>
-            </a:extLst>
-          </p:cNvPr>
-          <p:cNvSpPr/>
-          <p:nvPr/>
-        </p:nvSpPr>
-        <p:spPr>
-          <a:xfrm>
-            <a:off x="388823" y="742818"/>
-            <a:ext cx="822661" cy="276999"/>
-          </a:xfrm>
-          <a:prstGeom prst="rect">
-            <a:avLst/>
-          </a:prstGeom>
-        </p:spPr>
-        <p:txBody>
-          <a:bodyPr wrap="none">
-            <a:spAutoFit/>
-          </a:bodyPr>
-          <a:lstStyle/>
-          <a:p>
-            <a:pPr>
-              <a:spcAft>
-                <a:spcPts val="600"/>
-              </a:spcAft>
-            </a:pPr>
-            <a:r>
-              <a:rPr lang="en-US" altLang="zh-CN" sz="1200" kern="100" dirty="0">
-                <a:solidFill>
-                  <a:schemeClr val="accent1"/>
-                </a:solidFill>
-                <a:latin typeface="+mj-lt"/>
-                <a:cs typeface="Times New Roman" panose="02020603050405020304" pitchFamily="18" charset="0"/>
-              </a:rPr>
-              <a:t>Schedule</a:t>
-            </a:r>
-            <a:endParaRPr lang="en-US" altLang="zh-CN" sz="1200" kern="100">
-              <a:solidFill>
-                <a:schemeClr val="accent1"/>
-              </a:solidFill>
-              <a:latin typeface="+mj-lt"/>
-              <a:cs typeface="Times New Roman" panose="02020603050405020304" pitchFamily="18" charset="0"/>
-            </a:endParaRPr>
-          </a:p>
-        </p:txBody>
-      </p:sp>
-      <p:pic>
-        <p:nvPicPr>
-          <p:cNvPr id="5" name="圖片 4" descr="一張含有 螢幕擷取畫面 的圖片&#10;&#10;自動產生的描述">
-            <a:extLst>
-              <a:ext uri="{FF2B5EF4-FFF2-40B4-BE49-F238E27FC236}">
-                <a16:creationId xmlns:a16="http://schemas.microsoft.com/office/drawing/2014/main" xmlns="" id="{C1123BA1-34BC-4B41-B131-881CD0BDAD20}"/>
-              </a:ext>
-            </a:extLst>
-          </p:cNvPr>
-          <p:cNvPicPr>
-            <a:picLocks noChangeAspect="1"/>
-          </p:cNvPicPr>
-          <p:nvPr/>
-        </p:nvPicPr>
-        <p:blipFill rotWithShape="1">
-          <a:blip r:embed="rId2">
-            <a:extLst>
-              <a:ext uri="{28A0092B-C50C-407E-A947-70E740481C1C}">
-                <a14:useLocalDpi xmlns:a14="http://schemas.microsoft.com/office/drawing/2010/main" val="0"/>
-              </a:ext>
-            </a:extLst>
-          </a:blip>
-          <a:srcRect t="23016"/>
-          <a:stretch/>
-        </p:blipFill>
-        <p:spPr>
-          <a:xfrm>
-            <a:off x="460693" y="1387395"/>
-            <a:ext cx="8222614" cy="2294136"/>
-          </a:xfrm>
-          <a:prstGeom prst="rect">
-            <a:avLst/>
-          </a:prstGeom>
-        </p:spPr>
-      </p:pic>
-    </p:spTree>
-    <p:extLst>
-      <p:ext uri="{BB962C8B-B14F-4D97-AF65-F5344CB8AC3E}">
-        <p14:creationId xmlns:p14="http://schemas.microsoft.com/office/powerpoint/2010/main" val="1042322293"/>
-      </p:ext>
-    </p:extLst>
-  </p:cSld>
-  <p:clrMapOvr>
-    <a:masterClrMapping/>
-  </p:clrMapOvr>
-</p:sld>
-</file>
-
-<file path=ppt/slides/slide23.xml><?xml version="1.0" encoding="utf-8"?>
-<p:sld xmlns:a="http://schemas.openxmlformats.org/drawingml/2006/main" xmlns:r="http://schemas.openxmlformats.org/officeDocument/2006/relationships" xmlns:p="http://schemas.openxmlformats.org/presentationml/2006/main">
-  <p:cSld>
-    <p:spTree>
-      <p:nvGrpSpPr>
-        <p:cNvPr id="1" name=""/>
-        <p:cNvGrpSpPr/>
-        <p:nvPr/>
-      </p:nvGrpSpPr>
-      <p:grpSpPr>
-        <a:xfrm>
-          <a:off x="0" y="0"/>
-          <a:ext cx="0" cy="0"/>
-          <a:chOff x="0" y="0"/>
-          <a:chExt cx="0" cy="0"/>
-        </a:xfrm>
-      </p:grpSpPr>
-      <p:sp>
-        <p:nvSpPr>
-          <p:cNvPr id="2" name="矩形 1">
-            <a:extLst>
-              <a:ext uri="{FF2B5EF4-FFF2-40B4-BE49-F238E27FC236}">
-                <a16:creationId xmlns:a16="http://schemas.microsoft.com/office/drawing/2014/main" xmlns="" id="{B7F6048C-C39D-474E-AA92-E99A272C20C5}"/>
-              </a:ext>
-            </a:extLst>
-          </p:cNvPr>
-          <p:cNvSpPr/>
-          <p:nvPr/>
-        </p:nvSpPr>
-        <p:spPr>
-          <a:xfrm>
-            <a:off x="388823" y="375240"/>
-            <a:ext cx="2348720" cy="400110"/>
-          </a:xfrm>
-          <a:prstGeom prst="rect">
-            <a:avLst/>
-          </a:prstGeom>
-        </p:spPr>
-        <p:txBody>
-          <a:bodyPr wrap="none">
-            <a:spAutoFit/>
-          </a:bodyPr>
-          <a:lstStyle/>
-          <a:p>
-            <a:pPr>
-              <a:spcAft>
-                <a:spcPts val="600"/>
-              </a:spcAft>
-            </a:pPr>
-            <a:r>
-              <a:rPr lang="zh-TW" altLang="en-US" sz="2000" b="1" kern="100" dirty="0">
-                <a:solidFill>
-                  <a:schemeClr val="accent1"/>
-                </a:solidFill>
-                <a:latin typeface="+mn-ea"/>
-                <a:cs typeface="Times New Roman" panose="02020603050405020304" pitchFamily="18" charset="0"/>
-              </a:rPr>
-              <a:t>任務安排</a:t>
-            </a:r>
-            <a:r>
-              <a:rPr lang="en-US" altLang="zh-TW" sz="2000" b="1" kern="100" dirty="0">
-                <a:solidFill>
-                  <a:schemeClr val="accent1"/>
-                </a:solidFill>
-                <a:latin typeface="+mn-ea"/>
-                <a:cs typeface="Times New Roman" panose="02020603050405020304" pitchFamily="18" charset="0"/>
-              </a:rPr>
-              <a:t>-</a:t>
-            </a:r>
-            <a:r>
-              <a:rPr lang="zh-TW" altLang="en-US" sz="2000" b="1" kern="100" dirty="0">
-                <a:solidFill>
-                  <a:schemeClr val="accent1"/>
-                </a:solidFill>
-                <a:latin typeface="+mn-ea"/>
-                <a:cs typeface="Times New Roman" panose="02020603050405020304" pitchFamily="18" charset="0"/>
-              </a:rPr>
-              <a:t>後端配置</a:t>
-            </a:r>
-            <a:endParaRPr lang="zh-CN" altLang="en-US" sz="2000" b="1" kern="100" dirty="0">
-              <a:solidFill>
-                <a:schemeClr val="accent1"/>
-              </a:solidFill>
-              <a:latin typeface="+mn-ea"/>
-              <a:cs typeface="Times New Roman" panose="02020603050405020304" pitchFamily="18" charset="0"/>
-            </a:endParaRPr>
-          </a:p>
-        </p:txBody>
-      </p:sp>
-      <p:sp>
-        <p:nvSpPr>
-          <p:cNvPr id="3" name="矩形 2">
-            <a:extLst>
-              <a:ext uri="{FF2B5EF4-FFF2-40B4-BE49-F238E27FC236}">
-                <a16:creationId xmlns:a16="http://schemas.microsoft.com/office/drawing/2014/main" xmlns="" id="{C912F6F4-EE30-438B-8C15-744A8F4E4422}"/>
-              </a:ext>
-            </a:extLst>
-          </p:cNvPr>
-          <p:cNvSpPr/>
-          <p:nvPr/>
-        </p:nvSpPr>
-        <p:spPr>
-          <a:xfrm>
-            <a:off x="388823" y="742818"/>
-            <a:ext cx="822661" cy="276999"/>
-          </a:xfrm>
-          <a:prstGeom prst="rect">
-            <a:avLst/>
-          </a:prstGeom>
-        </p:spPr>
-        <p:txBody>
-          <a:bodyPr wrap="none">
-            <a:spAutoFit/>
-          </a:bodyPr>
-          <a:lstStyle/>
-          <a:p>
-            <a:pPr>
-              <a:spcAft>
-                <a:spcPts val="600"/>
-              </a:spcAft>
-            </a:pPr>
-            <a:r>
-              <a:rPr lang="en-US" altLang="zh-CN" sz="1200" kern="100" dirty="0">
-                <a:solidFill>
-                  <a:schemeClr val="accent1"/>
-                </a:solidFill>
-                <a:latin typeface="+mj-lt"/>
-                <a:cs typeface="Times New Roman" panose="02020603050405020304" pitchFamily="18" charset="0"/>
-              </a:rPr>
-              <a:t>Schedule</a:t>
-            </a:r>
-            <a:endParaRPr lang="en-US" altLang="zh-CN" sz="1200" kern="100">
-              <a:solidFill>
-                <a:schemeClr val="accent1"/>
-              </a:solidFill>
-              <a:latin typeface="+mj-lt"/>
-              <a:cs typeface="Times New Roman" panose="02020603050405020304" pitchFamily="18" charset="0"/>
-            </a:endParaRPr>
-          </a:p>
-        </p:txBody>
-      </p:sp>
-      <p:pic>
-        <p:nvPicPr>
-          <p:cNvPr id="5" name="圖片 4">
-            <a:extLst>
-              <a:ext uri="{FF2B5EF4-FFF2-40B4-BE49-F238E27FC236}">
-                <a16:creationId xmlns:a16="http://schemas.microsoft.com/office/drawing/2014/main" xmlns="" id="{B850E52D-6281-4CE5-AD66-40A5662BD4CF}"/>
-              </a:ext>
-            </a:extLst>
-          </p:cNvPr>
-          <p:cNvPicPr>
-            <a:picLocks noChangeAspect="1"/>
-          </p:cNvPicPr>
-          <p:nvPr/>
-        </p:nvPicPr>
-        <p:blipFill>
-          <a:blip r:embed="rId2">
-            <a:extLst>
-              <a:ext uri="{28A0092B-C50C-407E-A947-70E740481C1C}">
-                <a14:useLocalDpi xmlns:a14="http://schemas.microsoft.com/office/drawing/2010/main" val="0"/>
-              </a:ext>
-            </a:extLst>
-          </a:blip>
-          <a:stretch>
-            <a:fillRect/>
-          </a:stretch>
-        </p:blipFill>
-        <p:spPr>
-          <a:xfrm>
-            <a:off x="434927" y="1423596"/>
-            <a:ext cx="8274146" cy="2296307"/>
-          </a:xfrm>
-          <a:prstGeom prst="rect">
-            <a:avLst/>
-          </a:prstGeom>
-        </p:spPr>
-      </p:pic>
-    </p:spTree>
-    <p:extLst>
-      <p:ext uri="{BB962C8B-B14F-4D97-AF65-F5344CB8AC3E}">
-        <p14:creationId xmlns:p14="http://schemas.microsoft.com/office/powerpoint/2010/main" val="838483595"/>
-      </p:ext>
-    </p:extLst>
-  </p:cSld>
-  <p:clrMapOvr>
-    <a:masterClrMapping/>
-  </p:clrMapOvr>
-</p:sld>
-</file>
-
-<file path=ppt/slides/slide24.xml><?xml version="1.0" encoding="utf-8"?>
 <p:sld xmlns:a="http://schemas.openxmlformats.org/drawingml/2006/main" xmlns:r="http://schemas.openxmlformats.org/officeDocument/2006/relationships" xmlns:p="http://schemas.openxmlformats.org/presentationml/2006/main">
   <p:cSld>
     <p:spTree>
@@ -11707,7 +13215,7 @@
         <p:spPr>
           <a:xfrm>
             <a:off x="388823" y="375240"/>
-            <a:ext cx="1210588" cy="400110"/>
+            <a:ext cx="1848583" cy="400110"/>
           </a:xfrm>
           <a:prstGeom prst="rect">
             <a:avLst/>
@@ -11732,7 +13240,27 @@
                 <a:latin typeface="+mn-ea"/>
                 <a:cs typeface="Times New Roman" panose="02020603050405020304" pitchFamily="18" charset="0"/>
               </a:rPr>
-              <a:t>時程安排</a:t>
+              <a:t>時程</a:t>
+            </a:r>
+            <a:r>
+              <a:rPr lang="zh-TW" altLang="en-US" sz="2000" b="1" kern="100" dirty="0" smtClean="0">
+                <a:solidFill>
+                  <a:schemeClr val="accent1"/>
+                </a:solidFill>
+                <a:latin typeface="+mn-ea"/>
+                <a:cs typeface="Times New Roman" panose="02020603050405020304" pitchFamily="18" charset="0"/>
+              </a:rPr>
+              <a:t>安排</a:t>
+            </a:r>
+            <a:r>
+              <a:rPr lang="en-US" altLang="zh-TW" sz="2000" b="1" kern="100" dirty="0" smtClean="0">
+                <a:solidFill>
+                  <a:schemeClr val="accent1"/>
+                </a:solidFill>
+                <a:latin typeface="+mn-ea"/>
+                <a:cs typeface="Times New Roman" panose="02020603050405020304" pitchFamily="18" charset="0"/>
+              </a:rPr>
+              <a:t>(2/4)</a:t>
             </a:r>
             <a:endParaRPr lang="zh-CN" altLang="en-US" sz="2000" b="1" kern="100" dirty="0">
               <a:solidFill>
@@ -11791,21 +13319,1410 @@
       </p:sp>
       <p:pic>
         <p:nvPicPr>
+          <p:cNvPr id="2" name="圖片 1"/>
+          <p:cNvPicPr>
+            <a:picLocks noChangeAspect="1"/>
+          </p:cNvPicPr>
+          <p:nvPr/>
+        </p:nvPicPr>
+        <p:blipFill>
+          <a:blip r:embed="rId2"/>
+          <a:stretch>
+            <a:fillRect/>
+          </a:stretch>
+        </p:blipFill>
+        <p:spPr>
+          <a:xfrm>
+            <a:off x="388823" y="1142928"/>
+            <a:ext cx="3495675" cy="3237692"/>
+          </a:xfrm>
+          <a:prstGeom prst="rect">
+            <a:avLst/>
+          </a:prstGeom>
+        </p:spPr>
+      </p:pic>
+      <p:pic>
+        <p:nvPicPr>
+          <p:cNvPr id="7" name="圖片 6"/>
+          <p:cNvPicPr>
+            <a:picLocks noChangeAspect="1"/>
+          </p:cNvPicPr>
+          <p:nvPr/>
+        </p:nvPicPr>
+        <p:blipFill>
+          <a:blip r:embed="rId3"/>
+          <a:stretch>
+            <a:fillRect/>
+          </a:stretch>
+        </p:blipFill>
+        <p:spPr>
+          <a:xfrm>
+            <a:off x="4003252" y="1142928"/>
+            <a:ext cx="4260519" cy="3195389"/>
+          </a:xfrm>
+          <a:prstGeom prst="rect">
+            <a:avLst/>
+          </a:prstGeom>
+        </p:spPr>
+      </p:pic>
+      <p:pic>
+        <p:nvPicPr>
           <p:cNvPr id="5" name="圖片 4"/>
           <p:cNvPicPr>
             <a:picLocks noChangeAspect="1"/>
           </p:cNvPicPr>
           <p:nvPr/>
         </p:nvPicPr>
-        <p:blipFill rotWithShape="1">
-          <a:blip r:embed="rId2"/>
-          <a:srcRect l="28595"/>
-          <a:stretch/>
+        <p:blipFill>
+          <a:blip r:embed="rId4"/>
+          <a:stretch>
+            <a:fillRect/>
+          </a:stretch>
         </p:blipFill>
         <p:spPr>
           <a:xfrm>
-            <a:off x="1428750" y="2770871"/>
-            <a:ext cx="6481616" cy="1994434"/>
+            <a:off x="4924330" y="2641742"/>
+            <a:ext cx="3220687" cy="1489016"/>
+          </a:xfrm>
+          <a:prstGeom prst="rect">
+            <a:avLst/>
+          </a:prstGeom>
+        </p:spPr>
+      </p:pic>
+      <p:sp>
+        <p:nvSpPr>
+          <p:cNvPr id="9" name="矩形 8"/>
+          <p:cNvSpPr/>
+          <p:nvPr/>
+        </p:nvSpPr>
+        <p:spPr>
+          <a:xfrm>
+            <a:off x="1045029" y="1142928"/>
+            <a:ext cx="261257" cy="246485"/>
+          </a:xfrm>
+          <a:prstGeom prst="rect">
+            <a:avLst/>
+          </a:prstGeom>
+          <a:noFill/>
+          <a:ln w="38100">
+            <a:solidFill>
+              <a:srgbClr val="FF0000"/>
+            </a:solidFill>
+          </a:ln>
+        </p:spPr>
+        <p:style>
+          <a:lnRef idx="2">
+            <a:schemeClr val="accent6"/>
+          </a:lnRef>
+          <a:fillRef idx="1">
+            <a:schemeClr val="lt1"/>
+          </a:fillRef>
+          <a:effectRef idx="0">
+            <a:schemeClr val="accent6"/>
+          </a:effectRef>
+          <a:fontRef idx="minor">
+            <a:schemeClr val="dk1"/>
+          </a:fontRef>
+        </p:style>
+        <p:txBody>
+          <a:bodyPr rtlCol="0" anchor="ctr"/>
+          <a:lstStyle/>
+          <a:p>
+            <a:pPr algn="ctr"/>
+            <a:endParaRPr lang="zh-TW" altLang="en-US">
+              <a:ln>
+                <a:solidFill>
+                  <a:srgbClr val="FF0000"/>
+                </a:solidFill>
+              </a:ln>
+            </a:endParaRPr>
+          </a:p>
+        </p:txBody>
+      </p:sp>
+      <p:cxnSp>
+        <p:nvCxnSpPr>
+          <p:cNvPr id="11" name="直線單箭頭接點 10"/>
+          <p:cNvCxnSpPr>
+            <a:stCxn id="9" idx="2"/>
+          </p:cNvCxnSpPr>
+          <p:nvPr/>
+        </p:nvCxnSpPr>
+        <p:spPr>
+          <a:xfrm flipH="1">
+            <a:off x="997527" y="1389413"/>
+            <a:ext cx="178131" cy="1068779"/>
+          </a:xfrm>
+          <a:prstGeom prst="straightConnector1">
+            <a:avLst/>
+          </a:prstGeom>
+          <a:ln w="38100">
+            <a:solidFill>
+              <a:srgbClr val="FF0000"/>
+            </a:solidFill>
+            <a:tailEnd type="triangle"/>
+          </a:ln>
+        </p:spPr>
+        <p:style>
+          <a:lnRef idx="1">
+            <a:schemeClr val="accent1"/>
+          </a:lnRef>
+          <a:fillRef idx="0">
+            <a:schemeClr val="accent1"/>
+          </a:fillRef>
+          <a:effectRef idx="0">
+            <a:schemeClr val="accent1"/>
+          </a:effectRef>
+          <a:fontRef idx="minor">
+            <a:schemeClr val="tx1"/>
+          </a:fontRef>
+        </p:style>
+      </p:cxnSp>
+      <p:sp>
+        <p:nvSpPr>
+          <p:cNvPr id="12" name="文字方塊 11"/>
+          <p:cNvSpPr txBox="1"/>
+          <p:nvPr/>
+        </p:nvSpPr>
+        <p:spPr>
+          <a:xfrm>
+            <a:off x="1265456" y="850480"/>
+            <a:ext cx="1235134" cy="307777"/>
+          </a:xfrm>
+          <a:prstGeom prst="rect">
+            <a:avLst/>
+          </a:prstGeom>
+          <a:noFill/>
+        </p:spPr>
+        <p:txBody>
+          <a:bodyPr wrap="square" rtlCol="0">
+            <a:spAutoFit/>
+          </a:bodyPr>
+          <a:lstStyle/>
+          <a:p>
+            <a:r>
+              <a:rPr lang="zh-TW" altLang="en-US" sz="1400" dirty="0" smtClean="0">
+                <a:solidFill>
+                  <a:srgbClr val="FF0000"/>
+                </a:solidFill>
+              </a:rPr>
+              <a:t>新</a:t>
+            </a:r>
+            <a:r>
+              <a:rPr lang="zh-TW" altLang="en-US" sz="1400" dirty="0">
+                <a:solidFill>
+                  <a:srgbClr val="FF0000"/>
+                </a:solidFill>
+              </a:rPr>
+              <a:t>增</a:t>
+            </a:r>
+            <a:r>
+              <a:rPr lang="zh-TW" altLang="en-US" sz="1400" dirty="0" smtClean="0">
+                <a:solidFill>
+                  <a:srgbClr val="FF0000"/>
+                </a:solidFill>
+              </a:rPr>
+              <a:t>任</a:t>
+            </a:r>
+            <a:r>
+              <a:rPr lang="zh-TW" altLang="en-US" sz="1400" dirty="0">
+                <a:solidFill>
+                  <a:srgbClr val="FF0000"/>
+                </a:solidFill>
+              </a:rPr>
+              <a:t>務</a:t>
+            </a:r>
+          </a:p>
+        </p:txBody>
+      </p:sp>
+      <p:sp>
+        <p:nvSpPr>
+          <p:cNvPr id="13" name="矩形 12"/>
+          <p:cNvSpPr/>
+          <p:nvPr/>
+        </p:nvSpPr>
+        <p:spPr>
+          <a:xfrm>
+            <a:off x="4738255" y="1769423"/>
+            <a:ext cx="1591293" cy="237507"/>
+          </a:xfrm>
+          <a:prstGeom prst="rect">
+            <a:avLst/>
+          </a:prstGeom>
+          <a:noFill/>
+          <a:ln w="38100">
+            <a:solidFill>
+              <a:srgbClr val="FF0000"/>
+            </a:solidFill>
+          </a:ln>
+        </p:spPr>
+        <p:style>
+          <a:lnRef idx="2">
+            <a:schemeClr val="accent1">
+              <a:shade val="50000"/>
+            </a:schemeClr>
+          </a:lnRef>
+          <a:fillRef idx="1">
+            <a:schemeClr val="accent1"/>
+          </a:fillRef>
+          <a:effectRef idx="0">
+            <a:schemeClr val="accent1"/>
+          </a:effectRef>
+          <a:fontRef idx="minor">
+            <a:schemeClr val="lt1"/>
+          </a:fontRef>
+        </p:style>
+        <p:txBody>
+          <a:bodyPr rtlCol="0" anchor="ctr"/>
+          <a:lstStyle/>
+          <a:p>
+            <a:pPr algn="ctr"/>
+            <a:endParaRPr lang="zh-TW" altLang="en-US"/>
+          </a:p>
+        </p:txBody>
+      </p:sp>
+      <p:cxnSp>
+        <p:nvCxnSpPr>
+          <p:cNvPr id="15" name="直線單箭頭接點 14"/>
+          <p:cNvCxnSpPr/>
+          <p:nvPr/>
+        </p:nvCxnSpPr>
+        <p:spPr>
+          <a:xfrm>
+            <a:off x="6044540" y="2006930"/>
+            <a:ext cx="285008" cy="634812"/>
+          </a:xfrm>
+          <a:prstGeom prst="straightConnector1">
+            <a:avLst/>
+          </a:prstGeom>
+          <a:ln w="38100">
+            <a:solidFill>
+              <a:srgbClr val="FF0000"/>
+            </a:solidFill>
+            <a:tailEnd type="triangle"/>
+          </a:ln>
+        </p:spPr>
+        <p:style>
+          <a:lnRef idx="1">
+            <a:schemeClr val="accent1"/>
+          </a:lnRef>
+          <a:fillRef idx="0">
+            <a:schemeClr val="accent1"/>
+          </a:fillRef>
+          <a:effectRef idx="0">
+            <a:schemeClr val="accent1"/>
+          </a:effectRef>
+          <a:fontRef idx="minor">
+            <a:schemeClr val="tx1"/>
+          </a:fontRef>
+        </p:style>
+      </p:cxnSp>
+      <p:sp>
+        <p:nvSpPr>
+          <p:cNvPr id="16" name="文字方塊 15"/>
+          <p:cNvSpPr txBox="1"/>
+          <p:nvPr/>
+        </p:nvSpPr>
+        <p:spPr>
+          <a:xfrm>
+            <a:off x="5836627" y="850479"/>
+            <a:ext cx="2011507" cy="307777"/>
+          </a:xfrm>
+          <a:prstGeom prst="rect">
+            <a:avLst/>
+          </a:prstGeom>
+          <a:noFill/>
+        </p:spPr>
+        <p:txBody>
+          <a:bodyPr wrap="square" rtlCol="0">
+            <a:spAutoFit/>
+          </a:bodyPr>
+          <a:lstStyle/>
+          <a:p>
+            <a:r>
+              <a:rPr lang="zh-TW" altLang="en-US" sz="1400" dirty="0" smtClean="0">
+                <a:solidFill>
+                  <a:srgbClr val="FF0000"/>
+                </a:solidFill>
+              </a:rPr>
+              <a:t>新增欄位加入負責人</a:t>
+            </a:r>
+            <a:endParaRPr lang="zh-TW" altLang="en-US" sz="1400" dirty="0">
+              <a:solidFill>
+                <a:srgbClr val="FF0000"/>
+              </a:solidFill>
+            </a:endParaRPr>
+          </a:p>
+        </p:txBody>
+      </p:sp>
+      <p:sp>
+        <p:nvSpPr>
+          <p:cNvPr id="18" name="矩形 17"/>
+          <p:cNvSpPr/>
+          <p:nvPr/>
+        </p:nvSpPr>
+        <p:spPr>
+          <a:xfrm>
+            <a:off x="7232073" y="1662545"/>
+            <a:ext cx="1031698" cy="225631"/>
+          </a:xfrm>
+          <a:prstGeom prst="rect">
+            <a:avLst/>
+          </a:prstGeom>
+          <a:noFill/>
+          <a:ln w="38100">
+            <a:solidFill>
+              <a:srgbClr val="FF0000"/>
+            </a:solidFill>
+          </a:ln>
+        </p:spPr>
+        <p:style>
+          <a:lnRef idx="2">
+            <a:schemeClr val="accent1">
+              <a:shade val="50000"/>
+            </a:schemeClr>
+          </a:lnRef>
+          <a:fillRef idx="1">
+            <a:schemeClr val="accent1"/>
+          </a:fillRef>
+          <a:effectRef idx="0">
+            <a:schemeClr val="accent1"/>
+          </a:effectRef>
+          <a:fontRef idx="minor">
+            <a:schemeClr val="lt1"/>
+          </a:fontRef>
+        </p:style>
+        <p:txBody>
+          <a:bodyPr rtlCol="0" anchor="ctr"/>
+          <a:lstStyle/>
+          <a:p>
+            <a:pPr algn="ctr"/>
+            <a:endParaRPr lang="zh-TW" altLang="en-US"/>
+          </a:p>
+        </p:txBody>
+      </p:sp>
+      <p:sp>
+        <p:nvSpPr>
+          <p:cNvPr id="19" name="矩形 18"/>
+          <p:cNvSpPr/>
+          <p:nvPr/>
+        </p:nvSpPr>
+        <p:spPr>
+          <a:xfrm>
+            <a:off x="4924330" y="3645725"/>
+            <a:ext cx="300813" cy="154379"/>
+          </a:xfrm>
+          <a:prstGeom prst="rect">
+            <a:avLst/>
+          </a:prstGeom>
+          <a:noFill/>
+          <a:ln w="38100">
+            <a:solidFill>
+              <a:srgbClr val="FF0000"/>
+            </a:solidFill>
+          </a:ln>
+        </p:spPr>
+        <p:style>
+          <a:lnRef idx="2">
+            <a:schemeClr val="accent1">
+              <a:shade val="50000"/>
+            </a:schemeClr>
+          </a:lnRef>
+          <a:fillRef idx="1">
+            <a:schemeClr val="accent1"/>
+          </a:fillRef>
+          <a:effectRef idx="0">
+            <a:schemeClr val="accent1"/>
+          </a:effectRef>
+          <a:fontRef idx="minor">
+            <a:schemeClr val="lt1"/>
+          </a:fontRef>
+        </p:style>
+        <p:txBody>
+          <a:bodyPr rtlCol="0" anchor="ctr"/>
+          <a:lstStyle/>
+          <a:p>
+            <a:pPr algn="ctr"/>
+            <a:endParaRPr lang="zh-TW" altLang="en-US"/>
+          </a:p>
+        </p:txBody>
+      </p:sp>
+      <p:cxnSp>
+        <p:nvCxnSpPr>
+          <p:cNvPr id="21" name="直線單箭頭接點 20"/>
+          <p:cNvCxnSpPr>
+            <a:stCxn id="19" idx="3"/>
+            <a:endCxn id="18" idx="2"/>
+          </p:cNvCxnSpPr>
+          <p:nvPr/>
+        </p:nvCxnSpPr>
+        <p:spPr>
+          <a:xfrm flipV="1">
+            <a:off x="5225143" y="1888176"/>
+            <a:ext cx="2522779" cy="1834739"/>
+          </a:xfrm>
+          <a:prstGeom prst="straightConnector1">
+            <a:avLst/>
+          </a:prstGeom>
+          <a:ln w="38100">
+            <a:solidFill>
+              <a:srgbClr val="FF0000"/>
+            </a:solidFill>
+            <a:tailEnd type="triangle"/>
+          </a:ln>
+        </p:spPr>
+        <p:style>
+          <a:lnRef idx="1">
+            <a:schemeClr val="accent1"/>
+          </a:lnRef>
+          <a:fillRef idx="0">
+            <a:schemeClr val="accent1"/>
+          </a:fillRef>
+          <a:effectRef idx="0">
+            <a:schemeClr val="accent1"/>
+          </a:effectRef>
+          <a:fontRef idx="minor">
+            <a:schemeClr val="tx1"/>
+          </a:fontRef>
+        </p:style>
+      </p:cxnSp>
+    </p:spTree>
+    <p:extLst>
+      <p:ext uri="{BB962C8B-B14F-4D97-AF65-F5344CB8AC3E}">
+        <p14:creationId xmlns:p14="http://schemas.microsoft.com/office/powerpoint/2010/main" val="3584620411"/>
+      </p:ext>
+    </p:extLst>
+  </p:cSld>
+  <p:clrMapOvr>
+    <a:masterClrMapping/>
+  </p:clrMapOvr>
+  <p:timing>
+    <p:tnLst>
+      <p:par>
+        <p:cTn id="1" dur="indefinite" restart="never" nodeType="tmRoot"/>
+      </p:par>
+    </p:tnLst>
+  </p:timing>
+</p:sld>
+</file>
+
+<file path=ppt/slides/slide23.xml><?xml version="1.0" encoding="utf-8"?>
+<p:sld xmlns:a="http://schemas.openxmlformats.org/drawingml/2006/main" xmlns:r="http://schemas.openxmlformats.org/officeDocument/2006/relationships" xmlns:p="http://schemas.openxmlformats.org/presentationml/2006/main">
+  <p:cSld>
+    <p:spTree>
+      <p:nvGrpSpPr>
+        <p:cNvPr id="1" name=""/>
+        <p:cNvGrpSpPr/>
+        <p:nvPr/>
+      </p:nvGrpSpPr>
+      <p:grpSpPr>
+        <a:xfrm>
+          <a:off x="0" y="0"/>
+          <a:ext cx="0" cy="0"/>
+          <a:chOff x="0" y="0"/>
+          <a:chExt cx="0" cy="0"/>
+        </a:xfrm>
+      </p:grpSpPr>
+      <p:sp>
+        <p:nvSpPr>
+          <p:cNvPr id="3" name="矩形 2">
+            <a:extLst>
+              <a:ext uri="{FF2B5EF4-FFF2-40B4-BE49-F238E27FC236}">
+                <a16:creationId xmlns:a16="http://schemas.microsoft.com/office/drawing/2014/main" xmlns="" id="{B1EF227F-F971-46C4-8C83-D820A502B67B}"/>
+              </a:ext>
+            </a:extLst>
+          </p:cNvPr>
+          <p:cNvSpPr/>
+          <p:nvPr/>
+        </p:nvSpPr>
+        <p:spPr>
+          <a:xfrm>
+            <a:off x="388823" y="375240"/>
+            <a:ext cx="1848583" cy="400110"/>
+          </a:xfrm>
+          <a:prstGeom prst="rect">
+            <a:avLst/>
+          </a:prstGeom>
+        </p:spPr>
+        <p:txBody>
+          <a:bodyPr wrap="none">
+            <a:spAutoFit/>
+          </a:bodyPr>
+          <a:lstStyle/>
+          <a:p>
+            <a:pPr>
+              <a:spcAft>
+                <a:spcPts val="0"/>
+              </a:spcAft>
+            </a:pPr>
+            <a:r>
+              <a:rPr lang="zh-TW" altLang="en-US" sz="2000" b="1" kern="100" dirty="0">
+                <a:solidFill>
+                  <a:schemeClr val="accent1"/>
+                </a:solidFill>
+                <a:latin typeface="+mn-ea"/>
+                <a:cs typeface="Times New Roman" panose="02020603050405020304" pitchFamily="18" charset="0"/>
+              </a:rPr>
+              <a:t>時程</a:t>
+            </a:r>
+            <a:r>
+              <a:rPr lang="zh-TW" altLang="en-US" sz="2000" b="1" kern="100" dirty="0" smtClean="0">
+                <a:solidFill>
+                  <a:schemeClr val="accent1"/>
+                </a:solidFill>
+                <a:latin typeface="+mn-ea"/>
+                <a:cs typeface="Times New Roman" panose="02020603050405020304" pitchFamily="18" charset="0"/>
+              </a:rPr>
+              <a:t>安排</a:t>
+            </a:r>
+            <a:r>
+              <a:rPr lang="en-US" altLang="zh-TW" sz="2000" b="1" kern="100" dirty="0" smtClean="0">
+                <a:solidFill>
+                  <a:schemeClr val="accent1"/>
+                </a:solidFill>
+                <a:latin typeface="+mn-ea"/>
+                <a:cs typeface="Times New Roman" panose="02020603050405020304" pitchFamily="18" charset="0"/>
+              </a:rPr>
+              <a:t>(3/4)</a:t>
+            </a:r>
+            <a:endParaRPr lang="zh-CN" altLang="en-US" sz="2000" b="1" kern="100" dirty="0">
+              <a:solidFill>
+                <a:schemeClr val="accent1"/>
+              </a:solidFill>
+              <a:latin typeface="+mn-ea"/>
+              <a:cs typeface="Times New Roman" panose="02020603050405020304" pitchFamily="18" charset="0"/>
+            </a:endParaRPr>
+          </a:p>
+        </p:txBody>
+      </p:sp>
+      <p:sp>
+        <p:nvSpPr>
+          <p:cNvPr id="4" name="矩形 3">
+            <a:extLst>
+              <a:ext uri="{FF2B5EF4-FFF2-40B4-BE49-F238E27FC236}">
+                <a16:creationId xmlns:a16="http://schemas.microsoft.com/office/drawing/2014/main" xmlns="" id="{9E909954-10C8-4280-953E-B54B27A00653}"/>
+              </a:ext>
+            </a:extLst>
+          </p:cNvPr>
+          <p:cNvSpPr/>
+          <p:nvPr/>
+        </p:nvSpPr>
+        <p:spPr>
+          <a:xfrm>
+            <a:off x="388823" y="742818"/>
+            <a:ext cx="822661" cy="276999"/>
+          </a:xfrm>
+          <a:prstGeom prst="rect">
+            <a:avLst/>
+          </a:prstGeom>
+        </p:spPr>
+        <p:txBody>
+          <a:bodyPr wrap="none">
+            <a:spAutoFit/>
+          </a:bodyPr>
+          <a:lstStyle/>
+          <a:p>
+            <a:pPr>
+              <a:spcAft>
+                <a:spcPts val="0"/>
+              </a:spcAft>
+            </a:pPr>
+            <a:r>
+              <a:rPr lang="en-US" altLang="zh-CN" sz="1200" kern="100">
+                <a:solidFill>
+                  <a:schemeClr val="accent1"/>
+                </a:solidFill>
+                <a:latin typeface="+mj-lt"/>
+                <a:cs typeface="Times New Roman" panose="02020603050405020304" pitchFamily="18" charset="0"/>
+              </a:rPr>
+              <a:t>Schedule</a:t>
+            </a:r>
+          </a:p>
+        </p:txBody>
+      </p:sp>
+      <p:pic>
+        <p:nvPicPr>
+          <p:cNvPr id="6" name="圖片 5"/>
+          <p:cNvPicPr>
+            <a:picLocks noChangeAspect="1"/>
+          </p:cNvPicPr>
+          <p:nvPr/>
+        </p:nvPicPr>
+        <p:blipFill>
+          <a:blip r:embed="rId2"/>
+          <a:stretch>
+            <a:fillRect/>
+          </a:stretch>
+        </p:blipFill>
+        <p:spPr>
+          <a:xfrm>
+            <a:off x="388823" y="1142928"/>
+            <a:ext cx="3880509" cy="3448554"/>
+          </a:xfrm>
+          <a:prstGeom prst="rect">
+            <a:avLst/>
+          </a:prstGeom>
+        </p:spPr>
+      </p:pic>
+      <p:pic>
+        <p:nvPicPr>
+          <p:cNvPr id="8" name="圖片 7"/>
+          <p:cNvPicPr>
+            <a:picLocks noChangeAspect="1"/>
+          </p:cNvPicPr>
+          <p:nvPr/>
+        </p:nvPicPr>
+        <p:blipFill>
+          <a:blip r:embed="rId3"/>
+          <a:stretch>
+            <a:fillRect/>
+          </a:stretch>
+        </p:blipFill>
+        <p:spPr>
+          <a:xfrm>
+            <a:off x="3799069" y="1425039"/>
+            <a:ext cx="4792419" cy="2873167"/>
+          </a:xfrm>
+          <a:prstGeom prst="rect">
+            <a:avLst/>
+          </a:prstGeom>
+        </p:spPr>
+      </p:pic>
+      <p:pic>
+        <p:nvPicPr>
+          <p:cNvPr id="9" name="圖片 8"/>
+          <p:cNvPicPr>
+            <a:picLocks noChangeAspect="1"/>
+          </p:cNvPicPr>
+          <p:nvPr/>
+        </p:nvPicPr>
+        <p:blipFill>
+          <a:blip r:embed="rId4"/>
+          <a:stretch>
+            <a:fillRect/>
+          </a:stretch>
+        </p:blipFill>
+        <p:spPr>
+          <a:xfrm>
+            <a:off x="5106434" y="757165"/>
+            <a:ext cx="1323975" cy="771525"/>
+          </a:xfrm>
+          <a:prstGeom prst="rect">
+            <a:avLst/>
+          </a:prstGeom>
+        </p:spPr>
+      </p:pic>
+      <p:sp>
+        <p:nvSpPr>
+          <p:cNvPr id="10" name="矩形 9"/>
+          <p:cNvSpPr/>
+          <p:nvPr/>
+        </p:nvSpPr>
+        <p:spPr>
+          <a:xfrm>
+            <a:off x="4269332" y="2113808"/>
+            <a:ext cx="352398" cy="154379"/>
+          </a:xfrm>
+          <a:prstGeom prst="rect">
+            <a:avLst/>
+          </a:prstGeom>
+          <a:noFill/>
+          <a:ln w="38100">
+            <a:solidFill>
+              <a:srgbClr val="FF0000"/>
+            </a:solidFill>
+          </a:ln>
+        </p:spPr>
+        <p:style>
+          <a:lnRef idx="2">
+            <a:schemeClr val="accent1">
+              <a:shade val="50000"/>
+            </a:schemeClr>
+          </a:lnRef>
+          <a:fillRef idx="1">
+            <a:schemeClr val="accent1"/>
+          </a:fillRef>
+          <a:effectRef idx="0">
+            <a:schemeClr val="accent1"/>
+          </a:effectRef>
+          <a:fontRef idx="minor">
+            <a:schemeClr val="lt1"/>
+          </a:fontRef>
+        </p:style>
+        <p:txBody>
+          <a:bodyPr rtlCol="0" anchor="ctr"/>
+          <a:lstStyle/>
+          <a:p>
+            <a:pPr algn="ctr"/>
+            <a:endParaRPr lang="zh-TW" altLang="en-US"/>
+          </a:p>
+        </p:txBody>
+      </p:sp>
+      <p:cxnSp>
+        <p:nvCxnSpPr>
+          <p:cNvPr id="12" name="直線單箭頭接點 11"/>
+          <p:cNvCxnSpPr>
+            <a:stCxn id="10" idx="0"/>
+            <a:endCxn id="9" idx="2"/>
+          </p:cNvCxnSpPr>
+          <p:nvPr/>
+        </p:nvCxnSpPr>
+        <p:spPr>
+          <a:xfrm flipV="1">
+            <a:off x="4445531" y="1528690"/>
+            <a:ext cx="1322891" cy="585118"/>
+          </a:xfrm>
+          <a:prstGeom prst="straightConnector1">
+            <a:avLst/>
+          </a:prstGeom>
+          <a:ln>
+            <a:solidFill>
+              <a:srgbClr val="FF0000"/>
+            </a:solidFill>
+            <a:tailEnd type="triangle"/>
+          </a:ln>
+        </p:spPr>
+        <p:style>
+          <a:lnRef idx="1">
+            <a:schemeClr val="accent1"/>
+          </a:lnRef>
+          <a:fillRef idx="0">
+            <a:schemeClr val="accent1"/>
+          </a:fillRef>
+          <a:effectRef idx="0">
+            <a:schemeClr val="accent1"/>
+          </a:effectRef>
+          <a:fontRef idx="minor">
+            <a:schemeClr val="tx1"/>
+          </a:fontRef>
+        </p:style>
+      </p:cxnSp>
+      <p:sp>
+        <p:nvSpPr>
+          <p:cNvPr id="13" name="矩形 12"/>
+          <p:cNvSpPr/>
+          <p:nvPr/>
+        </p:nvSpPr>
+        <p:spPr>
+          <a:xfrm>
+            <a:off x="4269332" y="2268187"/>
+            <a:ext cx="1499089" cy="368135"/>
+          </a:xfrm>
+          <a:prstGeom prst="rect">
+            <a:avLst/>
+          </a:prstGeom>
+          <a:noFill/>
+          <a:ln w="28575">
+            <a:solidFill>
+              <a:srgbClr val="FF0000"/>
+            </a:solidFill>
+          </a:ln>
+        </p:spPr>
+        <p:style>
+          <a:lnRef idx="2">
+            <a:schemeClr val="accent1">
+              <a:shade val="50000"/>
+            </a:schemeClr>
+          </a:lnRef>
+          <a:fillRef idx="1">
+            <a:schemeClr val="accent1"/>
+          </a:fillRef>
+          <a:effectRef idx="0">
+            <a:schemeClr val="accent1"/>
+          </a:effectRef>
+          <a:fontRef idx="minor">
+            <a:schemeClr val="lt1"/>
+          </a:fontRef>
+        </p:style>
+        <p:txBody>
+          <a:bodyPr rtlCol="0" anchor="ctr"/>
+          <a:lstStyle/>
+          <a:p>
+            <a:pPr algn="ctr"/>
+            <a:endParaRPr lang="zh-TW" altLang="en-US"/>
+          </a:p>
+        </p:txBody>
+      </p:sp>
+      <p:sp>
+        <p:nvSpPr>
+          <p:cNvPr id="15" name="文字方塊 14"/>
+          <p:cNvSpPr txBox="1"/>
+          <p:nvPr/>
+        </p:nvSpPr>
+        <p:spPr>
+          <a:xfrm>
+            <a:off x="3245071" y="667275"/>
+            <a:ext cx="1107996" cy="369332"/>
+          </a:xfrm>
+          <a:prstGeom prst="rect">
+            <a:avLst/>
+          </a:prstGeom>
+          <a:noFill/>
+        </p:spPr>
+        <p:txBody>
+          <a:bodyPr wrap="none" rtlCol="0">
+            <a:spAutoFit/>
+          </a:bodyPr>
+          <a:lstStyle/>
+          <a:p>
+            <a:r>
+              <a:rPr lang="zh-TW" altLang="en-US" dirty="0" smtClean="0">
+                <a:solidFill>
+                  <a:srgbClr val="FF0000"/>
+                </a:solidFill>
+              </a:rPr>
+              <a:t>任務設定</a:t>
+            </a:r>
+            <a:endParaRPr lang="zh-TW" altLang="en-US" dirty="0">
+              <a:solidFill>
+                <a:srgbClr val="FF0000"/>
+              </a:solidFill>
+            </a:endParaRPr>
+          </a:p>
+        </p:txBody>
+      </p:sp>
+      <p:sp>
+        <p:nvSpPr>
+          <p:cNvPr id="16" name="文字方塊 15"/>
+          <p:cNvSpPr txBox="1"/>
+          <p:nvPr/>
+        </p:nvSpPr>
+        <p:spPr>
+          <a:xfrm>
+            <a:off x="4768416" y="1917122"/>
+            <a:ext cx="1107996" cy="369332"/>
+          </a:xfrm>
+          <a:prstGeom prst="rect">
+            <a:avLst/>
+          </a:prstGeom>
+          <a:noFill/>
+        </p:spPr>
+        <p:txBody>
+          <a:bodyPr wrap="none" rtlCol="0">
+            <a:spAutoFit/>
+          </a:bodyPr>
+          <a:lstStyle/>
+          <a:p>
+            <a:r>
+              <a:rPr lang="zh-TW" altLang="en-US" dirty="0" smtClean="0">
+                <a:solidFill>
+                  <a:srgbClr val="FF0000"/>
+                </a:solidFill>
+              </a:rPr>
+              <a:t>時程設定</a:t>
+            </a:r>
+            <a:endParaRPr lang="zh-TW" altLang="en-US" dirty="0">
+              <a:solidFill>
+                <a:srgbClr val="FF0000"/>
+              </a:solidFill>
+            </a:endParaRPr>
+          </a:p>
+        </p:txBody>
+      </p:sp>
+      <p:sp>
+        <p:nvSpPr>
+          <p:cNvPr id="17" name="矩形 16"/>
+          <p:cNvSpPr/>
+          <p:nvPr/>
+        </p:nvSpPr>
+        <p:spPr>
+          <a:xfrm>
+            <a:off x="5479265" y="3182587"/>
+            <a:ext cx="289156" cy="225631"/>
+          </a:xfrm>
+          <a:prstGeom prst="rect">
+            <a:avLst/>
+          </a:prstGeom>
+          <a:noFill/>
+          <a:ln w="38100">
+            <a:solidFill>
+              <a:srgbClr val="FF0000"/>
+            </a:solidFill>
+          </a:ln>
+        </p:spPr>
+        <p:style>
+          <a:lnRef idx="2">
+            <a:schemeClr val="accent1">
+              <a:shade val="50000"/>
+            </a:schemeClr>
+          </a:lnRef>
+          <a:fillRef idx="1">
+            <a:schemeClr val="accent1"/>
+          </a:fillRef>
+          <a:effectRef idx="0">
+            <a:schemeClr val="accent1"/>
+          </a:effectRef>
+          <a:fontRef idx="minor">
+            <a:schemeClr val="lt1"/>
+          </a:fontRef>
+        </p:style>
+        <p:txBody>
+          <a:bodyPr rtlCol="0" anchor="ctr"/>
+          <a:lstStyle/>
+          <a:p>
+            <a:pPr algn="ctr"/>
+            <a:endParaRPr lang="zh-TW" altLang="en-US"/>
+          </a:p>
+        </p:txBody>
+      </p:sp>
+      <p:sp>
+        <p:nvSpPr>
+          <p:cNvPr id="18" name="文字方塊 17"/>
+          <p:cNvSpPr txBox="1"/>
+          <p:nvPr/>
+        </p:nvSpPr>
+        <p:spPr>
+          <a:xfrm>
+            <a:off x="4752154" y="3119530"/>
+            <a:ext cx="646331" cy="369332"/>
+          </a:xfrm>
+          <a:prstGeom prst="rect">
+            <a:avLst/>
+          </a:prstGeom>
+          <a:noFill/>
+        </p:spPr>
+        <p:txBody>
+          <a:bodyPr wrap="none" rtlCol="0">
+            <a:spAutoFit/>
+          </a:bodyPr>
+          <a:lstStyle/>
+          <a:p>
+            <a:r>
+              <a:rPr lang="zh-TW" altLang="en-US" dirty="0" smtClean="0">
+                <a:solidFill>
+                  <a:srgbClr val="FF0000"/>
+                </a:solidFill>
+              </a:rPr>
+              <a:t>進度</a:t>
+            </a:r>
+            <a:endParaRPr lang="zh-TW" altLang="en-US" dirty="0">
+              <a:solidFill>
+                <a:srgbClr val="FF0000"/>
+              </a:solidFill>
+            </a:endParaRPr>
+          </a:p>
+        </p:txBody>
+      </p:sp>
+      <p:pic>
+        <p:nvPicPr>
+          <p:cNvPr id="19" name="圖片 18"/>
+          <p:cNvPicPr>
+            <a:picLocks noChangeAspect="1"/>
+          </p:cNvPicPr>
+          <p:nvPr/>
+        </p:nvPicPr>
+        <p:blipFill>
+          <a:blip r:embed="rId5"/>
+          <a:stretch>
+            <a:fillRect/>
+          </a:stretch>
+        </p:blipFill>
+        <p:spPr>
+          <a:xfrm>
+            <a:off x="3799069" y="4389985"/>
+            <a:ext cx="4431285" cy="232090"/>
+          </a:xfrm>
+          <a:prstGeom prst="rect">
+            <a:avLst/>
+          </a:prstGeom>
+        </p:spPr>
+      </p:pic>
+      <p:sp>
+        <p:nvSpPr>
+          <p:cNvPr id="20" name="矩形 19"/>
+          <p:cNvSpPr/>
+          <p:nvPr/>
+        </p:nvSpPr>
+        <p:spPr>
+          <a:xfrm>
+            <a:off x="4768416" y="1582872"/>
+            <a:ext cx="444852" cy="139050"/>
+          </a:xfrm>
+          <a:prstGeom prst="rect">
+            <a:avLst/>
+          </a:prstGeom>
+          <a:noFill/>
+          <a:ln>
+            <a:solidFill>
+              <a:srgbClr val="FF0000"/>
+            </a:solidFill>
+          </a:ln>
+        </p:spPr>
+        <p:style>
+          <a:lnRef idx="2">
+            <a:schemeClr val="accent1">
+              <a:shade val="50000"/>
+            </a:schemeClr>
+          </a:lnRef>
+          <a:fillRef idx="1">
+            <a:schemeClr val="accent1"/>
+          </a:fillRef>
+          <a:effectRef idx="0">
+            <a:schemeClr val="accent1"/>
+          </a:effectRef>
+          <a:fontRef idx="minor">
+            <a:schemeClr val="lt1"/>
+          </a:fontRef>
+        </p:style>
+        <p:txBody>
+          <a:bodyPr rtlCol="0" anchor="ctr"/>
+          <a:lstStyle/>
+          <a:p>
+            <a:pPr algn="ctr"/>
+            <a:endParaRPr lang="zh-TW" altLang="en-US"/>
+          </a:p>
+        </p:txBody>
+      </p:sp>
+      <p:cxnSp>
+        <p:nvCxnSpPr>
+          <p:cNvPr id="24" name="直線接點 23"/>
+          <p:cNvCxnSpPr/>
+          <p:nvPr/>
+        </p:nvCxnSpPr>
+        <p:spPr>
+          <a:xfrm>
+            <a:off x="5213268" y="1582872"/>
+            <a:ext cx="2268187" cy="0"/>
+          </a:xfrm>
+          <a:prstGeom prst="line">
+            <a:avLst/>
+          </a:prstGeom>
+          <a:ln>
+            <a:solidFill>
+              <a:srgbClr val="FF0000"/>
+            </a:solidFill>
+          </a:ln>
+        </p:spPr>
+        <p:style>
+          <a:lnRef idx="1">
+            <a:schemeClr val="accent1"/>
+          </a:lnRef>
+          <a:fillRef idx="0">
+            <a:schemeClr val="accent1"/>
+          </a:fillRef>
+          <a:effectRef idx="0">
+            <a:schemeClr val="accent1"/>
+          </a:effectRef>
+          <a:fontRef idx="minor">
+            <a:schemeClr val="tx1"/>
+          </a:fontRef>
+        </p:style>
+      </p:cxnSp>
+      <p:cxnSp>
+        <p:nvCxnSpPr>
+          <p:cNvPr id="26" name="直線單箭頭接點 25"/>
+          <p:cNvCxnSpPr/>
+          <p:nvPr/>
+        </p:nvCxnSpPr>
+        <p:spPr>
+          <a:xfrm>
+            <a:off x="7469579" y="1582872"/>
+            <a:ext cx="23751" cy="2807113"/>
+          </a:xfrm>
+          <a:prstGeom prst="straightConnector1">
+            <a:avLst/>
+          </a:prstGeom>
+          <a:ln>
+            <a:solidFill>
+              <a:srgbClr val="FF0000"/>
+            </a:solidFill>
+            <a:tailEnd type="triangle"/>
+          </a:ln>
+        </p:spPr>
+        <p:style>
+          <a:lnRef idx="1">
+            <a:schemeClr val="accent1"/>
+          </a:lnRef>
+          <a:fillRef idx="0">
+            <a:schemeClr val="accent1"/>
+          </a:fillRef>
+          <a:effectRef idx="0">
+            <a:schemeClr val="accent1"/>
+          </a:effectRef>
+          <a:fontRef idx="minor">
+            <a:schemeClr val="tx1"/>
+          </a:fontRef>
+        </p:style>
+      </p:cxnSp>
+      <p:sp>
+        <p:nvSpPr>
+          <p:cNvPr id="27" name="矩形 26"/>
+          <p:cNvSpPr/>
+          <p:nvPr/>
+        </p:nvSpPr>
+        <p:spPr>
+          <a:xfrm>
+            <a:off x="6733309" y="4476997"/>
+            <a:ext cx="368135" cy="145078"/>
+          </a:xfrm>
+          <a:prstGeom prst="rect">
+            <a:avLst/>
+          </a:prstGeom>
+          <a:noFill/>
+          <a:ln>
+            <a:solidFill>
+              <a:srgbClr val="FF0000"/>
+            </a:solidFill>
+          </a:ln>
+        </p:spPr>
+        <p:style>
+          <a:lnRef idx="2">
+            <a:schemeClr val="accent1">
+              <a:shade val="50000"/>
+            </a:schemeClr>
+          </a:lnRef>
+          <a:fillRef idx="1">
+            <a:schemeClr val="accent1"/>
+          </a:fillRef>
+          <a:effectRef idx="0">
+            <a:schemeClr val="accent1"/>
+          </a:effectRef>
+          <a:fontRef idx="minor">
+            <a:schemeClr val="lt1"/>
+          </a:fontRef>
+        </p:style>
+        <p:txBody>
+          <a:bodyPr rtlCol="0" anchor="ctr"/>
+          <a:lstStyle/>
+          <a:p>
+            <a:pPr algn="ctr"/>
+            <a:endParaRPr lang="zh-TW" altLang="en-US"/>
+          </a:p>
+        </p:txBody>
+      </p:sp>
+      <p:sp>
+        <p:nvSpPr>
+          <p:cNvPr id="28" name="文字方塊 27"/>
+          <p:cNvSpPr txBox="1"/>
+          <p:nvPr/>
+        </p:nvSpPr>
+        <p:spPr>
+          <a:xfrm>
+            <a:off x="6521789" y="1166116"/>
+            <a:ext cx="1800493" cy="369332"/>
+          </a:xfrm>
+          <a:prstGeom prst="rect">
+            <a:avLst/>
+          </a:prstGeom>
+          <a:noFill/>
+        </p:spPr>
+        <p:txBody>
+          <a:bodyPr wrap="none" rtlCol="0">
+            <a:spAutoFit/>
+          </a:bodyPr>
+          <a:lstStyle/>
+          <a:p>
+            <a:r>
+              <a:rPr lang="zh-TW" altLang="en-US" dirty="0" smtClean="0">
+                <a:solidFill>
+                  <a:srgbClr val="FF0000"/>
+                </a:solidFill>
+              </a:rPr>
+              <a:t>加入負責人姓名</a:t>
+            </a:r>
+            <a:endParaRPr lang="zh-TW" altLang="en-US" dirty="0">
+              <a:solidFill>
+                <a:srgbClr val="FF0000"/>
+              </a:solidFill>
+            </a:endParaRPr>
+          </a:p>
+        </p:txBody>
+      </p:sp>
+    </p:spTree>
+    <p:extLst>
+      <p:ext uri="{BB962C8B-B14F-4D97-AF65-F5344CB8AC3E}">
+        <p14:creationId xmlns:p14="http://schemas.microsoft.com/office/powerpoint/2010/main" val="1618346988"/>
+      </p:ext>
+    </p:extLst>
+  </p:cSld>
+  <p:clrMapOvr>
+    <a:masterClrMapping/>
+  </p:clrMapOvr>
+  <p:timing>
+    <p:tnLst>
+      <p:par>
+        <p:cTn id="1" dur="indefinite" restart="never" nodeType="tmRoot"/>
+      </p:par>
+    </p:tnLst>
+  </p:timing>
+</p:sld>
+</file>
+
+<file path=ppt/slides/slide24.xml><?xml version="1.0" encoding="utf-8"?>
+<p:sld xmlns:a="http://schemas.openxmlformats.org/drawingml/2006/main" xmlns:r="http://schemas.openxmlformats.org/officeDocument/2006/relationships" xmlns:p="http://schemas.openxmlformats.org/presentationml/2006/main">
+  <p:cSld>
+    <p:spTree>
+      <p:nvGrpSpPr>
+        <p:cNvPr id="1" name=""/>
+        <p:cNvGrpSpPr/>
+        <p:nvPr/>
+      </p:nvGrpSpPr>
+      <p:grpSpPr>
+        <a:xfrm>
+          <a:off x="0" y="0"/>
+          <a:ext cx="0" cy="0"/>
+          <a:chOff x="0" y="0"/>
+          <a:chExt cx="0" cy="0"/>
+        </a:xfrm>
+      </p:grpSpPr>
+      <p:sp>
+        <p:nvSpPr>
+          <p:cNvPr id="2" name="矩形 1">
+            <a:extLst>
+              <a:ext uri="{FF2B5EF4-FFF2-40B4-BE49-F238E27FC236}">
+                <a16:creationId xmlns:a16="http://schemas.microsoft.com/office/drawing/2014/main" xmlns="" id="{B1EF227F-F971-46C4-8C83-D820A502B67B}"/>
+              </a:ext>
+            </a:extLst>
+          </p:cNvPr>
+          <p:cNvSpPr/>
+          <p:nvPr/>
+        </p:nvSpPr>
+        <p:spPr>
+          <a:xfrm>
+            <a:off x="388823" y="375240"/>
+            <a:ext cx="1848583" cy="400110"/>
+          </a:xfrm>
+          <a:prstGeom prst="rect">
+            <a:avLst/>
+          </a:prstGeom>
+        </p:spPr>
+        <p:txBody>
+          <a:bodyPr wrap="none">
+            <a:spAutoFit/>
+          </a:bodyPr>
+          <a:lstStyle/>
+          <a:p>
+            <a:pPr>
+              <a:spcAft>
+                <a:spcPts val="0"/>
+              </a:spcAft>
+            </a:pPr>
+            <a:r>
+              <a:rPr lang="zh-TW" altLang="en-US" sz="2000" b="1" kern="100" dirty="0">
+                <a:solidFill>
+                  <a:schemeClr val="accent1"/>
+                </a:solidFill>
+                <a:latin typeface="+mn-ea"/>
+                <a:cs typeface="Times New Roman" panose="02020603050405020304" pitchFamily="18" charset="0"/>
+              </a:rPr>
+              <a:t>時程</a:t>
+            </a:r>
+            <a:r>
+              <a:rPr lang="zh-TW" altLang="en-US" sz="2000" b="1" kern="100" dirty="0" smtClean="0">
+                <a:solidFill>
+                  <a:schemeClr val="accent1"/>
+                </a:solidFill>
+                <a:latin typeface="+mn-ea"/>
+                <a:cs typeface="Times New Roman" panose="02020603050405020304" pitchFamily="18" charset="0"/>
+              </a:rPr>
+              <a:t>安排</a:t>
+            </a:r>
+            <a:r>
+              <a:rPr lang="en-US" altLang="zh-TW" sz="2000" b="1" kern="100" dirty="0" smtClean="0">
+                <a:solidFill>
+                  <a:schemeClr val="accent1"/>
+                </a:solidFill>
+                <a:latin typeface="+mn-ea"/>
+                <a:cs typeface="Times New Roman" panose="02020603050405020304" pitchFamily="18" charset="0"/>
+              </a:rPr>
+              <a:t>(4/4)</a:t>
+            </a:r>
+            <a:endParaRPr lang="zh-CN" altLang="en-US" sz="2000" b="1" kern="100" dirty="0">
+              <a:solidFill>
+                <a:schemeClr val="accent1"/>
+              </a:solidFill>
+              <a:latin typeface="+mn-ea"/>
+              <a:cs typeface="Times New Roman" panose="02020603050405020304" pitchFamily="18" charset="0"/>
+            </a:endParaRPr>
+          </a:p>
+        </p:txBody>
+      </p:sp>
+      <p:sp>
+        <p:nvSpPr>
+          <p:cNvPr id="3" name="矩形 2">
+            <a:extLst>
+              <a:ext uri="{FF2B5EF4-FFF2-40B4-BE49-F238E27FC236}">
+                <a16:creationId xmlns:a16="http://schemas.microsoft.com/office/drawing/2014/main" xmlns="" id="{C912F6F4-EE30-438B-8C15-744A8F4E4422}"/>
+              </a:ext>
+            </a:extLst>
+          </p:cNvPr>
+          <p:cNvSpPr/>
+          <p:nvPr/>
+        </p:nvSpPr>
+        <p:spPr>
+          <a:xfrm>
+            <a:off x="388823" y="742818"/>
+            <a:ext cx="822661" cy="276999"/>
+          </a:xfrm>
+          <a:prstGeom prst="rect">
+            <a:avLst/>
+          </a:prstGeom>
+        </p:spPr>
+        <p:txBody>
+          <a:bodyPr wrap="none">
+            <a:spAutoFit/>
+          </a:bodyPr>
+          <a:lstStyle/>
+          <a:p>
+            <a:pPr>
+              <a:spcAft>
+                <a:spcPts val="600"/>
+              </a:spcAft>
+            </a:pPr>
+            <a:r>
+              <a:rPr lang="en-US" altLang="zh-CN" sz="1200" kern="100" dirty="0">
+                <a:solidFill>
+                  <a:schemeClr val="accent1"/>
+                </a:solidFill>
+                <a:latin typeface="+mj-lt"/>
+                <a:cs typeface="Times New Roman" panose="02020603050405020304" pitchFamily="18" charset="0"/>
+              </a:rPr>
+              <a:t>Schedule</a:t>
+            </a:r>
+          </a:p>
+        </p:txBody>
+      </p:sp>
+      <p:pic>
+        <p:nvPicPr>
+          <p:cNvPr id="4" name="圖片 3"/>
+          <p:cNvPicPr>
+            <a:picLocks noChangeAspect="1"/>
+          </p:cNvPicPr>
+          <p:nvPr/>
+        </p:nvPicPr>
+        <p:blipFill>
+          <a:blip r:embed="rId2"/>
+          <a:stretch>
+            <a:fillRect/>
+          </a:stretch>
+        </p:blipFill>
+        <p:spPr>
+          <a:xfrm>
+            <a:off x="2826327" y="375240"/>
+            <a:ext cx="5086350" cy="4419600"/>
+          </a:xfrm>
+          <a:prstGeom prst="rect">
+            <a:avLst/>
+          </a:prstGeom>
+        </p:spPr>
+      </p:pic>
+      <p:pic>
+        <p:nvPicPr>
+          <p:cNvPr id="5" name="圖片 4"/>
+          <p:cNvPicPr>
+            <a:picLocks noChangeAspect="1"/>
+          </p:cNvPicPr>
+          <p:nvPr/>
+        </p:nvPicPr>
+        <p:blipFill>
+          <a:blip r:embed="rId3"/>
+          <a:stretch>
+            <a:fillRect/>
+          </a:stretch>
+        </p:blipFill>
+        <p:spPr>
+          <a:xfrm>
+            <a:off x="2531866" y="2061165"/>
+            <a:ext cx="2209800" cy="1047750"/>
           </a:xfrm>
           <a:prstGeom prst="rect">
             <a:avLst/>
@@ -11821,25 +14738,296 @@
           <p:nvPr/>
         </p:nvPicPr>
         <p:blipFill>
-          <a:blip r:embed="rId3"/>
+          <a:blip r:embed="rId4"/>
           <a:stretch>
             <a:fillRect/>
           </a:stretch>
         </p:blipFill>
         <p:spPr>
           <a:xfrm>
-            <a:off x="2876550" y="375240"/>
-            <a:ext cx="3225800" cy="2395631"/>
+            <a:off x="388823" y="980679"/>
+            <a:ext cx="2143043" cy="3870165"/>
           </a:xfrm>
           <a:prstGeom prst="rect">
             <a:avLst/>
           </a:prstGeom>
         </p:spPr>
       </p:pic>
+      <p:cxnSp>
+        <p:nvCxnSpPr>
+          <p:cNvPr id="8" name="直線接點 7"/>
+          <p:cNvCxnSpPr>
+            <a:endCxn id="5" idx="0"/>
+          </p:cNvCxnSpPr>
+          <p:nvPr/>
+        </p:nvCxnSpPr>
+        <p:spPr>
+          <a:xfrm flipH="1">
+            <a:off x="3636766" y="1543792"/>
+            <a:ext cx="8959" cy="517373"/>
+          </a:xfrm>
+          <a:prstGeom prst="line">
+            <a:avLst/>
+          </a:prstGeom>
+          <a:ln>
+            <a:solidFill>
+              <a:srgbClr val="FF0000"/>
+            </a:solidFill>
+          </a:ln>
+        </p:spPr>
+        <p:style>
+          <a:lnRef idx="1">
+            <a:schemeClr val="accent1"/>
+          </a:lnRef>
+          <a:fillRef idx="0">
+            <a:schemeClr val="accent1"/>
+          </a:fillRef>
+          <a:effectRef idx="0">
+            <a:schemeClr val="accent1"/>
+          </a:effectRef>
+          <a:fontRef idx="minor">
+            <a:schemeClr val="tx1"/>
+          </a:fontRef>
+        </p:style>
+      </p:cxnSp>
+      <p:cxnSp>
+        <p:nvCxnSpPr>
+          <p:cNvPr id="10" name="直線單箭頭接點 9"/>
+          <p:cNvCxnSpPr/>
+          <p:nvPr/>
+        </p:nvCxnSpPr>
+        <p:spPr>
+          <a:xfrm flipH="1">
+            <a:off x="2527387" y="1567543"/>
+            <a:ext cx="1109379" cy="11875"/>
+          </a:xfrm>
+          <a:prstGeom prst="straightConnector1">
+            <a:avLst/>
+          </a:prstGeom>
+          <a:ln>
+            <a:solidFill>
+              <a:srgbClr val="FF0000"/>
+            </a:solidFill>
+            <a:tailEnd type="triangle"/>
+          </a:ln>
+        </p:spPr>
+        <p:style>
+          <a:lnRef idx="1">
+            <a:schemeClr val="accent1"/>
+          </a:lnRef>
+          <a:fillRef idx="0">
+            <a:schemeClr val="accent1"/>
+          </a:fillRef>
+          <a:effectRef idx="0">
+            <a:schemeClr val="accent1"/>
+          </a:effectRef>
+          <a:fontRef idx="minor">
+            <a:schemeClr val="tx1"/>
+          </a:fontRef>
+        </p:style>
+      </p:cxnSp>
+      <p:sp>
+        <p:nvSpPr>
+          <p:cNvPr id="11" name="矩形 10"/>
+          <p:cNvSpPr/>
+          <p:nvPr/>
+        </p:nvSpPr>
+        <p:spPr>
+          <a:xfrm>
+            <a:off x="558140" y="4488873"/>
+            <a:ext cx="1876302" cy="213756"/>
+          </a:xfrm>
+          <a:prstGeom prst="rect">
+            <a:avLst/>
+          </a:prstGeom>
+          <a:noFill/>
+          <a:ln w="38100">
+            <a:solidFill>
+              <a:srgbClr val="FF0000"/>
+            </a:solidFill>
+          </a:ln>
+        </p:spPr>
+        <p:style>
+          <a:lnRef idx="2">
+            <a:schemeClr val="accent1">
+              <a:shade val="50000"/>
+            </a:schemeClr>
+          </a:lnRef>
+          <a:fillRef idx="1">
+            <a:schemeClr val="accent1"/>
+          </a:fillRef>
+          <a:effectRef idx="0">
+            <a:schemeClr val="accent1"/>
+          </a:effectRef>
+          <a:fontRef idx="minor">
+            <a:schemeClr val="lt1"/>
+          </a:fontRef>
+        </p:style>
+        <p:txBody>
+          <a:bodyPr rtlCol="0" anchor="ctr"/>
+          <a:lstStyle/>
+          <a:p>
+            <a:pPr algn="ctr"/>
+            <a:endParaRPr lang="zh-TW" altLang="en-US"/>
+          </a:p>
+        </p:txBody>
+      </p:sp>
+      <p:sp>
+        <p:nvSpPr>
+          <p:cNvPr id="12" name="文字方塊 11"/>
+          <p:cNvSpPr txBox="1"/>
+          <p:nvPr/>
+        </p:nvSpPr>
+        <p:spPr>
+          <a:xfrm>
+            <a:off x="2527387" y="3265343"/>
+            <a:ext cx="1800493" cy="369332"/>
+          </a:xfrm>
+          <a:prstGeom prst="rect">
+            <a:avLst/>
+          </a:prstGeom>
+          <a:noFill/>
+        </p:spPr>
+        <p:txBody>
+          <a:bodyPr wrap="none" rtlCol="0">
+            <a:spAutoFit/>
+          </a:bodyPr>
+          <a:lstStyle/>
+          <a:p>
+            <a:r>
+              <a:rPr lang="zh-TW" altLang="en-US" dirty="0" smtClean="0">
+                <a:solidFill>
+                  <a:srgbClr val="FF0000"/>
+                </a:solidFill>
+              </a:rPr>
+              <a:t>加入負責人姓名</a:t>
+            </a:r>
+            <a:endParaRPr lang="zh-TW" altLang="en-US" dirty="0">
+              <a:solidFill>
+                <a:srgbClr val="FF0000"/>
+              </a:solidFill>
+            </a:endParaRPr>
+          </a:p>
+        </p:txBody>
+      </p:sp>
+      <p:sp>
+        <p:nvSpPr>
+          <p:cNvPr id="13" name="文字方塊 12"/>
+          <p:cNvSpPr txBox="1"/>
+          <p:nvPr/>
+        </p:nvSpPr>
+        <p:spPr>
+          <a:xfrm>
+            <a:off x="6952536" y="881317"/>
+            <a:ext cx="2319198" cy="338554"/>
+          </a:xfrm>
+          <a:prstGeom prst="rect">
+            <a:avLst/>
+          </a:prstGeom>
+          <a:noFill/>
+        </p:spPr>
+        <p:txBody>
+          <a:bodyPr wrap="square" rtlCol="0">
+            <a:spAutoFit/>
+          </a:bodyPr>
+          <a:lstStyle/>
+          <a:p>
+            <a:r>
+              <a:rPr lang="zh-TW" altLang="en-US" sz="1600" dirty="0" smtClean="0">
+                <a:solidFill>
+                  <a:srgbClr val="FF0000"/>
+                </a:solidFill>
+              </a:rPr>
+              <a:t>黑色粗體現為主任務</a:t>
+            </a:r>
+            <a:endParaRPr lang="zh-TW" altLang="en-US" sz="1600" dirty="0">
+              <a:solidFill>
+                <a:srgbClr val="FF0000"/>
+              </a:solidFill>
+            </a:endParaRPr>
+          </a:p>
+        </p:txBody>
+      </p:sp>
+      <p:sp>
+        <p:nvSpPr>
+          <p:cNvPr id="14" name="文字方塊 13"/>
+          <p:cNvSpPr txBox="1"/>
+          <p:nvPr/>
+        </p:nvSpPr>
+        <p:spPr>
+          <a:xfrm>
+            <a:off x="6907490" y="1228989"/>
+            <a:ext cx="2236510" cy="338554"/>
+          </a:xfrm>
+          <a:prstGeom prst="rect">
+            <a:avLst/>
+          </a:prstGeom>
+          <a:noFill/>
+        </p:spPr>
+        <p:txBody>
+          <a:bodyPr wrap="none" rtlCol="0">
+            <a:spAutoFit/>
+          </a:bodyPr>
+          <a:lstStyle/>
+          <a:p>
+            <a:r>
+              <a:rPr lang="zh-TW" altLang="en-US" sz="1600" dirty="0" smtClean="0">
+                <a:solidFill>
+                  <a:srgbClr val="FF0000"/>
+                </a:solidFill>
+              </a:rPr>
+              <a:t>藍色為各項任務時程條</a:t>
+            </a:r>
+            <a:endParaRPr lang="zh-TW" altLang="en-US" sz="1600" dirty="0">
+              <a:solidFill>
+                <a:srgbClr val="FF0000"/>
+              </a:solidFill>
+            </a:endParaRPr>
+          </a:p>
+        </p:txBody>
+      </p:sp>
+      <p:sp>
+        <p:nvSpPr>
+          <p:cNvPr id="15" name="文字方塊 14"/>
+          <p:cNvSpPr txBox="1"/>
+          <p:nvPr/>
+        </p:nvSpPr>
+        <p:spPr>
+          <a:xfrm>
+            <a:off x="6907490" y="1556671"/>
+            <a:ext cx="1826141" cy="338554"/>
+          </a:xfrm>
+          <a:prstGeom prst="rect">
+            <a:avLst/>
+          </a:prstGeom>
+          <a:noFill/>
+        </p:spPr>
+        <p:txBody>
+          <a:bodyPr wrap="none" rtlCol="0">
+            <a:spAutoFit/>
+          </a:bodyPr>
+          <a:lstStyle/>
+          <a:p>
+            <a:r>
+              <a:rPr lang="zh-TW" altLang="en-US" sz="1600" dirty="0" smtClean="0">
+                <a:solidFill>
+                  <a:srgbClr val="FF0000"/>
+                </a:solidFill>
+              </a:rPr>
+              <a:t>黑色細線為進度條</a:t>
+            </a:r>
+            <a:endParaRPr lang="zh-TW" altLang="en-US" sz="1600" dirty="0">
+              <a:solidFill>
+                <a:srgbClr val="FF0000"/>
+              </a:solidFill>
+            </a:endParaRPr>
+          </a:p>
+        </p:txBody>
+      </p:sp>
     </p:spTree>
     <p:extLst>
       <p:ext uri="{BB962C8B-B14F-4D97-AF65-F5344CB8AC3E}">
-        <p14:creationId xmlns:p14="http://schemas.microsoft.com/office/powerpoint/2010/main" val="2334760182"/>
+        <p14:creationId xmlns:p14="http://schemas.microsoft.com/office/powerpoint/2010/main" val="2711651128"/>
       </p:ext>
     </p:extLst>
   </p:cSld>
@@ -15527,6 +18715,13 @@
   <p:clrMapOvr>
     <a:masterClrMapping/>
   </p:clrMapOvr>
+  <p:timing>
+    <p:tnLst>
+      <p:par>
+        <p:cTn id="1" dur="indefinite" restart="never" nodeType="tmRoot"/>
+      </p:par>
+    </p:tnLst>
+  </p:timing>
 </p:sld>
 </file>
 
@@ -16442,6 +19637,13 @@
   <p:clrMapOvr>
     <a:masterClrMapping/>
   </p:clrMapOvr>
+  <p:timing>
+    <p:tnLst>
+      <p:par>
+        <p:cTn id="1" dur="indefinite" restart="never" nodeType="tmRoot"/>
+      </p:par>
+    </p:tnLst>
+  </p:timing>
 </p:sld>
 </file>
 
@@ -17047,6 +20249,13 @@
   <p:clrMapOvr>
     <a:masterClrMapping/>
   </p:clrMapOvr>
+  <p:timing>
+    <p:tnLst>
+      <p:par>
+        <p:cTn id="1" dur="indefinite" restart="never" nodeType="tmRoot"/>
+      </p:par>
+    </p:tnLst>
+  </p:timing>
 </p:sld>
 </file>
 
@@ -19538,6 +22747,13 @@
   <p:clrMapOvr>
     <a:masterClrMapping/>
   </p:clrMapOvr>
+  <p:timing>
+    <p:tnLst>
+      <p:par>
+        <p:cTn id="1" dur="indefinite" restart="never" nodeType="tmRoot"/>
+      </p:par>
+    </p:tnLst>
+  </p:timing>
 </p:sld>
 </file>
 
@@ -20181,6 +23397,13 @@
   <p:clrMapOvr>
     <a:masterClrMapping/>
   </p:clrMapOvr>
+  <p:timing>
+    <p:tnLst>
+      <p:par>
+        <p:cTn id="1" dur="indefinite" restart="never" nodeType="tmRoot"/>
+      </p:par>
+    </p:tnLst>
+  </p:timing>
 </p:sld>
 </file>
 
@@ -21061,6 +24284,13 @@
   <p:clrMapOvr>
     <a:masterClrMapping/>
   </p:clrMapOvr>
+  <p:timing>
+    <p:tnLst>
+      <p:par>
+        <p:cTn id="1" dur="indefinite" restart="never" nodeType="tmRoot"/>
+      </p:par>
+    </p:tnLst>
+  </p:timing>
 </p:sld>
 </file>
 
@@ -23515,6 +26745,13 @@
   <p:clrMapOvr>
     <a:masterClrMapping/>
   </p:clrMapOvr>
+  <p:timing>
+    <p:tnLst>
+      <p:par>
+        <p:cTn id="1" dur="indefinite" restart="never" nodeType="tmRoot"/>
+      </p:par>
+    </p:tnLst>
+  </p:timing>
 </p:sld>
 </file>
 
@@ -23535,30 +26772,6 @@
           <a:chExt cx="0" cy="0"/>
         </a:xfrm>
       </p:grpSpPr>
-      <p:pic>
-        <p:nvPicPr>
-          <p:cNvPr id="2" name="圖片 1"/>
-          <p:cNvPicPr>
-            <a:picLocks noChangeAspect="1"/>
-          </p:cNvPicPr>
-          <p:nvPr/>
-        </p:nvPicPr>
-        <p:blipFill>
-          <a:blip r:embed="rId2"/>
-          <a:stretch>
-            <a:fillRect/>
-          </a:stretch>
-        </p:blipFill>
-        <p:spPr>
-          <a:xfrm>
-            <a:off x="2357717" y="485232"/>
-            <a:ext cx="4317626" cy="4333858"/>
-          </a:xfrm>
-          <a:prstGeom prst="rect">
-            <a:avLst/>
-          </a:prstGeom>
-        </p:spPr>
-      </p:pic>
       <p:sp>
         <p:nvSpPr>
           <p:cNvPr id="4" name="矩形 3">
@@ -23611,6 +26824,36 @@
           </a:p>
         </p:txBody>
       </p:sp>
+      <p:pic>
+        <p:nvPicPr>
+          <p:cNvPr id="3" name="圖片 2"/>
+          <p:cNvPicPr>
+            <a:picLocks noChangeAspect="1"/>
+          </p:cNvPicPr>
+          <p:nvPr/>
+        </p:nvPicPr>
+        <p:blipFill>
+          <a:blip r:embed="rId2">
+            <a:extLst>
+              <a:ext uri="{28A0092B-C50C-407E-A947-70E740481C1C}">
+                <a14:useLocalDpi xmlns:a14="http://schemas.microsoft.com/office/drawing/2010/main" val="0"/>
+              </a:ext>
+            </a:extLst>
+          </a:blip>
+          <a:stretch>
+            <a:fillRect/>
+          </a:stretch>
+        </p:blipFill>
+        <p:spPr>
+          <a:xfrm>
+            <a:off x="2365828" y="375240"/>
+            <a:ext cx="4374113" cy="4444892"/>
+          </a:xfrm>
+          <a:prstGeom prst="rect">
+            <a:avLst/>
+          </a:prstGeom>
+        </p:spPr>
+      </p:pic>
     </p:spTree>
     <p:extLst>
       <p:ext uri="{BB962C8B-B14F-4D97-AF65-F5344CB8AC3E}">
@@ -23621,6 +26864,13 @@
   <p:clrMapOvr>
     <a:masterClrMapping/>
   </p:clrMapOvr>
+  <p:timing>
+    <p:tnLst>
+      <p:par>
+        <p:cTn id="1" dur="indefinite" restart="never" nodeType="tmRoot"/>
+      </p:par>
+    </p:tnLst>
+  </p:timing>
 </p:sld>
 </file>
 
